--- a/Mini-Project Presentation/mini-presentation.pptx
+++ b/Mini-Project Presentation/mini-presentation.pptx
@@ -2,12 +2,12 @@
 <file path=ppt/presentation.xml><?xml version="1.0" encoding="utf-8"?>
 <p:presentation xmlns:a="http://schemas.openxmlformats.org/drawingml/2006/main" xmlns:r="http://schemas.openxmlformats.org/officeDocument/2006/relationships" xmlns:p="http://schemas.openxmlformats.org/presentationml/2006/main" xmlns:p14="http://schemas.microsoft.com/office/powerpoint/2010/main" showSpecialPlsOnTitleSld="0" saveSubsetFonts="1" autoCompressPictures="0">
   <p:sldMasterIdLst>
-    <p:sldMasterId id="2147483879" r:id="rId15"/>
-    <p:sldMasterId id="2147483880" r:id="rId17"/>
-    <p:sldMasterId id="2147483881" r:id="rId19"/>
-    <p:sldMasterId id="2147483882" r:id="rId21"/>
-    <p:sldMasterId id="2147483883" r:id="rId23"/>
-    <p:sldMasterId id="2147483884" r:id="rId25"/>
+    <p:sldMasterId id="2147483921" r:id="rId15"/>
+    <p:sldMasterId id="2147483922" r:id="rId17"/>
+    <p:sldMasterId id="2147483923" r:id="rId19"/>
+    <p:sldMasterId id="2147483924" r:id="rId21"/>
+    <p:sldMasterId id="2147483925" r:id="rId23"/>
+    <p:sldMasterId id="2147483926" r:id="rId25"/>
   </p:sldMasterIdLst>
   <p:notesMasterIdLst>
     <p:notesMasterId r:id="rId29"/>
@@ -17,10 +17,12 @@
   </p:handoutMasterIdLst>
   <p:sldIdLst>
     <p:sldId id="355" r:id="rId31"/>
-    <p:sldId id="399" r:id="rId32"/>
-    <p:sldId id="400" r:id="rId33"/>
-    <p:sldId id="403" r:id="rId34"/>
-    <p:sldId id="406" r:id="rId35"/>
+    <p:sldId id="399" r:id="rId33"/>
+    <p:sldId id="400" r:id="rId34"/>
+    <p:sldId id="403" r:id="rId35"/>
+    <p:sldId id="406" r:id="rId36"/>
+    <p:sldId id="408" r:id="rId37"/>
+    <p:sldId id="409" r:id="rId38"/>
   </p:sldIdLst>
   <p:sldSz cx="9144000" cy="5143500"/>
   <p:notesSz cx="9925050" cy="6666230"/>
@@ -166,17 +168,17 @@
     </p:ext>
     <p:ext uri="{EFAFB233-063F-42B5-8137-9DF3F51BA10A}">
       <p15:sldGuideLst xmlns:p15="http://schemas.microsoft.com/office/powerpoint/2012/main">
-        <p15:guide id="1" orient="horz" pos="2159" userDrawn="0">
+        <p15:guide id="1" orient="horz" pos="2158" userDrawn="0">
           <p15:clr>
             <a:srgbClr val="A4A3A4"/>
           </p15:clr>
         </p15:guide>
-        <p15:guide id="2" pos="2879" userDrawn="0">
+        <p15:guide id="2" pos="2878" userDrawn="0">
           <p15:clr>
             <a:srgbClr val="A4A3A4"/>
           </p15:clr>
         </p15:guide>
-        <p15:guide id="3" orient="horz" pos="1619" userDrawn="0">
+        <p15:guide id="3" orient="horz" pos="1618" userDrawn="0">
           <p15:clr>
             <a:srgbClr val="A4A3A4"/>
           </p15:clr>
@@ -8664,6 +8666,670 @@
           </a:ln>
         </p:spPr>
       </p:pic>
+    </p:spTree>
+  </p:cSld>
+  <p:clrMapOvr>
+    <a:masterClrMapping/>
+  </p:clrMapOvr>
+  <mc:AlternateContent xmlns:mc="http://schemas.openxmlformats.org/markup-compatibility/2006">
+    <mc:Choice xmlns:p14="http://schemas.microsoft.com/office/powerpoint/2010/main" Requires="p14">
+      <p:transition spd="slow" p14:dur="2000"/>
+    </mc:Choice>
+    <mc:Fallback>
+      <p:transition spd="slow"/>
+    </mc:Fallback>
+  </mc:AlternateContent>
+</p:sld>
+</file>
+
+<file path=ppt/slides/slide6.xml><?xml version="1.0" encoding="utf-8"?>
+<p:sld xmlns:a="http://schemas.openxmlformats.org/drawingml/2006/main" xmlns:r="http://schemas.openxmlformats.org/officeDocument/2006/relationships" xmlns:p="http://schemas.openxmlformats.org/presentationml/2006/main">
+  <p:cSld>
+    <p:spTree>
+      <p:nvGrpSpPr>
+        <p:cNvPr id="1" name=""/>
+        <p:cNvGrpSpPr/>
+        <p:nvPr/>
+      </p:nvGrpSpPr>
+      <p:grpSpPr>
+        <a:xfrm>
+          <a:off x="0" y="0"/>
+          <a:ext cx="0" cy="0"/>
+          <a:chOff x="0" y="0"/>
+          <a:chExt cx="0" cy="0"/>
+        </a:xfrm>
+      </p:grpSpPr>
+      <p:sp useBgFill="1">
+        <p:nvSpPr>
+          <p:cNvPr id="4" name="Textplatzhalter 7"/>
+          <p:cNvSpPr txBox="1">
+            <a:spLocks/>
+          </p:cNvSpPr>
+          <p:nvPr>
+            <p:ph type="obj" idx="1" hasCustomPrompt="1"/>
+          </p:nvPr>
+        </p:nvSpPr>
+        <p:spPr>
+          <a:xfrm rot="0">
+            <a:off x="319405" y="1600200"/>
+            <a:ext cx="8509635" cy="3096260"/>
+          </a:xfrm>
+          <a:prstGeom prst="rect"/>
+          <a:ln w="0">
+            <a:noFill/>
+            <a:prstDash/>
+          </a:ln>
+        </p:spPr>
+        <p:txBody>
+          <a:bodyPr wrap="square" lIns="0" tIns="0" rIns="0" bIns="0" numCol="1" vert="horz" anchor="t">
+            <a:noAutofit/>
+          </a:bodyPr>
+          <a:lstStyle>
+            <a:lvl1pPr marL="0" indent="0" latinLnBrk="0">
+              <a:lnSpc>
+                <a:spcPct val="114000"/>
+              </a:lnSpc>
+              <a:buFontTx/>
+              <a:buNone/>
+              <a:defRPr lang="en-GB" altLang="en-US" sz="1400"/>
+            </a:lvl1pPr>
+          </a:lstStyle>
+          <a:p>
+            <a:pPr marL="0" indent="0" rtl="0"/>
+            <a:r>
+              <a:rPr lang="de-DE" sz="1600">
+                <a:latin typeface="Arial" charset="0"/>
+                <a:ea typeface="Times New Roman" charset="0"/>
+                <a:cs typeface="+mn-cs"/>
+              </a:rPr>
+              <a:t>Transform</a:t>
+            </a:r>
+            <a:r>
+              <a:rPr lang="de-DE" sz="1600">
+                <a:latin typeface="+mn-lt"/>
+                <a:ea typeface="+mn-ea"/>
+                <a:cs typeface="+mn-cs"/>
+              </a:rPr>
+              <a:t> unstructured Wikipedia articles into structured knowledge graphs using LLM’s</a:t>
+            </a:r>
+            <a:endParaRPr lang="ko-KR" altLang="en-US" sz="1600">
+              <a:latin typeface="+mn-lt"/>
+              <a:ea typeface="+mn-ea"/>
+              <a:cs typeface="+mn-cs"/>
+            </a:endParaRPr>
+          </a:p>
+        </p:txBody>
+      </p:sp>
+      <p:sp useBgFill="1">
+        <p:nvSpPr>
+          <p:cNvPr id="3" name="Titel 1"/>
+          <p:cNvSpPr txBox="1">
+            <a:spLocks/>
+          </p:cNvSpPr>
+          <p:nvPr>
+            <p:ph type="title" hasCustomPrompt="1"/>
+          </p:nvPr>
+        </p:nvSpPr>
+        <p:spPr>
+          <a:xfrm rot="0">
+            <a:off x="319405" y="972185"/>
+            <a:ext cx="8509635" cy="407035"/>
+          </a:xfrm>
+          <a:prstGeom prst="rect"/>
+          <a:ln w="0">
+            <a:noFill/>
+            <a:prstDash/>
+          </a:ln>
+        </p:spPr>
+        <p:txBody>
+          <a:bodyPr wrap="square" lIns="0" tIns="0" rIns="0" bIns="0" numCol="1" vert="horz" anchor="t">
+            <a:spAutoFit/>
+          </a:bodyPr>
+          <a:lstStyle>
+            <a:lvl1pPr marL="0" indent="0" latinLnBrk="0">
+              <a:lnSpc>
+                <a:spcPts val="3200"/>
+              </a:lnSpc>
+              <a:buFontTx/>
+              <a:buNone/>
+              <a:defRPr lang="en-GB" altLang="en-US" sz="2500"/>
+            </a:lvl1pPr>
+          </a:lstStyle>
+          <a:p>
+            <a:pPr marL="0" indent="0" rtl="0"/>
+            <a:r>
+              <a:rPr lang="de-DE" sz="2500" b="0">
+                <a:latin typeface="Arial" charset="0"/>
+                <a:ea typeface="Times New Roman" charset="0"/>
+                <a:cs typeface="+mj-cs"/>
+              </a:rPr>
+              <a:t>Problem</a:t>
+            </a:r>
+            <a:r>
+              <a:rPr lang="de-DE" sz="2500" b="0">
+                <a:latin typeface="Arial" charset="0"/>
+                <a:ea typeface="Times New Roman" charset="0"/>
+                <a:cs typeface="+mj-cs"/>
+              </a:rPr>
+              <a:t> statement</a:t>
+            </a:r>
+            <a:endParaRPr lang="ko-KR" altLang="en-US" sz="2500" b="0">
+              <a:latin typeface="Arial" charset="0"/>
+              <a:ea typeface="Times New Roman" charset="0"/>
+              <a:cs typeface="+mj-cs"/>
+            </a:endParaRPr>
+          </a:p>
+        </p:txBody>
+      </p:sp>
+      <p:pic>
+        <p:nvPicPr>
+          <p:cNvPr id="5" name="Bild 9" descr="/Users/abraxas/Library/Group Containers/L48J367XN4.com.infraware.PolarisOffice/EngineTemp/48931/fImage124141475718.png"/>
+          <p:cNvPicPr>
+            <a:picLocks noChangeAspect="1"/>
+          </p:cNvPicPr>
+          <p:nvPr/>
+        </p:nvPicPr>
+        <p:blipFill rotWithShape="1">
+          <a:blip r:embed="rId2" cstate="print">
+            <a:extLst>
+              <a:ext uri="{28A0092B-C50C-407E-A947-70E740481C1C}">
+                <a14:useLocalDpi xmlns:a14="http://schemas.microsoft.com/office/drawing/2010/main" val="0"/>
+              </a:ext>
+            </a:extLst>
+          </a:blip>
+          <a:stretch>
+            <a:fillRect/>
+          </a:stretch>
+        </p:blipFill>
+        <p:spPr>
+          <a:xfrm rot="0">
+            <a:off x="4208780" y="2537460"/>
+            <a:ext cx="4376420" cy="1642110"/>
+          </a:xfrm>
+          <a:prstGeom prst="rect"/>
+          <a:noFill/>
+        </p:spPr>
+      </p:pic>
+      <p:sp>
+        <p:nvSpPr>
+          <p:cNvPr id="6" name="Textfeld 10"/>
+          <p:cNvSpPr txBox="1">
+            <a:spLocks/>
+          </p:cNvSpPr>
+          <p:nvPr/>
+        </p:nvSpPr>
+        <p:spPr>
+          <a:xfrm rot="0">
+            <a:off x="318135" y="2233930"/>
+            <a:ext cx="4040505" cy="2463165"/>
+          </a:xfrm>
+          <a:prstGeom prst="rect"/>
+          <a:noFill/>
+          <a:ln w="0">
+            <a:noFill/>
+            <a:prstDash/>
+          </a:ln>
+        </p:spPr>
+        <p:txBody>
+          <a:bodyPr wrap="square" lIns="89535" tIns="46355" rIns="89535" bIns="46355" vert="horz" anchor="t">
+            <a:spAutoFit/>
+          </a:bodyPr>
+          <a:lstStyle/>
+          <a:p>
+            <a:pPr marL="0" indent="0" algn="l" hangingPunct="1"/>
+            <a:r>
+              <a:rPr sz="1400">
+                <a:latin typeface="Arial" charset="0"/>
+                <a:ea typeface="Arial" charset="0"/>
+                <a:cs typeface="Arial" charset="0"/>
+              </a:rPr>
+              <a:t>Key</a:t>
+            </a:r>
+            <a:r>
+              <a:rPr sz="1400">
+                <a:latin typeface="Arial" charset="0"/>
+                <a:ea typeface="Arial" charset="0"/>
+                <a:cs typeface="Arial" charset="0"/>
+              </a:rPr>
+              <a:t> Components :</a:t>
+            </a:r>
+            <a:endParaRPr lang="ko-KR" altLang="en-US" sz="1400">
+              <a:latin typeface="Arial" charset="0"/>
+              <a:ea typeface="Arial" charset="0"/>
+              <a:cs typeface="Arial" charset="0"/>
+            </a:endParaRPr>
+          </a:p>
+          <a:p>
+            <a:pPr marL="0" indent="0" algn="l" hangingPunct="1"/>
+            <a:endParaRPr lang="ko-KR" altLang="en-US" sz="1800">
+              <a:latin typeface="Arial" charset="0"/>
+              <a:ea typeface="Arial" charset="0"/>
+              <a:cs typeface="Arial" charset="0"/>
+            </a:endParaRPr>
+          </a:p>
+          <a:p>
+            <a:pPr marL="254000" indent="-254000" algn="l" hangingPunct="1">
+              <a:buFont typeface="+mj-lt"/>
+              <a:buAutoNum type="arabicPeriod"/>
+            </a:pPr>
+            <a:r>
+              <a:rPr sz="1200">
+                <a:latin typeface="Arial" charset="0"/>
+                <a:ea typeface="Arial" charset="0"/>
+                <a:cs typeface="Arial" charset="0"/>
+              </a:rPr>
+              <a:t>Input</a:t>
+            </a:r>
+            <a:endParaRPr lang="ko-KR" altLang="en-US" sz="1200">
+              <a:latin typeface="Arial" charset="0"/>
+              <a:ea typeface="Arial" charset="0"/>
+              <a:cs typeface="Arial" charset="0"/>
+            </a:endParaRPr>
+          </a:p>
+          <a:p>
+            <a:pPr marL="254000" indent="-254000" algn="l" hangingPunct="1">
+              <a:buFont typeface="+mj-lt"/>
+              <a:buAutoNum type="arabicPeriod"/>
+            </a:pPr>
+            <a:r>
+              <a:rPr sz="1200">
+                <a:latin typeface="Arial" charset="0"/>
+                <a:ea typeface="Arial" charset="0"/>
+                <a:cs typeface="Arial" charset="0"/>
+              </a:rPr>
+              <a:t>Process</a:t>
+            </a:r>
+            <a:endParaRPr lang="ko-KR" altLang="en-US" sz="1200">
+              <a:latin typeface="Arial" charset="0"/>
+              <a:ea typeface="Arial" charset="0"/>
+              <a:cs typeface="Arial" charset="0"/>
+            </a:endParaRPr>
+          </a:p>
+          <a:p>
+            <a:pPr marL="254000" indent="-254000" algn="l" hangingPunct="1">
+              <a:buFont typeface="+mj-lt"/>
+              <a:buAutoNum type="arabicPeriod"/>
+            </a:pPr>
+            <a:r>
+              <a:rPr sz="1200">
+                <a:latin typeface="Arial" charset="0"/>
+                <a:ea typeface="Arial" charset="0"/>
+                <a:cs typeface="Arial" charset="0"/>
+              </a:rPr>
+              <a:t>Output</a:t>
+            </a:r>
+            <a:endParaRPr lang="ko-KR" altLang="en-US" sz="1200">
+              <a:latin typeface="Arial" charset="0"/>
+              <a:ea typeface="Arial" charset="0"/>
+              <a:cs typeface="Arial" charset="0"/>
+            </a:endParaRPr>
+          </a:p>
+          <a:p>
+            <a:pPr marL="0" indent="0" algn="l" hangingPunct="1"/>
+            <a:endParaRPr lang="ko-KR" altLang="en-US" sz="1800">
+              <a:latin typeface="Arial" charset="0"/>
+              <a:ea typeface="Arial" charset="0"/>
+              <a:cs typeface="Arial" charset="0"/>
+            </a:endParaRPr>
+          </a:p>
+          <a:p>
+            <a:pPr marL="0" indent="0" algn="l" hangingPunct="1"/>
+            <a:r>
+              <a:rPr sz="1400">
+                <a:latin typeface="Arial" charset="0"/>
+                <a:ea typeface="Arial" charset="0"/>
+                <a:cs typeface="Arial" charset="0"/>
+              </a:rPr>
+              <a:t>Main</a:t>
+            </a:r>
+            <a:r>
+              <a:rPr sz="1400">
+                <a:latin typeface="Arial" charset="0"/>
+                <a:ea typeface="Arial" charset="0"/>
+                <a:cs typeface="Arial" charset="0"/>
+              </a:rPr>
+              <a:t> </a:t>
+            </a:r>
+            <a:r>
+              <a:rPr sz="1400">
+                <a:latin typeface="Arial" charset="0"/>
+                <a:ea typeface="Arial" charset="0"/>
+                <a:cs typeface="Arial" charset="0"/>
+              </a:rPr>
+              <a:t>Challenges :</a:t>
+            </a:r>
+            <a:endParaRPr lang="ko-KR" altLang="en-US" sz="1400">
+              <a:latin typeface="Arial" charset="0"/>
+              <a:ea typeface="Arial" charset="0"/>
+              <a:cs typeface="Arial" charset="0"/>
+            </a:endParaRPr>
+          </a:p>
+          <a:p>
+            <a:pPr marL="0" indent="0" algn="l" hangingPunct="1"/>
+            <a:endParaRPr lang="ko-KR" altLang="en-US" sz="1800">
+              <a:latin typeface="Arial" charset="0"/>
+              <a:ea typeface="Arial" charset="0"/>
+              <a:cs typeface="Arial" charset="0"/>
+            </a:endParaRPr>
+          </a:p>
+          <a:p>
+            <a:pPr marL="254000" indent="-254000" algn="l" hangingPunct="1">
+              <a:buFont typeface="Wingdings"/>
+              <a:buChar char=""/>
+            </a:pPr>
+            <a:r>
+              <a:rPr sz="1200">
+                <a:latin typeface="Arial" charset="0"/>
+                <a:ea typeface="Arial" charset="0"/>
+                <a:cs typeface="Arial" charset="0"/>
+              </a:rPr>
+              <a:t>Accuracy of Triple Extraction</a:t>
+            </a:r>
+            <a:endParaRPr lang="ko-KR" altLang="en-US" sz="1200">
+              <a:latin typeface="Arial" charset="0"/>
+              <a:ea typeface="Arial" charset="0"/>
+              <a:cs typeface="Arial" charset="0"/>
+            </a:endParaRPr>
+          </a:p>
+          <a:p>
+            <a:pPr marL="254000" indent="-254000" algn="l" hangingPunct="1">
+              <a:buFont typeface="Wingdings"/>
+              <a:buChar char=""/>
+            </a:pPr>
+            <a:r>
+              <a:rPr sz="1200">
+                <a:latin typeface="Arial" charset="0"/>
+                <a:ea typeface="Arial" charset="0"/>
+                <a:cs typeface="Arial" charset="0"/>
+              </a:rPr>
+              <a:t>Prompt Design for LLM’s</a:t>
+            </a:r>
+            <a:endParaRPr lang="ko-KR" altLang="en-US" sz="1200">
+              <a:latin typeface="Arial" charset="0"/>
+              <a:ea typeface="Arial" charset="0"/>
+              <a:cs typeface="Arial" charset="0"/>
+            </a:endParaRPr>
+          </a:p>
+          <a:p>
+            <a:pPr marL="254000" indent="-254000" algn="l" hangingPunct="1">
+              <a:buFont typeface="Wingdings"/>
+              <a:buChar char=""/>
+            </a:pPr>
+            <a:r>
+              <a:rPr sz="1200">
+                <a:latin typeface="Arial" charset="0"/>
+                <a:ea typeface="Arial" charset="0"/>
+                <a:cs typeface="Arial" charset="0"/>
+              </a:rPr>
+              <a:t>Ontology Alignment</a:t>
+            </a:r>
+            <a:endParaRPr lang="ko-KR" altLang="en-US" sz="1200">
+              <a:latin typeface="Arial" charset="0"/>
+              <a:ea typeface="Arial" charset="0"/>
+              <a:cs typeface="Arial" charset="0"/>
+            </a:endParaRPr>
+          </a:p>
+        </p:txBody>
+      </p:sp>
+    </p:spTree>
+  </p:cSld>
+  <p:clrMapOvr>
+    <a:masterClrMapping/>
+  </p:clrMapOvr>
+  <mc:AlternateContent xmlns:mc="http://schemas.openxmlformats.org/markup-compatibility/2006">
+    <mc:Choice xmlns:p14="http://schemas.microsoft.com/office/powerpoint/2010/main" Requires="p14">
+      <p:transition spd="slow" p14:dur="2000"/>
+    </mc:Choice>
+    <mc:Fallback>
+      <p:transition spd="slow"/>
+    </mc:Fallback>
+  </mc:AlternateContent>
+</p:sld>
+</file>
+
+<file path=ppt/slides/slide7.xml><?xml version="1.0" encoding="utf-8"?>
+<p:sld xmlns:a="http://schemas.openxmlformats.org/drawingml/2006/main" xmlns:r="http://schemas.openxmlformats.org/officeDocument/2006/relationships" xmlns:p="http://schemas.openxmlformats.org/presentationml/2006/main">
+  <p:cSld>
+    <p:spTree>
+      <p:nvGrpSpPr>
+        <p:cNvPr id="1" name=""/>
+        <p:cNvGrpSpPr/>
+        <p:nvPr/>
+      </p:nvGrpSpPr>
+      <p:grpSpPr>
+        <a:xfrm>
+          <a:off x="0" y="0"/>
+          <a:ext cx="0" cy="0"/>
+          <a:chOff x="0" y="0"/>
+          <a:chExt cx="0" cy="0"/>
+        </a:xfrm>
+      </p:grpSpPr>
+      <p:sp>
+        <p:nvSpPr>
+          <p:cNvPr id="3" name="Titel 1"/>
+          <p:cNvSpPr txBox="1">
+            <a:spLocks/>
+          </p:cNvSpPr>
+          <p:nvPr>
+            <p:ph type="title" hasCustomPrompt="1"/>
+          </p:nvPr>
+        </p:nvSpPr>
+        <p:spPr>
+          <a:xfrm rot="0">
+            <a:off x="319405" y="972185"/>
+            <a:ext cx="8509635" cy="407035"/>
+          </a:xfrm>
+          <a:prstGeom prst="rect"/>
+          <a:noFill/>
+          <a:ln w="0">
+            <a:noFill/>
+            <a:prstDash/>
+          </a:ln>
+        </p:spPr>
+        <p:txBody>
+          <a:bodyPr wrap="square" lIns="0" tIns="0" rIns="0" bIns="0" numCol="1" vert="horz" anchor="t">
+            <a:spAutoFit/>
+          </a:bodyPr>
+          <a:lstStyle>
+            <a:lvl1pPr marL="0" indent="0" latinLnBrk="0">
+              <a:lnSpc>
+                <a:spcPts val="3200"/>
+              </a:lnSpc>
+              <a:buFontTx/>
+              <a:buNone/>
+              <a:defRPr lang="en-GB" altLang="en-US" sz="2500"/>
+            </a:lvl1pPr>
+          </a:lstStyle>
+          <a:p>
+            <a:pPr marL="0" indent="0" rtl="0"/>
+            <a:r>
+              <a:rPr lang="de-DE" sz="2500" b="0">
+                <a:latin typeface="Arial" charset="0"/>
+                <a:ea typeface="Times New Roman" charset="0"/>
+                <a:cs typeface="+mj-cs"/>
+              </a:rPr>
+              <a:t>Sources</a:t>
+            </a:r>
+            <a:endParaRPr lang="ko-KR" altLang="en-US" sz="2500" b="0">
+              <a:latin typeface="Arial" charset="0"/>
+              <a:ea typeface="Times New Roman" charset="0"/>
+              <a:cs typeface="+mj-cs"/>
+            </a:endParaRPr>
+          </a:p>
+        </p:txBody>
+      </p:sp>
+      <p:sp>
+        <p:nvSpPr>
+          <p:cNvPr id="2" name="Inhaltsplatzhalter 2"/>
+          <p:cNvSpPr txBox="1">
+            <a:spLocks/>
+          </p:cNvSpPr>
+          <p:nvPr>
+            <p:ph type="obj" idx="1" hasCustomPrompt="1"/>
+          </p:nvPr>
+        </p:nvSpPr>
+        <p:spPr>
+          <a:xfrm rot="0">
+            <a:off x="319405" y="1600200"/>
+            <a:ext cx="8509635" cy="3096260"/>
+          </a:xfrm>
+          <a:prstGeom prst="rect"/>
+          <a:noFill/>
+          <a:ln w="0">
+            <a:noFill/>
+            <a:prstDash/>
+          </a:ln>
+        </p:spPr>
+        <p:txBody>
+          <a:bodyPr wrap="square" lIns="0" tIns="0" rIns="0" bIns="0" numCol="1" vert="horz" anchor="t">
+            <a:noAutofit/>
+          </a:bodyPr>
+          <a:lstStyle>
+            <a:lvl1pPr marL="0" indent="0" latinLnBrk="0">
+              <a:lnSpc>
+                <a:spcPct val="114000"/>
+              </a:lnSpc>
+              <a:buFontTx/>
+              <a:buNone/>
+              <a:defRPr lang="en-GB" altLang="en-US" sz="1400"/>
+            </a:lvl1pPr>
+            <a:lvl2pPr marL="0" indent="0" latinLnBrk="0" lvl="1">
+              <a:lnSpc>
+                <a:spcPct val="114000"/>
+              </a:lnSpc>
+              <a:buFontTx/>
+              <a:buNone/>
+              <a:defRPr lang="en-GB" altLang="en-US" sz="1400"/>
+            </a:lvl2pPr>
+            <a:lvl3pPr marL="0" indent="0" latinLnBrk="0" lvl="2">
+              <a:buFontTx/>
+              <a:buNone/>
+              <a:defRPr lang="en-GB" altLang="en-US" sz="1400"/>
+            </a:lvl3pPr>
+          </a:lstStyle>
+          <a:p>
+            <a:pPr marL="254000" indent="-254000" rtl="0">
+              <a:buFont typeface="Wingdings"/>
+              <a:buChar char=""/>
+            </a:pPr>
+            <a:r>
+              <a:rPr lang="de-DE" sz="1400">
+                <a:latin typeface="Arial" charset="0"/>
+                <a:ea typeface="Times New Roman" charset="0"/>
+                <a:cs typeface="+mn-cs"/>
+              </a:rPr>
+              <a:t>Slide number 3 - </a:t>
+            </a:r>
+            <a:r>
+              <a:rPr lang="de-DE" sz="1400">
+                <a:latin typeface="Arial" charset="0"/>
+                <a:ea typeface="Times New Roman" charset="0"/>
+                <a:cs typeface="+mn-cs"/>
+                <a:hlinkClick r:id="rId2">
+                  <a:extLst>
+                    <a:ext uri="{A12FA001-AC4F-418D-AE19-62706E023703}">
+                      <ahyp:hlinkClr xmlns:ahyp="http://schemas.microsoft.com/office/drawing/2018/hyperlinkcolor" xmlns="" val="hlink"/>
+                    </a:ext>
+                  </a:extLst>
+                </a:hlinkClick>
+              </a:rPr>
+              <a:t>Link</a:t>
+            </a:r>
+            <a:endParaRPr lang="ko-KR" altLang="en-US" sz="1400">
+              <a:latin typeface="Arial" charset="0"/>
+              <a:ea typeface="Times New Roman" charset="0"/>
+              <a:cs typeface="+mn-cs"/>
+            </a:endParaRPr>
+          </a:p>
+          <a:p>
+            <a:pPr marL="254000" indent="-254000" rtl="0">
+              <a:buFont typeface="Wingdings"/>
+              <a:buChar char=""/>
+            </a:pPr>
+            <a:r>
+              <a:rPr lang="de-DE" sz="1400">
+                <a:latin typeface="Arial" charset="0"/>
+                <a:ea typeface="Times New Roman" charset="0"/>
+                <a:cs typeface="+mn-cs"/>
+              </a:rPr>
+              <a:t>Slide number 4 - </a:t>
+            </a:r>
+            <a:r>
+              <a:rPr lang="de-DE" sz="1400">
+                <a:latin typeface="Arial" charset="0"/>
+                <a:ea typeface="Times New Roman" charset="0"/>
+                <a:cs typeface="+mn-cs"/>
+                <a:hlinkClick r:id="rId3">
+                  <a:extLst>
+                    <a:ext uri="{A12FA001-AC4F-418D-AE19-62706E023703}">
+                      <ahyp:hlinkClr xmlns:ahyp="http://schemas.microsoft.com/office/drawing/2018/hyperlinkcolor" xmlns="" val="hlink"/>
+                    </a:ext>
+                  </a:extLst>
+                </a:hlinkClick>
+              </a:rPr>
+              <a:t>Link</a:t>
+            </a:r>
+            <a:endParaRPr lang="ko-KR" altLang="en-US" sz="1400">
+              <a:latin typeface="Arial" charset="0"/>
+              <a:ea typeface="Times New Roman" charset="0"/>
+              <a:cs typeface="+mn-cs"/>
+            </a:endParaRPr>
+          </a:p>
+          <a:p>
+            <a:pPr marL="254000" indent="-254000" rtl="0">
+              <a:buFont typeface="Wingdings"/>
+              <a:buChar char=""/>
+            </a:pPr>
+            <a:r>
+              <a:rPr lang="de-DE" sz="1400">
+                <a:latin typeface="Arial" charset="0"/>
+                <a:ea typeface="Times New Roman" charset="0"/>
+                <a:cs typeface="+mn-cs"/>
+              </a:rPr>
+              <a:t>Slide number 5 - </a:t>
+            </a:r>
+            <a:r>
+              <a:rPr lang="de-DE" sz="1400">
+                <a:latin typeface="Arial" charset="0"/>
+                <a:ea typeface="Times New Roman" charset="0"/>
+                <a:cs typeface="+mn-cs"/>
+                <a:hlinkClick r:id="rId4">
+                  <a:extLst>
+                    <a:ext uri="{A12FA001-AC4F-418D-AE19-62706E023703}">
+                      <ahyp:hlinkClr xmlns:ahyp="http://schemas.microsoft.com/office/drawing/2018/hyperlinkcolor" xmlns="" val="hlink"/>
+                    </a:ext>
+                  </a:extLst>
+                </a:hlinkClick>
+              </a:rPr>
+              <a:t>Link</a:t>
+            </a:r>
+            <a:endParaRPr lang="ko-KR" altLang="en-US" sz="1400">
+              <a:latin typeface="Arial" charset="0"/>
+              <a:ea typeface="Times New Roman" charset="0"/>
+              <a:cs typeface="+mn-cs"/>
+            </a:endParaRPr>
+          </a:p>
+          <a:p>
+            <a:pPr marL="254000" indent="-254000" rtl="0">
+              <a:buFont typeface="Wingdings"/>
+              <a:buChar char=""/>
+            </a:pPr>
+            <a:r>
+              <a:rPr lang="de-DE" sz="1400">
+                <a:latin typeface="Arial" charset="0"/>
+                <a:ea typeface="Times New Roman" charset="0"/>
+                <a:cs typeface="+mn-cs"/>
+              </a:rPr>
+              <a:t>Slide number 6 - Created using AI tools</a:t>
+            </a:r>
+            <a:endParaRPr lang="ko-KR" altLang="en-US" sz="1400">
+              <a:latin typeface="Arial" charset="0"/>
+              <a:ea typeface="Times New Roman" charset="0"/>
+              <a:cs typeface="+mn-cs"/>
+            </a:endParaRPr>
+          </a:p>
+        </p:txBody>
+      </p:sp>
     </p:spTree>
   </p:cSld>
   <p:clrMapOvr>

--- a/Mini-Project Presentation/mini-presentation.pptx
+++ b/Mini-Project Presentation/mini-presentation.pptx
@@ -2,12 +2,12 @@
 <file path=ppt/presentation.xml><?xml version="1.0" encoding="utf-8"?>
 <p:presentation xmlns:a="http://schemas.openxmlformats.org/drawingml/2006/main" xmlns:r="http://schemas.openxmlformats.org/officeDocument/2006/relationships" xmlns:p="http://schemas.openxmlformats.org/presentationml/2006/main" xmlns:p14="http://schemas.microsoft.com/office/powerpoint/2010/main" showSpecialPlsOnTitleSld="0" saveSubsetFonts="1" autoCompressPictures="0">
   <p:sldMasterIdLst>
-    <p:sldMasterId id="2147483921" r:id="rId15"/>
-    <p:sldMasterId id="2147483922" r:id="rId17"/>
-    <p:sldMasterId id="2147483923" r:id="rId19"/>
-    <p:sldMasterId id="2147483924" r:id="rId21"/>
-    <p:sldMasterId id="2147483925" r:id="rId23"/>
-    <p:sldMasterId id="2147483926" r:id="rId25"/>
+    <p:sldMasterId id="2147483927" r:id="rId15"/>
+    <p:sldMasterId id="2147483928" r:id="rId17"/>
+    <p:sldMasterId id="2147483929" r:id="rId19"/>
+    <p:sldMasterId id="2147483930" r:id="rId21"/>
+    <p:sldMasterId id="2147483931" r:id="rId23"/>
+    <p:sldMasterId id="2147483932" r:id="rId25"/>
   </p:sldMasterIdLst>
   <p:notesMasterIdLst>
     <p:notesMasterId r:id="rId29"/>
@@ -18,9 +18,9 @@
   <p:sldIdLst>
     <p:sldId id="355" r:id="rId31"/>
     <p:sldId id="399" r:id="rId33"/>
-    <p:sldId id="400" r:id="rId34"/>
-    <p:sldId id="403" r:id="rId35"/>
-    <p:sldId id="406" r:id="rId36"/>
+    <p:sldId id="406" r:id="rId34"/>
+    <p:sldId id="400" r:id="rId35"/>
+    <p:sldId id="403" r:id="rId36"/>
     <p:sldId id="408" r:id="rId37"/>
     <p:sldId id="409" r:id="rId38"/>
   </p:sldIdLst>
@@ -168,17 +168,17 @@
     </p:ext>
     <p:ext uri="{EFAFB233-063F-42B5-8137-9DF3F51BA10A}">
       <p15:sldGuideLst xmlns:p15="http://schemas.microsoft.com/office/powerpoint/2012/main">
-        <p15:guide id="1" orient="horz" pos="2158" userDrawn="0">
+        <p15:guide id="1" orient="horz" pos="2157" userDrawn="0">
           <p15:clr>
             <a:srgbClr val="A4A3A4"/>
           </p15:clr>
         </p15:guide>
-        <p15:guide id="2" pos="2878" userDrawn="0">
+        <p15:guide id="2" pos="2877" userDrawn="0">
           <p15:clr>
             <a:srgbClr val="A4A3A4"/>
           </p15:clr>
         </p15:guide>
-        <p15:guide id="3" orient="horz" pos="1618" userDrawn="0">
+        <p15:guide id="3" orient="horz" pos="1617" userDrawn="0">
           <p15:clr>
             <a:srgbClr val="A4A3A4"/>
           </p15:clr>
@@ -7728,7 +7728,7 @@
 </file>
 
 <file path=ppt/slides/slide2.xml><?xml version="1.0" encoding="utf-8"?>
-<p:sld xmlns:a="http://schemas.openxmlformats.org/drawingml/2006/main" xmlns:r="http://schemas.openxmlformats.org/officeDocument/2006/relationships" xmlns:p="http://schemas.openxmlformats.org/presentationml/2006/main">
+<p:sld xmlns:a="http://schemas.openxmlformats.org/drawingml/2006/main" xmlns:r="http://schemas.openxmlformats.org/officeDocument/2006/relationships" xmlns:p="http://schemas.openxmlformats.org/presentationml/2006/main" xmlns:p14="http://schemas.microsoft.com/office/powerpoint/2010/main">
   <p:cSld>
     <p:spTree>
       <p:nvGrpSpPr>
@@ -7899,9 +7899,9 @@
           <p:nvPr/>
         </p:nvSpPr>
         <p:spPr>
-          <a:xfrm rot="0">
+          <a:xfrm>
             <a:off x="340995" y="2378075"/>
-            <a:ext cx="8490585" cy="1325245"/>
+            <a:ext cx="8491220" cy="832485"/>
           </a:xfrm>
           <a:prstGeom prst="rect"/>
           <a:noFill/>
@@ -7911,12 +7911,12 @@
           </a:ln>
         </p:spPr>
         <p:txBody>
-          <a:bodyPr wrap="square" lIns="89535" tIns="46355" rIns="89535" bIns="46355" vert="horz" anchor="t">
+          <a:bodyPr wrap="square" lIns="89535" tIns="46355" rIns="89535" bIns="46355" numCol="1" vert="horz" anchor="t">
             <a:spAutoFit/>
           </a:bodyPr>
           <a:lstStyle/>
           <a:p>
-            <a:pPr marL="254000" indent="-254000" algn="l" hangingPunct="1">
+            <a:pPr marL="254000" indent="-254000" algn="l" latinLnBrk="0" hangingPunct="1">
               <a:buFont typeface="Wingdings"/>
               <a:buChar char="Ø"/>
             </a:pPr>
@@ -7935,7 +7935,7 @@
             </a:endParaRPr>
           </a:p>
           <a:p>
-            <a:pPr marL="254000" indent="-254000" algn="l" hangingPunct="1">
+            <a:pPr marL="254000" indent="-254000" algn="l" latinLnBrk="0" hangingPunct="1">
               <a:buFont typeface="Wingdings"/>
               <a:buChar char="Ø"/>
             </a:pPr>
@@ -7954,7 +7954,7 @@
             </a:endParaRPr>
           </a:p>
           <a:p>
-            <a:pPr marL="254000" indent="-254000" algn="l" hangingPunct="1">
+            <a:pPr marL="254000" indent="-254000" algn="l" latinLnBrk="0" hangingPunct="1">
               <a:buFont typeface="Wingdings"/>
               <a:buChar char="Ø"/>
             </a:pPr>
@@ -7972,53 +7972,206 @@
               <a:cs typeface="Arial" charset="0"/>
             </a:endParaRPr>
           </a:p>
-          <a:p>
-            <a:pPr marL="254000" indent="-254000" algn="l" hangingPunct="1">
-              <a:buFont typeface="Wingdings"/>
-              <a:buChar char="Ø"/>
-            </a:pPr>
-            <a:r>
-              <a:rPr sz="1600">
-                <a:latin typeface="Arial" charset="0"/>
-                <a:ea typeface="Arial" charset="0"/>
-                <a:cs typeface="Arial" charset="0"/>
-              </a:rPr>
-              <a:t>Evaluation</a:t>
-            </a:r>
-            <a:endParaRPr lang="ko-KR" altLang="en-US" sz="1600">
-              <a:latin typeface="Arial" charset="0"/>
-              <a:ea typeface="Arial" charset="0"/>
-              <a:cs typeface="Arial" charset="0"/>
-            </a:endParaRPr>
-          </a:p>
-          <a:p>
-            <a:pPr marL="254000" indent="-254000" algn="l" hangingPunct="1">
-              <a:buFont typeface="Wingdings"/>
-              <a:buChar char="Ø"/>
-            </a:pPr>
-            <a:r>
-              <a:rPr sz="1600">
-                <a:latin typeface="Arial" charset="0"/>
-                <a:ea typeface="Arial" charset="0"/>
-                <a:cs typeface="Arial" charset="0"/>
-              </a:rPr>
-              <a:t>Conclusion and </a:t>
-            </a:r>
-            <a:r>
-              <a:rPr sz="1600">
-                <a:latin typeface="Arial" charset="0"/>
-                <a:ea typeface="Arial" charset="0"/>
-                <a:cs typeface="Arial" charset="0"/>
-              </a:rPr>
-              <a:t>Next Steps</a:t>
-            </a:r>
-            <a:endParaRPr lang="ko-KR" altLang="en-US" sz="1600">
-              <a:latin typeface="Arial" charset="0"/>
-              <a:ea typeface="Arial" charset="0"/>
-            </a:endParaRPr>
-          </a:p>
         </p:txBody>
       </p:sp>
+    </p:spTree>
+  </p:cSld>
+  <p:clrMapOvr>
+    <a:masterClrMapping/>
+  </p:clrMapOvr>
+  <mc:AlternateContent xmlns:mc="http://schemas.openxmlformats.org/markup-compatibility/2006">
+    <mc:Choice xmlns:p14="http://schemas.microsoft.com/office/powerpoint/2010/main" Requires="p14">
+      <p:transition spd="slow" p14:dur="2000"/>
+    </mc:Choice>
+    <mc:Fallback>
+      <p:transition spd="slow"/>
+    </mc:Fallback>
+  </mc:AlternateContent>
+  <p:timing>
+    <p:tnLst>
+      <p:par>
+        <p:cTn id="1" dur="indefinite" restart="never" nodeType="tmRoot"/>
+      </p:par>
+    </p:tnLst>
+  </p:timing>
+</p:sld>
+</file>
+
+<file path=ppt/slides/slide3.xml><?xml version="1.0" encoding="utf-8"?>
+<p:sld xmlns:a="http://schemas.openxmlformats.org/drawingml/2006/main" xmlns:r="http://schemas.openxmlformats.org/officeDocument/2006/relationships" xmlns:p="http://schemas.openxmlformats.org/presentationml/2006/main">
+  <p:cSld>
+    <p:spTree>
+      <p:nvGrpSpPr>
+        <p:cNvPr id="1" name=""/>
+        <p:cNvGrpSpPr/>
+        <p:nvPr/>
+      </p:nvGrpSpPr>
+      <p:grpSpPr>
+        <a:xfrm>
+          <a:off x="0" y="0"/>
+          <a:ext cx="0" cy="0"/>
+          <a:chOff x="0" y="0"/>
+          <a:chExt cx="0" cy="0"/>
+        </a:xfrm>
+      </p:grpSpPr>
+      <p:sp useBgFill="1">
+        <p:nvSpPr>
+          <p:cNvPr id="4" name="Textplatzhalter 7"/>
+          <p:cNvSpPr txBox="1">
+            <a:spLocks/>
+          </p:cNvSpPr>
+          <p:nvPr>
+            <p:ph type="body" idx="13" hasCustomPrompt="1"/>
+          </p:nvPr>
+        </p:nvSpPr>
+        <p:spPr>
+          <a:xfrm rot="0">
+            <a:off x="319405" y="1600200"/>
+            <a:ext cx="8509635" cy="506095"/>
+          </a:xfrm>
+          <a:prstGeom prst="rect"/>
+          <a:ln w="0">
+            <a:noFill/>
+            <a:prstDash/>
+          </a:ln>
+        </p:spPr>
+        <p:txBody>
+          <a:bodyPr wrap="square" lIns="0" tIns="0" rIns="0" bIns="0" numCol="1" vert="horz" anchor="t">
+            <a:noAutofit/>
+          </a:bodyPr>
+          <a:lstStyle>
+            <a:lvl1pPr marL="0" indent="0" latinLnBrk="0">
+              <a:lnSpc>
+                <a:spcPct val="114000"/>
+              </a:lnSpc>
+              <a:buFontTx/>
+              <a:buNone/>
+              <a:defRPr lang="en-GB" altLang="en-US" sz="1400"/>
+            </a:lvl1pPr>
+          </a:lstStyle>
+          <a:p>
+            <a:pPr marL="0" indent="0" rtl="0"/>
+            <a:r>
+              <a:rPr lang="de-DE" sz="1400">
+                <a:latin typeface="Arial" charset="0"/>
+                <a:ea typeface="Times New Roman" charset="0"/>
+                <a:cs typeface="+mn-cs"/>
+              </a:rPr>
+              <a:t>What</a:t>
+            </a:r>
+            <a:r>
+              <a:rPr lang="de-DE" sz="1400">
+                <a:latin typeface="Arial" charset="0"/>
+                <a:ea typeface="Times New Roman" charset="0"/>
+                <a:cs typeface="+mn-cs"/>
+              </a:rPr>
+              <a:t> are LLM’s and why are they important for us ?</a:t>
+            </a:r>
+            <a:endParaRPr lang="ko-KR" altLang="en-US" sz="1400">
+              <a:latin typeface="Arial" charset="0"/>
+              <a:ea typeface="Times New Roman" charset="0"/>
+              <a:cs typeface="+mn-cs"/>
+            </a:endParaRPr>
+          </a:p>
+        </p:txBody>
+      </p:sp>
+      <p:sp useBgFill="1">
+        <p:nvSpPr>
+          <p:cNvPr id="3" name="Titel 1"/>
+          <p:cNvSpPr txBox="1">
+            <a:spLocks/>
+          </p:cNvSpPr>
+          <p:nvPr>
+            <p:ph type="title" hasCustomPrompt="1"/>
+          </p:nvPr>
+        </p:nvSpPr>
+        <p:spPr>
+          <a:xfrm rot="0">
+            <a:off x="319405" y="972185"/>
+            <a:ext cx="8509635" cy="407035"/>
+          </a:xfrm>
+          <a:prstGeom prst="rect"/>
+          <a:ln w="0">
+            <a:noFill/>
+            <a:prstDash/>
+          </a:ln>
+        </p:spPr>
+        <p:txBody>
+          <a:bodyPr wrap="square" lIns="0" tIns="0" rIns="0" bIns="0" numCol="1" vert="horz" anchor="t">
+            <a:spAutoFit/>
+          </a:bodyPr>
+          <a:lstStyle>
+            <a:lvl1pPr marL="0" indent="0" latinLnBrk="0">
+              <a:lnSpc>
+                <a:spcPts val="3200"/>
+              </a:lnSpc>
+              <a:buFontTx/>
+              <a:buNone/>
+              <a:defRPr lang="en-GB" altLang="en-US" sz="2500"/>
+            </a:lvl1pPr>
+          </a:lstStyle>
+          <a:p>
+            <a:pPr marL="0" indent="0" rtl="0"/>
+            <a:r>
+              <a:rPr lang="de-DE" sz="2500" b="0">
+                <a:latin typeface="Arial" charset="0"/>
+                <a:ea typeface="Times New Roman" charset="0"/>
+                <a:cs typeface="+mj-cs"/>
+              </a:rPr>
+              <a:t>Introduction</a:t>
+            </a:r>
+            <a:r>
+              <a:rPr lang="de-DE" sz="2500" b="0">
+                <a:latin typeface="Arial" charset="0"/>
+                <a:ea typeface="Times New Roman" charset="0"/>
+                <a:cs typeface="+mj-cs"/>
+              </a:rPr>
+              <a:t> and Motivation</a:t>
+            </a:r>
+            <a:endParaRPr lang="ko-KR" altLang="en-US" sz="2500" b="0">
+              <a:latin typeface="Arial" charset="0"/>
+              <a:ea typeface="Times New Roman" charset="0"/>
+              <a:cs typeface="+mj-cs"/>
+            </a:endParaRPr>
+          </a:p>
+        </p:txBody>
+      </p:sp>
+      <p:pic>
+        <p:nvPicPr>
+          <p:cNvPr id="2" name="Inhaltsplatzhalter 2" descr="/Users/abraxas/Library/Group Containers/L48J367XN4.com.infraware.PolarisOffice/EngineTemp/46739/fImage160982356324.png"/>
+          <p:cNvPicPr>
+            <a:picLocks noChangeAspect="1"/>
+          </p:cNvPicPr>
+          <p:nvPr>
+            <p:ph type="obj" idx="1"/>
+          </p:nvPr>
+        </p:nvPicPr>
+        <p:blipFill rotWithShape="1">
+          <a:blip r:embed="rId2" cstate="print">
+            <a:extLst>
+              <a:ext uri="{28A0092B-C50C-407E-A947-70E740481C1C}">
+                <a14:useLocalDpi xmlns:a14="http://schemas.microsoft.com/office/drawing/2010/main" val="0"/>
+              </a:ext>
+            </a:extLst>
+          </a:blip>
+          <a:srcRect/>
+          <a:stretch>
+            <a:fillRect/>
+          </a:stretch>
+        </p:blipFill>
+        <p:spPr>
+          <a:xfrm rot="0">
+            <a:off x="1166495" y="1902460"/>
+            <a:ext cx="6220460" cy="3088640"/>
+          </a:xfrm>
+          <a:prstGeom prst="rect"/>
+          <a:noFill/>
+          <a:ln w="0">
+            <a:noFill/>
+            <a:prstDash/>
+          </a:ln>
+        </p:spPr>
+      </p:pic>
     </p:spTree>
   </p:cSld>
   <p:clrMapOvr>
@@ -8035,7 +8188,7 @@
 </p:sld>
 </file>
 
-<file path=ppt/slides/slide3.xml><?xml version="1.0" encoding="utf-8"?>
+<file path=ppt/slides/slide4.xml><?xml version="1.0" encoding="utf-8"?>
 <p:sld xmlns:a="http://schemas.openxmlformats.org/drawingml/2006/main" xmlns:r="http://schemas.openxmlformats.org/officeDocument/2006/relationships" xmlns:p="http://schemas.openxmlformats.org/presentationml/2006/main">
   <p:cSld>
     <p:spTree>
@@ -8225,247 +8378,6 @@
           <a:xfrm rot="0">
             <a:off x="1610995" y="2018665"/>
             <a:ext cx="5372735" cy="2863850"/>
-          </a:xfrm>
-          <a:prstGeom prst="rect"/>
-          <a:noFill/>
-          <a:ln w="0">
-            <a:noFill/>
-            <a:prstDash/>
-          </a:ln>
-        </p:spPr>
-      </p:pic>
-    </p:spTree>
-  </p:cSld>
-  <p:clrMapOvr>
-    <a:masterClrMapping/>
-  </p:clrMapOvr>
-  <mc:AlternateContent xmlns:mc="http://schemas.openxmlformats.org/markup-compatibility/2006">
-    <mc:Choice xmlns:p14="http://schemas.microsoft.com/office/powerpoint/2010/main" Requires="p14">
-      <p:transition spd="slow" p14:dur="2000"/>
-    </mc:Choice>
-    <mc:Fallback>
-      <p:transition spd="slow"/>
-    </mc:Fallback>
-  </mc:AlternateContent>
-</p:sld>
-</file>
-
-<file path=ppt/slides/slide4.xml><?xml version="1.0" encoding="utf-8"?>
-<p:sld xmlns:a="http://schemas.openxmlformats.org/drawingml/2006/main" xmlns:r="http://schemas.openxmlformats.org/officeDocument/2006/relationships" xmlns:p="http://schemas.openxmlformats.org/presentationml/2006/main">
-  <p:cSld>
-    <p:spTree>
-      <p:nvGrpSpPr>
-        <p:cNvPr id="1" name=""/>
-        <p:cNvGrpSpPr/>
-        <p:nvPr/>
-      </p:nvGrpSpPr>
-      <p:grpSpPr>
-        <a:xfrm>
-          <a:off x="0" y="0"/>
-          <a:ext cx="0" cy="0"/>
-          <a:chOff x="0" y="0"/>
-          <a:chExt cx="0" cy="0"/>
-        </a:xfrm>
-      </p:grpSpPr>
-      <p:sp useBgFill="1">
-        <p:nvSpPr>
-          <p:cNvPr id="4" name="Textplatzhalter 7"/>
-          <p:cNvSpPr txBox="1">
-            <a:spLocks/>
-          </p:cNvSpPr>
-          <p:nvPr>
-            <p:ph type="body" idx="13" hasCustomPrompt="1"/>
-          </p:nvPr>
-        </p:nvSpPr>
-        <p:spPr>
-          <a:xfrm rot="0">
-            <a:off x="319405" y="1600200"/>
-            <a:ext cx="8509635" cy="506095"/>
-          </a:xfrm>
-          <a:prstGeom prst="rect"/>
-          <a:ln w="0">
-            <a:noFill/>
-            <a:prstDash/>
-          </a:ln>
-        </p:spPr>
-        <p:txBody>
-          <a:bodyPr wrap="square" lIns="0" tIns="0" rIns="0" bIns="0" numCol="1" vert="horz" anchor="t">
-            <a:noAutofit/>
-          </a:bodyPr>
-          <a:lstStyle>
-            <a:lvl1pPr marL="0" indent="0" latinLnBrk="0">
-              <a:lnSpc>
-                <a:spcPct val="114000"/>
-              </a:lnSpc>
-              <a:buFontTx/>
-              <a:buNone/>
-              <a:defRPr lang="en-GB" altLang="en-US" sz="1400"/>
-            </a:lvl1pPr>
-          </a:lstStyle>
-          <a:p>
-            <a:pPr marL="0" indent="0" rtl="0" algn="l" fontAlgn="base" eaLnBrk="0" latinLnBrk="0" hangingPunct="0">
-              <a:lnSpc>
-                <a:spcPct val="114000"/>
-              </a:lnSpc>
-              <a:spcBef>
-                <a:spcPct val="0"/>
-              </a:spcBef>
-              <a:spcAft>
-                <a:spcPct val="0"/>
-              </a:spcAft>
-              <a:buFontTx/>
-              <a:buNone/>
-            </a:pPr>
-            <a:r>
-              <a:rPr lang="de-DE" sz="1400">
-                <a:solidFill>
-                  <a:schemeClr val="tx1"/>
-                </a:solidFill>
-                <a:latin typeface="Arial" charset="0"/>
-                <a:ea typeface="Times New Roman" charset="0"/>
-                <a:cs typeface="+mn-cs"/>
-              </a:rPr>
-              <a:t>What</a:t>
-            </a:r>
-            <a:r>
-              <a:rPr lang="de-DE" sz="1400">
-                <a:solidFill>
-                  <a:schemeClr val="tx1"/>
-                </a:solidFill>
-                <a:latin typeface="Arial" charset="0"/>
-                <a:ea typeface="Times New Roman" charset="0"/>
-                <a:cs typeface="+mn-cs"/>
-              </a:rPr>
-              <a:t> are LLM’s and why are they important for us ?</a:t>
-            </a:r>
-            <a:endParaRPr lang="ko-KR" altLang="en-US" sz="1400">
-              <a:solidFill>
-                <a:schemeClr val="tx1"/>
-              </a:solidFill>
-              <a:latin typeface="Arial" charset="0"/>
-              <a:ea typeface="Times New Roman" charset="0"/>
-              <a:cs typeface="+mn-cs"/>
-            </a:endParaRPr>
-          </a:p>
-          <a:p>
-            <a:pPr marL="0" indent="0" rtl="0"/>
-            <a:endParaRPr lang="ko-KR" altLang="en-US" sz="1400">
-              <a:latin typeface="Arial" charset="0"/>
-              <a:ea typeface="Times New Roman" charset="0"/>
-              <a:cs typeface="+mn-cs"/>
-            </a:endParaRPr>
-          </a:p>
-        </p:txBody>
-      </p:sp>
-      <p:sp useBgFill="1">
-        <p:nvSpPr>
-          <p:cNvPr id="3" name="Titel 1"/>
-          <p:cNvSpPr txBox="1">
-            <a:spLocks/>
-          </p:cNvSpPr>
-          <p:nvPr>
-            <p:ph type="title" hasCustomPrompt="1"/>
-          </p:nvPr>
-        </p:nvSpPr>
-        <p:spPr>
-          <a:xfrm rot="0">
-            <a:off x="332105" y="981075"/>
-            <a:ext cx="8496935" cy="407035"/>
-          </a:xfrm>
-          <a:prstGeom prst="rect"/>
-          <a:ln w="0">
-            <a:noFill/>
-            <a:prstDash/>
-          </a:ln>
-        </p:spPr>
-        <p:txBody>
-          <a:bodyPr wrap="square" lIns="0" tIns="0" rIns="0" bIns="0" numCol="1" vert="horz" anchor="t">
-            <a:spAutoFit/>
-          </a:bodyPr>
-          <a:lstStyle>
-            <a:lvl1pPr marL="0" indent="0" latinLnBrk="0">
-              <a:lnSpc>
-                <a:spcPts val="3200"/>
-              </a:lnSpc>
-              <a:buFontTx/>
-              <a:buNone/>
-              <a:defRPr lang="en-GB" altLang="en-US" sz="2500"/>
-            </a:lvl1pPr>
-          </a:lstStyle>
-          <a:p>
-            <a:pPr marL="0" indent="0" rtl="0" algn="l" fontAlgn="base" eaLnBrk="0" latinLnBrk="0" hangingPunct="0">
-              <a:lnSpc>
-                <a:spcPts val="3200"/>
-              </a:lnSpc>
-              <a:spcBef>
-                <a:spcPct val="0"/>
-              </a:spcBef>
-              <a:spcAft>
-                <a:spcPct val="0"/>
-              </a:spcAft>
-              <a:buFontTx/>
-              <a:buNone/>
-            </a:pPr>
-            <a:r>
-              <a:rPr lang="de-DE" sz="2500" b="0">
-                <a:solidFill>
-                  <a:schemeClr val="tx1"/>
-                </a:solidFill>
-                <a:latin typeface="Arial" charset="0"/>
-                <a:ea typeface="Times New Roman" charset="0"/>
-                <a:cs typeface="+mj-cs"/>
-              </a:rPr>
-              <a:t>Introduction</a:t>
-            </a:r>
-            <a:r>
-              <a:rPr lang="de-DE" sz="2500" b="0">
-                <a:solidFill>
-                  <a:schemeClr val="tx1"/>
-                </a:solidFill>
-                <a:latin typeface="Arial" charset="0"/>
-                <a:ea typeface="Times New Roman" charset="0"/>
-                <a:cs typeface="+mj-cs"/>
-              </a:rPr>
-              <a:t> and Motivation</a:t>
-            </a:r>
-            <a:endParaRPr lang="ko-KR" altLang="en-US" sz="2500" b="0">
-              <a:solidFill>
-                <a:schemeClr val="tx1"/>
-              </a:solidFill>
-              <a:latin typeface="Arial" charset="0"/>
-              <a:ea typeface="Times New Roman" charset="0"/>
-              <a:cs typeface="+mj-cs"/>
-            </a:endParaRPr>
-          </a:p>
-        </p:txBody>
-      </p:sp>
-      <p:pic>
-        <p:nvPicPr>
-          <p:cNvPr id="2" name="Inhaltsplatzhalter 2" descr="/Users/abraxas/Library/Group Containers/L48J367XN4.com.infraware.PolarisOffice/EngineTemp/46739/fImage2211063404877.png"/>
-          <p:cNvPicPr>
-            <a:picLocks noChangeAspect="1"/>
-          </p:cNvPicPr>
-          <p:nvPr>
-            <p:ph type="obj" idx="1"/>
-          </p:nvPr>
-        </p:nvPicPr>
-        <p:blipFill rotWithShape="1">
-          <a:blip r:embed="rId2" cstate="print">
-            <a:extLst>
-              <a:ext uri="{28A0092B-C50C-407E-A947-70E740481C1C}">
-                <a14:useLocalDpi xmlns:a14="http://schemas.microsoft.com/office/drawing/2010/main" val="0"/>
-              </a:ext>
-            </a:extLst>
-          </a:blip>
-          <a:srcRect/>
-          <a:stretch>
-            <a:fillRect/>
-          </a:stretch>
-        </p:blipFill>
-        <p:spPr>
-          <a:xfrm rot="0">
-            <a:off x="1871345" y="2106930"/>
-            <a:ext cx="4752975" cy="2874645"/>
           </a:xfrm>
           <a:prstGeom prst="rect"/>
           <a:noFill/>
@@ -8544,9 +8456,24 @@
             </a:lvl1pPr>
           </a:lstStyle>
           <a:p>
-            <a:pPr marL="0" indent="0" rtl="0"/>
+            <a:pPr marL="0" indent="0" rtl="0" algn="l" fontAlgn="base" eaLnBrk="0" latinLnBrk="0" hangingPunct="0">
+              <a:lnSpc>
+                <a:spcPct val="114000"/>
+              </a:lnSpc>
+              <a:spcBef>
+                <a:spcPct val="0"/>
+              </a:spcBef>
+              <a:spcAft>
+                <a:spcPct val="0"/>
+              </a:spcAft>
+              <a:buFontTx/>
+              <a:buNone/>
+            </a:pPr>
             <a:r>
               <a:rPr lang="de-DE" sz="1400">
+                <a:solidFill>
+                  <a:schemeClr val="tx1"/>
+                </a:solidFill>
                 <a:latin typeface="Arial" charset="0"/>
                 <a:ea typeface="Times New Roman" charset="0"/>
                 <a:cs typeface="+mn-cs"/>
@@ -8555,12 +8482,26 @@
             </a:r>
             <a:r>
               <a:rPr lang="de-DE" sz="1400">
+                <a:solidFill>
+                  <a:schemeClr val="tx1"/>
+                </a:solidFill>
                 <a:latin typeface="Arial" charset="0"/>
                 <a:ea typeface="Times New Roman" charset="0"/>
                 <a:cs typeface="+mn-cs"/>
               </a:rPr>
               <a:t> are LLM’s and why are they important for us ?</a:t>
             </a:r>
+            <a:endParaRPr lang="ko-KR" altLang="en-US" sz="1400">
+              <a:solidFill>
+                <a:schemeClr val="tx1"/>
+              </a:solidFill>
+              <a:latin typeface="Arial" charset="0"/>
+              <a:ea typeface="Times New Roman" charset="0"/>
+              <a:cs typeface="+mn-cs"/>
+            </a:endParaRPr>
+          </a:p>
+          <a:p>
+            <a:pPr marL="0" indent="0" rtl="0"/>
             <a:endParaRPr lang="ko-KR" altLang="en-US" sz="1400">
               <a:latin typeface="Arial" charset="0"/>
               <a:ea typeface="Times New Roman" charset="0"/>
@@ -8581,8 +8522,8 @@
         </p:nvSpPr>
         <p:spPr>
           <a:xfrm rot="0">
-            <a:off x="319405" y="972185"/>
-            <a:ext cx="8509635" cy="407035"/>
+            <a:off x="332105" y="981075"/>
+            <a:ext cx="8496935" cy="407035"/>
           </a:xfrm>
           <a:prstGeom prst="rect"/>
           <a:ln w="0">
@@ -8605,9 +8546,24 @@
             </a:lvl1pPr>
           </a:lstStyle>
           <a:p>
-            <a:pPr marL="0" indent="0" rtl="0"/>
+            <a:pPr marL="0" indent="0" rtl="0" algn="l" fontAlgn="base" eaLnBrk="0" latinLnBrk="0" hangingPunct="0">
+              <a:lnSpc>
+                <a:spcPts val="3200"/>
+              </a:lnSpc>
+              <a:spcBef>
+                <a:spcPct val="0"/>
+              </a:spcBef>
+              <a:spcAft>
+                <a:spcPct val="0"/>
+              </a:spcAft>
+              <a:buFontTx/>
+              <a:buNone/>
+            </a:pPr>
             <a:r>
               <a:rPr lang="de-DE" sz="2500" b="0">
+                <a:solidFill>
+                  <a:schemeClr val="tx1"/>
+                </a:solidFill>
                 <a:latin typeface="Arial" charset="0"/>
                 <a:ea typeface="Times New Roman" charset="0"/>
                 <a:cs typeface="+mj-cs"/>
@@ -8616,6 +8572,9 @@
             </a:r>
             <a:r>
               <a:rPr lang="de-DE" sz="2500" b="0">
+                <a:solidFill>
+                  <a:schemeClr val="tx1"/>
+                </a:solidFill>
                 <a:latin typeface="Arial" charset="0"/>
                 <a:ea typeface="Times New Roman" charset="0"/>
                 <a:cs typeface="+mj-cs"/>
@@ -8623,6 +8582,9 @@
               <a:t> and Motivation</a:t>
             </a:r>
             <a:endParaRPr lang="ko-KR" altLang="en-US" sz="2500" b="0">
+              <a:solidFill>
+                <a:schemeClr val="tx1"/>
+              </a:solidFill>
               <a:latin typeface="Arial" charset="0"/>
               <a:ea typeface="Times New Roman" charset="0"/>
               <a:cs typeface="+mj-cs"/>
@@ -8632,7 +8594,7 @@
       </p:sp>
       <p:pic>
         <p:nvPicPr>
-          <p:cNvPr id="2" name="Inhaltsplatzhalter 2" descr="/Users/abraxas/Library/Group Containers/L48J367XN4.com.infraware.PolarisOffice/EngineTemp/46739/fImage160982356324.png"/>
+          <p:cNvPr id="2" name="Inhaltsplatzhalter 2" descr="/Users/abraxas/Library/Group Containers/L48J367XN4.com.infraware.PolarisOffice/EngineTemp/46739/fImage2211063404877.png"/>
           <p:cNvPicPr>
             <a:picLocks noChangeAspect="1"/>
           </p:cNvPicPr>
@@ -8655,8 +8617,8 @@
         </p:blipFill>
         <p:spPr>
           <a:xfrm rot="0">
-            <a:off x="1166495" y="1902460"/>
-            <a:ext cx="6220460" cy="3088640"/>
+            <a:off x="1871345" y="2106930"/>
+            <a:ext cx="4752975" cy="2874645"/>
           </a:xfrm>
           <a:prstGeom prst="rect"/>
           <a:noFill/>

--- a/Mini-Project Presentation/mini-presentation.pptx
+++ b/Mini-Project Presentation/mini-presentation.pptx
@@ -1,31 +1,37 @@
 
 <file path=ppt/presentation.xml><?xml version="1.0" encoding="utf-8"?>
-<p:presentation xmlns:a="http://schemas.openxmlformats.org/drawingml/2006/main" xmlns:r="http://schemas.openxmlformats.org/officeDocument/2006/relationships" xmlns:p="http://schemas.openxmlformats.org/presentationml/2006/main" xmlns:p14="http://schemas.microsoft.com/office/powerpoint/2010/main" showSpecialPlsOnTitleSld="0" saveSubsetFonts="1" autoCompressPictures="0">
+<p:presentation xmlns:a="http://schemas.openxmlformats.org/drawingml/2006/main" xmlns:r="http://schemas.openxmlformats.org/officeDocument/2006/relationships" xmlns:p="http://schemas.openxmlformats.org/presentationml/2006/main" showSpecialPlsOnTitleSld="0" saveSubsetFonts="1" autoCompressPictures="0">
   <p:sldMasterIdLst>
-    <p:sldMasterId id="2147483927" r:id="rId15"/>
-    <p:sldMasterId id="2147483928" r:id="rId17"/>
-    <p:sldMasterId id="2147483929" r:id="rId19"/>
-    <p:sldMasterId id="2147483930" r:id="rId21"/>
-    <p:sldMasterId id="2147483931" r:id="rId23"/>
-    <p:sldMasterId id="2147483932" r:id="rId25"/>
+    <p:sldMasterId id="2147483927" r:id="rId1"/>
+    <p:sldMasterId id="2147483928" r:id="rId2"/>
+    <p:sldMasterId id="2147483929" r:id="rId3"/>
+    <p:sldMasterId id="2147483930" r:id="rId4"/>
+    <p:sldMasterId id="2147483931" r:id="rId5"/>
+    <p:sldMasterId id="2147483932" r:id="rId6"/>
   </p:sldMasterIdLst>
   <p:notesMasterIdLst>
-    <p:notesMasterId r:id="rId29"/>
+    <p:notesMasterId r:id="rId20"/>
   </p:notesMasterIdLst>
   <p:handoutMasterIdLst>
-    <p:handoutMasterId r:id="rId27"/>
+    <p:handoutMasterId r:id="rId21"/>
   </p:handoutMasterIdLst>
   <p:sldIdLst>
-    <p:sldId id="355" r:id="rId31"/>
-    <p:sldId id="399" r:id="rId33"/>
-    <p:sldId id="406" r:id="rId34"/>
-    <p:sldId id="400" r:id="rId35"/>
-    <p:sldId id="403" r:id="rId36"/>
-    <p:sldId id="408" r:id="rId37"/>
-    <p:sldId id="409" r:id="rId38"/>
+    <p:sldId id="355" r:id="rId7"/>
+    <p:sldId id="399" r:id="rId8"/>
+    <p:sldId id="406" r:id="rId9"/>
+    <p:sldId id="400" r:id="rId10"/>
+    <p:sldId id="403" r:id="rId11"/>
+    <p:sldId id="408" r:id="rId12"/>
+    <p:sldId id="412" r:id="rId13"/>
+    <p:sldId id="410" r:id="rId14"/>
+    <p:sldId id="414" r:id="rId15"/>
+    <p:sldId id="413" r:id="rId16"/>
+    <p:sldId id="411" r:id="rId17"/>
+    <p:sldId id="415" r:id="rId18"/>
+    <p:sldId id="409" r:id="rId19"/>
   </p:sldIdLst>
-  <p:sldSz cx="9144000" cy="5143500"/>
-  <p:notesSz cx="9925050" cy="6666230"/>
+  <p:sldSz cx="9144000" cy="5143500" type="screen16x9"/>
+  <p:notesSz cx="9925050" cy="6665913"/>
   <p:defaultTextStyle>
     <a:defPPr>
       <a:defRPr lang="de-DE"/>
@@ -152,6 +158,25 @@
     </a:lvl9pPr>
   </p:defaultTextStyle>
   <p:extLst>
+    <p:ext uri="{EFAFB233-063F-42B5-8137-9DF3F51BA10A}">
+      <p15:sldGuideLst xmlns:p15="http://schemas.microsoft.com/office/powerpoint/2012/main">
+        <p15:guide id="1" orient="horz" pos="2157">
+          <p15:clr>
+            <a:srgbClr val="A4A3A4"/>
+          </p15:clr>
+        </p15:guide>
+        <p15:guide id="2" pos="2877">
+          <p15:clr>
+            <a:srgbClr val="A4A3A4"/>
+          </p15:clr>
+        </p15:guide>
+        <p15:guide id="3" orient="horz" pos="1617">
+          <p15:clr>
+            <a:srgbClr val="A4A3A4"/>
+          </p15:clr>
+        </p15:guide>
+      </p15:sldGuideLst>
+    </p:ext>
     <p:ext uri="{2D200454-40CA-4A62-9FC3-DE9A4176ACB9}">
       <p15:notesGuideLst xmlns:p15="http://schemas.microsoft.com/office/powerpoint/2012/main">
         <p15:guide id="1" orient="horz" pos="2100">
@@ -164,26 +189,22 @@
             <a:srgbClr val="A4A3A4"/>
           </p15:clr>
         </p15:guide>
-      </p15:notesGuideLst>
-    </p:ext>
-    <p:ext uri="{EFAFB233-063F-42B5-8137-9DF3F51BA10A}">
-      <p15:sldGuideLst xmlns:p15="http://schemas.microsoft.com/office/powerpoint/2012/main">
-        <p15:guide id="1" orient="horz" pos="2157" userDrawn="0">
+        <p15:guide id="3" orient="horz" pos="2157">
           <p15:clr>
             <a:srgbClr val="A4A3A4"/>
           </p15:clr>
         </p15:guide>
-        <p15:guide id="2" pos="2877" userDrawn="0">
+        <p15:guide id="4" pos="2877">
           <p15:clr>
             <a:srgbClr val="A4A3A4"/>
           </p15:clr>
         </p15:guide>
-        <p15:guide id="3" orient="horz" pos="1617" userDrawn="0">
+        <p15:guide id="5" orient="horz" pos="1617">
           <p15:clr>
             <a:srgbClr val="A4A3A4"/>
           </p15:clr>
         </p15:guide>
-      </p15:sldGuideLst>
+      </p15:notesGuideLst>
     </p:ext>
   </p:extLst>
 </p:presentation>
@@ -298,7 +319,7 @@
               <a:pPr>
                 <a:defRPr/>
               </a:pPr>
-              <a:t>05/10/2021</a:t>
+              <a:t>05/11/2024</a:t>
             </a:fld>
             <a:endParaRPr lang="en-GB" dirty="0"/>
           </a:p>
@@ -517,7 +538,7 @@
               <a:pPr>
                 <a:defRPr/>
               </a:pPr>
-              <a:t>05/10/2021</a:t>
+              <a:t>05/11/2024</a:t>
             </a:fld>
             <a:endParaRPr lang="en-GB"/>
           </a:p>
@@ -949,7 +970,7 @@
 </file>
 
 <file path=ppt/slideLayouts/slideLayout1.xml><?xml version="1.0" encoding="utf-8"?>
-<p:sldLayout xmlns:a="http://schemas.openxmlformats.org/drawingml/2006/main" xmlns:r="http://schemas.openxmlformats.org/officeDocument/2006/relationships" xmlns:p="http://schemas.openxmlformats.org/presentationml/2006/main" xmlns:p14="http://schemas.microsoft.com/office/powerpoint/2010/main" preserve="1" userDrawn="1">
+<p:sldLayout xmlns:a="http://schemas.openxmlformats.org/drawingml/2006/main" xmlns:r="http://schemas.openxmlformats.org/officeDocument/2006/relationships" xmlns:p="http://schemas.openxmlformats.org/presentationml/2006/main" preserve="1" userDrawn="1">
   <p:cSld name="Start">
     <p:spTree>
       <p:nvGrpSpPr>
@@ -1203,19 +1224,11 @@
   <p:clrMapOvr>
     <a:masterClrMapping/>
   </p:clrMapOvr>
-  <mc:AlternateContent xmlns:mc="http://schemas.openxmlformats.org/markup-compatibility/2006">
-    <mc:Choice xmlns:p14="http://schemas.microsoft.com/office/powerpoint/2010/main" Requires="p14">
-      <p:transition spd="slow" p14:dur="2000"/>
-    </mc:Choice>
-    <mc:Fallback>
-      <p:transition spd="slow"/>
-    </mc:Fallback>
-  </mc:AlternateContent>
 </p:sldLayout>
 </file>
 
 <file path=ppt/slideLayouts/slideLayout10.xml><?xml version="1.0" encoding="utf-8"?>
-<p:sldLayout xmlns:a="http://schemas.openxmlformats.org/drawingml/2006/main" xmlns:r="http://schemas.openxmlformats.org/officeDocument/2006/relationships" xmlns:p="http://schemas.openxmlformats.org/presentationml/2006/main" xmlns:p14="http://schemas.microsoft.com/office/powerpoint/2010/main" preserve="1" userDrawn="1">
+<p:sldLayout xmlns:a="http://schemas.openxmlformats.org/drawingml/2006/main" xmlns:r="http://schemas.openxmlformats.org/officeDocument/2006/relationships" xmlns:p="http://schemas.openxmlformats.org/presentationml/2006/main" preserve="1" userDrawn="1">
   <p:cSld name="große Bilder">
     <p:spTree>
       <p:nvGrpSpPr>
@@ -1427,14 +1440,6 @@
   <p:clrMapOvr>
     <a:masterClrMapping/>
   </p:clrMapOvr>
-  <mc:AlternateContent xmlns:mc="http://schemas.openxmlformats.org/markup-compatibility/2006">
-    <mc:Choice xmlns:p14="http://schemas.microsoft.com/office/powerpoint/2010/main" Requires="p14">
-      <p:transition spd="slow" p14:dur="2000"/>
-    </mc:Choice>
-    <mc:Fallback>
-      <p:transition spd="slow"/>
-    </mc:Fallback>
-  </mc:AlternateContent>
 </p:sldLayout>
 </file>
 
@@ -1670,10 +1675,6 @@
             <a:br>
               <a:rPr lang="de-DE" noProof="0" dirty="0"/>
             </a:br>
-            <a:r>
-              <a:rPr lang="de-DE" noProof="0" dirty="0"/>
-              <a:t/>
-            </a:r>
             <a:br>
               <a:rPr lang="de-DE" noProof="0" dirty="0"/>
             </a:br>
@@ -1823,10 +1824,6 @@
             <a:br>
               <a:rPr lang="de-DE" noProof="0" dirty="0"/>
             </a:br>
-            <a:r>
-              <a:rPr lang="de-DE" noProof="0" dirty="0"/>
-              <a:t/>
-            </a:r>
             <a:br>
               <a:rPr lang="de-DE" noProof="0" dirty="0"/>
             </a:br>
@@ -3936,7 +3933,7 @@
 </file>
 
 <file path=ppt/slideMasters/slideMaster1.xml><?xml version="1.0" encoding="utf-8"?>
-<p:sldMaster xmlns:a="http://schemas.openxmlformats.org/drawingml/2006/main" xmlns:r="http://schemas.openxmlformats.org/officeDocument/2006/relationships" xmlns:p="http://schemas.openxmlformats.org/presentationml/2006/main" xmlns:p14="http://schemas.microsoft.com/office/powerpoint/2010/main" preserve="1">
+<p:sldMaster xmlns:a="http://schemas.openxmlformats.org/drawingml/2006/main" xmlns:r="http://schemas.openxmlformats.org/officeDocument/2006/relationships" xmlns:p="http://schemas.openxmlformats.org/presentationml/2006/main" preserve="1">
   <p:cSld>
     <p:bg>
       <p:bgRef idx="1001">
@@ -4066,21 +4063,6 @@
   <p:sldLayoutIdLst>
     <p:sldLayoutId id="2147483870" r:id="rId1"/>
   </p:sldLayoutIdLst>
-  <mc:AlternateContent xmlns:mc="http://schemas.openxmlformats.org/markup-compatibility/2006">
-    <mc:Choice xmlns:p14="http://schemas.microsoft.com/office/powerpoint/2010/main" Requires="p14">
-      <p:transition spd="slow" p14:dur="2000"/>
-    </mc:Choice>
-    <mc:Fallback>
-      <p:transition spd="slow"/>
-    </mc:Fallback>
-  </mc:AlternateContent>
-  <p:timing>
-    <p:tnLst>
-      <p:par>
-        <p:cTn id="1" dur="indefinite" restart="never" nodeType="tmRoot"/>
-      </p:par>
-    </p:tnLst>
-  </p:timing>
   <p:txStyles>
     <p:titleStyle>
       <a:lvl1pPr algn="l" rtl="0" eaLnBrk="1" fontAlgn="base" hangingPunct="1">
@@ -5264,7 +5246,7 @@
               </a:lnSpc>
             </a:pPr>
             <a:r>
-              <a:rPr lang="de-DE" sz="800" dirty="0" smtClean="0">
+              <a:rPr lang="de-DE" sz="800" dirty="0">
                 <a:solidFill>
                   <a:schemeClr val="tx2"/>
                 </a:solidFill>
@@ -5273,7 +5255,7 @@
               <a:t>TUM</a:t>
             </a:r>
             <a:r>
-              <a:rPr lang="de-DE" sz="800" baseline="0" dirty="0" smtClean="0">
+              <a:rPr lang="de-DE" sz="800" baseline="0" dirty="0">
                 <a:solidFill>
                   <a:schemeClr val="tx2"/>
                 </a:solidFill>
@@ -5282,7 +5264,7 @@
               <a:t> School </a:t>
             </a:r>
             <a:r>
-              <a:rPr lang="de-DE" sz="800" baseline="0" dirty="0" err="1" smtClean="0">
+              <a:rPr lang="de-DE" sz="800" baseline="0" dirty="0" err="1">
                 <a:solidFill>
                   <a:schemeClr val="tx2"/>
                 </a:solidFill>
@@ -5291,22 +5273,13 @@
               <a:t>of</a:t>
             </a:r>
             <a:r>
-              <a:rPr lang="de-DE" sz="800" dirty="0" smtClean="0">
-                <a:solidFill>
-                  <a:schemeClr val="tx2"/>
-                </a:solidFill>
-                <a:latin typeface="+mn-lt"/>
-              </a:rPr>
-              <a:t> </a:t>
-            </a:r>
-            <a:r>
               <a:rPr lang="de-DE" sz="800" dirty="0">
                 <a:solidFill>
                   <a:schemeClr val="tx2"/>
                 </a:solidFill>
                 <a:latin typeface="+mn-lt"/>
               </a:rPr>
-              <a:t>Musterverfahren</a:t>
+              <a:t> Musterverfahren</a:t>
             </a:r>
           </a:p>
           <a:p>
@@ -5756,7 +5729,7 @@
 </file>
 
 <file path=ppt/slideMasters/slideMaster4.xml><?xml version="1.0" encoding="utf-8"?>
-<p:sldMaster xmlns:a="http://schemas.openxmlformats.org/drawingml/2006/main" xmlns:r="http://schemas.openxmlformats.org/officeDocument/2006/relationships" xmlns:p="http://schemas.openxmlformats.org/presentationml/2006/main" xmlns:p14="http://schemas.microsoft.com/office/powerpoint/2010/main" preserve="1">
+<p:sldMaster xmlns:a="http://schemas.openxmlformats.org/drawingml/2006/main" xmlns:r="http://schemas.openxmlformats.org/officeDocument/2006/relationships" xmlns:p="http://schemas.openxmlformats.org/presentationml/2006/main" preserve="1">
   <p:cSld>
     <p:bg>
       <p:bgRef idx="1001">
@@ -5893,21 +5866,6 @@
     <p:sldLayoutId id="2147483877" r:id="rId7"/>
     <p:sldLayoutId id="2147483878" r:id="rId8"/>
   </p:sldLayoutIdLst>
-  <mc:AlternateContent xmlns:mc="http://schemas.openxmlformats.org/markup-compatibility/2006">
-    <mc:Choice xmlns:p14="http://schemas.microsoft.com/office/powerpoint/2010/main" Requires="p14">
-      <p:transition spd="slow" p14:dur="2000"/>
-    </mc:Choice>
-    <mc:Fallback>
-      <p:transition spd="slow"/>
-    </mc:Fallback>
-  </mc:AlternateContent>
-  <p:timing>
-    <p:tnLst>
-      <p:par>
-        <p:cTn id="1" dur="indefinite" restart="never" nodeType="tmRoot"/>
-      </p:par>
-    </p:tnLst>
-  </p:timing>
   <p:txStyles>
     <p:titleStyle>
       <a:lvl1pPr algn="l" rtl="0" eaLnBrk="0" fontAlgn="base" hangingPunct="0">
@@ -7502,7 +7460,7 @@
 </file>
 
 <file path=ppt/slides/slide1.xml><?xml version="1.0" encoding="utf-8"?>
-<p:sld xmlns:a="http://schemas.openxmlformats.org/drawingml/2006/main" xmlns:r="http://schemas.openxmlformats.org/officeDocument/2006/relationships" xmlns:p="http://schemas.openxmlformats.org/presentationml/2006/main" xmlns:p14="http://schemas.microsoft.com/office/powerpoint/2010/main">
+<p:sld xmlns:a="http://schemas.openxmlformats.org/drawingml/2006/main" xmlns:r="http://schemas.openxmlformats.org/officeDocument/2006/relationships" xmlns:p="http://schemas.openxmlformats.org/presentationml/2006/main">
   <p:cSld>
     <p:spTree>
       <p:nvGrpSpPr>
@@ -7559,7 +7517,7 @@
           </a:xfrm>
         </p:spPr>
         <p:txBody>
-          <a:bodyPr wrap="square" lIns="0" tIns="0" rIns="0" bIns="0" numCol="1" vert="horz" anchor="t">
+          <a:bodyPr vert="horz" wrap="square" lIns="0" tIns="0" rIns="0" bIns="0" numCol="1" anchor="t">
             <a:noAutofit/>
           </a:bodyPr>
           <a:lstStyle/>
@@ -7569,7 +7527,7 @@
               <a:buNone/>
             </a:pPr>
             <a:r>
-              <a:rPr lang="de-DE" sz="2500" i="0" b="0">
+              <a:rPr lang="de-DE" sz="2500" b="0" i="0">
                 <a:solidFill>
                   <a:srgbClr val="000000"/>
                 </a:solidFill>
@@ -7580,7 +7538,7 @@
               <a:t>Knowledge</a:t>
             </a:r>
             <a:r>
-              <a:rPr sz="2500" i="0" b="0">
+              <a:rPr sz="2500" b="0" i="0">
                 <a:solidFill>
                   <a:srgbClr val="000000"/>
                 </a:solidFill>
@@ -7603,15 +7561,17 @@
             <a:spLocks noGrp="1"/>
           </p:cNvSpPr>
           <p:nvPr>
-            <p:ph type="obj" idx="10"/>
+            <p:ph idx="10"/>
           </p:nvPr>
         </p:nvSpPr>
         <p:spPr>
-          <a:xfrm rot="0">
+          <a:xfrm>
             <a:off x="283210" y="2012950"/>
             <a:ext cx="8509635" cy="956310"/>
           </a:xfrm>
-          <a:prstGeom prst="rect"/>
+          <a:prstGeom prst="rect">
+            <a:avLst/>
+          </a:prstGeom>
           <a:noFill/>
           <a:ln w="0">
             <a:noFill/>
@@ -7619,7 +7579,7 @@
           </a:ln>
         </p:spPr>
         <p:txBody>
-          <a:bodyPr wrap="square" lIns="0" tIns="0" rIns="0" bIns="0" numCol="1" vert="horz" anchor="t">
+          <a:bodyPr vert="horz" wrap="square" lIns="0" tIns="0" rIns="0" bIns="0" numCol="1" anchor="t">
             <a:noAutofit/>
           </a:bodyPr>
           <a:lstStyle/>
@@ -7680,11 +7640,7 @@
             </a:r>
             <a:r>
               <a:rPr lang="de-DE" sz="1500"/>
-              <a:t> School of </a:t>
-            </a:r>
-            <a:r>
-              <a:rPr lang="de-DE" sz="1500"/>
-              <a:t>Computation, Information and Technology</a:t>
+              <a:t> School of Computation, Information and Technology</a:t>
             </a:r>
             <a:endParaRPr lang="ko-KR" altLang="en-US" sz="1500"/>
           </a:p>
@@ -7709,26 +7665,926 @@
   <p:clrMapOvr>
     <a:masterClrMapping/>
   </p:clrMapOvr>
-  <mc:AlternateContent xmlns:mc="http://schemas.openxmlformats.org/markup-compatibility/2006">
-    <mc:Choice xmlns:p14="http://schemas.microsoft.com/office/powerpoint/2010/main" Requires="p14">
-      <p:transition spd="slow" p14:dur="2000"/>
-    </mc:Choice>
-    <mc:Fallback>
-      <p:transition spd="slow"/>
-    </mc:Fallback>
-  </mc:AlternateContent>
-  <p:timing>
-    <p:tnLst>
-      <p:par>
-        <p:cTn id="1" dur="indefinite" restart="never" nodeType="tmRoot"/>
-      </p:par>
-    </p:tnLst>
-  </p:timing>
+</p:sld>
+</file>
+
+<file path=ppt/slides/slide10.xml><?xml version="1.0" encoding="utf-8"?>
+<p:sld xmlns:a="http://schemas.openxmlformats.org/drawingml/2006/main" xmlns:r="http://schemas.openxmlformats.org/officeDocument/2006/relationships" xmlns:p="http://schemas.openxmlformats.org/presentationml/2006/main">
+  <p:cSld>
+    <p:spTree>
+      <p:nvGrpSpPr>
+        <p:cNvPr id="1" name=""/>
+        <p:cNvGrpSpPr/>
+        <p:nvPr/>
+      </p:nvGrpSpPr>
+      <p:grpSpPr>
+        <a:xfrm>
+          <a:off x="0" y="0"/>
+          <a:ext cx="0" cy="0"/>
+          <a:chOff x="0" y="0"/>
+          <a:chExt cx="0" cy="0"/>
+        </a:xfrm>
+      </p:grpSpPr>
+      <p:sp>
+        <p:nvSpPr>
+          <p:cNvPr id="2" name="Inhaltsplatzhalter 1">
+            <a:extLst>
+              <a:ext uri="{FF2B5EF4-FFF2-40B4-BE49-F238E27FC236}">
+                <a16:creationId xmlns:a16="http://schemas.microsoft.com/office/drawing/2014/main" id="{223AEEBA-E717-2086-1F85-220C90B3231D}"/>
+              </a:ext>
+            </a:extLst>
+          </p:cNvPr>
+          <p:cNvSpPr>
+            <a:spLocks noGrp="1"/>
+          </p:cNvSpPr>
+          <p:nvPr>
+            <p:ph idx="14"/>
+          </p:nvPr>
+        </p:nvSpPr>
+        <p:spPr>
+          <a:xfrm>
+            <a:off x="319091" y="1602000"/>
+            <a:ext cx="4180910" cy="3095626"/>
+          </a:xfrm>
+        </p:spPr>
+        <p:txBody>
+          <a:bodyPr wrap="square" anchor="t">
+            <a:normAutofit/>
+          </a:bodyPr>
+          <a:lstStyle/>
+          <a:p>
+            <a:pPr>
+              <a:spcAft>
+                <a:spcPts val="600"/>
+              </a:spcAft>
+            </a:pPr>
+            <a:endParaRPr lang="en-GB" dirty="0"/>
+          </a:p>
+          <a:p>
+            <a:pPr>
+              <a:spcAft>
+                <a:spcPts val="600"/>
+              </a:spcAft>
+            </a:pPr>
+            <a:endParaRPr lang="en-GB" dirty="0"/>
+          </a:p>
+          <a:p>
+            <a:pPr>
+              <a:spcAft>
+                <a:spcPts val="600"/>
+              </a:spcAft>
+            </a:pPr>
+            <a:endParaRPr lang="en-GB" dirty="0"/>
+          </a:p>
+          <a:p>
+            <a:pPr>
+              <a:spcAft>
+                <a:spcPts val="600"/>
+              </a:spcAft>
+            </a:pPr>
+            <a:r>
+              <a:rPr lang="en-GB" dirty="0"/>
+              <a:t>What is </a:t>
+            </a:r>
+            <a:r>
+              <a:rPr lang="en-GB" dirty="0" err="1"/>
+              <a:t>DBpedia</a:t>
+            </a:r>
+            <a:r>
+              <a:rPr lang="en-GB" dirty="0"/>
+              <a:t> and how can we use it?</a:t>
+            </a:r>
+            <a:endParaRPr lang="de-DE" dirty="0"/>
+          </a:p>
+        </p:txBody>
+      </p:sp>
+      <p:pic>
+        <p:nvPicPr>
+          <p:cNvPr id="10" name="Picture 8" descr="DBpedia - Wikidata">
+            <a:extLst>
+              <a:ext uri="{FF2B5EF4-FFF2-40B4-BE49-F238E27FC236}">
+                <a16:creationId xmlns:a16="http://schemas.microsoft.com/office/drawing/2014/main" id="{B2A41FB0-B16A-4F46-98BD-BDF3ED14DCA2}"/>
+              </a:ext>
+            </a:extLst>
+          </p:cNvPr>
+          <p:cNvPicPr>
+            <a:picLocks noChangeAspect="1" noChangeArrowheads="1"/>
+          </p:cNvPicPr>
+          <p:nvPr/>
+        </p:nvPicPr>
+        <p:blipFill>
+          <a:blip r:embed="rId2">
+            <a:extLst>
+              <a:ext uri="{28A0092B-C50C-407E-A947-70E740481C1C}">
+                <a14:useLocalDpi xmlns:a14="http://schemas.microsoft.com/office/drawing/2010/main" val="0"/>
+              </a:ext>
+            </a:extLst>
+          </a:blip>
+          <a:stretch>
+            <a:fillRect/>
+          </a:stretch>
+        </p:blipFill>
+        <p:spPr bwMode="auto">
+          <a:xfrm>
+            <a:off x="4647179" y="2621973"/>
+            <a:ext cx="4180910" cy="1055679"/>
+          </a:xfrm>
+          <a:prstGeom prst="rect">
+            <a:avLst/>
+          </a:prstGeom>
+          <a:solidFill>
+            <a:srgbClr val="FFFFFF"/>
+          </a:solidFill>
+          <a:ln w="9525">
+            <a:noFill/>
+            <a:miter lim="800000"/>
+            <a:headEnd/>
+            <a:tailEnd/>
+          </a:ln>
+          <a:extLst>
+            <a:ext uri="{909E8E84-426E-40DD-AFC4-6F175D3DCCD1}">
+              <a14:hiddenFill xmlns:a14="http://schemas.microsoft.com/office/drawing/2010/main">
+                <a:solidFill>
+                  <a:srgbClr val="FFFFFF"/>
+                </a:solidFill>
+              </a14:hiddenFill>
+            </a:ext>
+          </a:extLst>
+        </p:spPr>
+      </p:pic>
+      <p:sp>
+        <p:nvSpPr>
+          <p:cNvPr id="4" name="Titel 3">
+            <a:extLst>
+              <a:ext uri="{FF2B5EF4-FFF2-40B4-BE49-F238E27FC236}">
+                <a16:creationId xmlns:a16="http://schemas.microsoft.com/office/drawing/2014/main" id="{1C22DF1E-3083-F2AC-EBD2-28B41EBD1494}"/>
+              </a:ext>
+            </a:extLst>
+          </p:cNvPr>
+          <p:cNvSpPr>
+            <a:spLocks noGrp="1"/>
+          </p:cNvSpPr>
+          <p:nvPr>
+            <p:ph type="title"/>
+          </p:nvPr>
+        </p:nvSpPr>
+        <p:spPr>
+          <a:xfrm>
+            <a:off x="319090" y="972000"/>
+            <a:ext cx="8508999" cy="410369"/>
+          </a:xfrm>
+        </p:spPr>
+        <p:txBody>
+          <a:bodyPr wrap="square" anchor="t">
+            <a:normAutofit/>
+          </a:bodyPr>
+          <a:lstStyle/>
+          <a:p>
+            <a:r>
+              <a:rPr lang="en-GB" dirty="0" err="1"/>
+              <a:t>Ontoly</a:t>
+            </a:r>
+            <a:r>
+              <a:rPr lang="en-GB" dirty="0"/>
+              <a:t> Integration</a:t>
+            </a:r>
+            <a:endParaRPr lang="de-DE" dirty="0"/>
+          </a:p>
+        </p:txBody>
+      </p:sp>
+    </p:spTree>
+    <p:extLst>
+      <p:ext uri="{BB962C8B-B14F-4D97-AF65-F5344CB8AC3E}">
+        <p14:creationId xmlns:p14="http://schemas.microsoft.com/office/powerpoint/2010/main" val="1454995104"/>
+      </p:ext>
+    </p:extLst>
+  </p:cSld>
+  <p:clrMapOvr>
+    <a:masterClrMapping/>
+  </p:clrMapOvr>
+</p:sld>
+</file>
+
+<file path=ppt/slides/slide11.xml><?xml version="1.0" encoding="utf-8"?>
+<p:sld xmlns:a="http://schemas.openxmlformats.org/drawingml/2006/main" xmlns:r="http://schemas.openxmlformats.org/officeDocument/2006/relationships" xmlns:p="http://schemas.openxmlformats.org/presentationml/2006/main">
+  <p:cSld>
+    <p:spTree>
+      <p:nvGrpSpPr>
+        <p:cNvPr id="1" name=""/>
+        <p:cNvGrpSpPr/>
+        <p:nvPr/>
+      </p:nvGrpSpPr>
+      <p:grpSpPr>
+        <a:xfrm>
+          <a:off x="0" y="0"/>
+          <a:ext cx="0" cy="0"/>
+          <a:chOff x="0" y="0"/>
+          <a:chExt cx="0" cy="0"/>
+        </a:xfrm>
+      </p:grpSpPr>
+      <p:sp>
+        <p:nvSpPr>
+          <p:cNvPr id="2" name="Inhaltsplatzhalter 1">
+            <a:extLst>
+              <a:ext uri="{FF2B5EF4-FFF2-40B4-BE49-F238E27FC236}">
+                <a16:creationId xmlns:a16="http://schemas.microsoft.com/office/drawing/2014/main" id="{706C9F1E-470A-6FF7-EFC5-CCF2D8D934A7}"/>
+              </a:ext>
+            </a:extLst>
+          </p:cNvPr>
+          <p:cNvSpPr>
+            <a:spLocks noGrp="1"/>
+          </p:cNvSpPr>
+          <p:nvPr>
+            <p:ph idx="1"/>
+          </p:nvPr>
+        </p:nvSpPr>
+        <p:spPr/>
+        <p:txBody>
+          <a:bodyPr/>
+          <a:lstStyle/>
+          <a:p>
+            <a:endParaRPr lang="de-DE" dirty="0"/>
+          </a:p>
+        </p:txBody>
+      </p:sp>
+      <p:sp>
+        <p:nvSpPr>
+          <p:cNvPr id="3" name="Titel 2">
+            <a:extLst>
+              <a:ext uri="{FF2B5EF4-FFF2-40B4-BE49-F238E27FC236}">
+                <a16:creationId xmlns:a16="http://schemas.microsoft.com/office/drawing/2014/main" id="{1DC3176C-6E26-A10F-F7F3-467E1D668EB0}"/>
+              </a:ext>
+            </a:extLst>
+          </p:cNvPr>
+          <p:cNvSpPr>
+            <a:spLocks noGrp="1"/>
+          </p:cNvSpPr>
+          <p:nvPr>
+            <p:ph type="title"/>
+          </p:nvPr>
+        </p:nvSpPr>
+        <p:spPr>
+          <a:xfrm>
+            <a:off x="319090" y="972000"/>
+            <a:ext cx="8508999" cy="380810"/>
+          </a:xfrm>
+        </p:spPr>
+        <p:txBody>
+          <a:bodyPr/>
+          <a:lstStyle/>
+          <a:p>
+            <a:r>
+              <a:rPr lang="en-GB" dirty="0"/>
+              <a:t>Evaluation of test results and open questions</a:t>
+            </a:r>
+            <a:endParaRPr lang="de-DE" dirty="0"/>
+          </a:p>
+        </p:txBody>
+      </p:sp>
+    </p:spTree>
+    <p:extLst>
+      <p:ext uri="{BB962C8B-B14F-4D97-AF65-F5344CB8AC3E}">
+        <p14:creationId xmlns:p14="http://schemas.microsoft.com/office/powerpoint/2010/main" val="535648753"/>
+      </p:ext>
+    </p:extLst>
+  </p:cSld>
+  <p:clrMapOvr>
+    <a:masterClrMapping/>
+  </p:clrMapOvr>
+</p:sld>
+</file>
+
+<file path=ppt/slides/slide12.xml><?xml version="1.0" encoding="utf-8"?>
+<p:sld xmlns:a="http://schemas.openxmlformats.org/drawingml/2006/main" xmlns:r="http://schemas.openxmlformats.org/officeDocument/2006/relationships" xmlns:p="http://schemas.openxmlformats.org/presentationml/2006/main">
+  <p:cSld>
+    <p:spTree>
+      <p:nvGrpSpPr>
+        <p:cNvPr id="1" name=""/>
+        <p:cNvGrpSpPr/>
+        <p:nvPr/>
+      </p:nvGrpSpPr>
+      <p:grpSpPr>
+        <a:xfrm>
+          <a:off x="0" y="0"/>
+          <a:ext cx="0" cy="0"/>
+          <a:chOff x="0" y="0"/>
+          <a:chExt cx="0" cy="0"/>
+        </a:xfrm>
+      </p:grpSpPr>
+      <p:sp>
+        <p:nvSpPr>
+          <p:cNvPr id="2" name="Inhaltsplatzhalter 1">
+            <a:extLst>
+              <a:ext uri="{FF2B5EF4-FFF2-40B4-BE49-F238E27FC236}">
+                <a16:creationId xmlns:a16="http://schemas.microsoft.com/office/drawing/2014/main" id="{57BE4CEE-28D0-4F26-8D5B-024072AB81BB}"/>
+              </a:ext>
+            </a:extLst>
+          </p:cNvPr>
+          <p:cNvSpPr>
+            <a:spLocks noGrp="1"/>
+          </p:cNvSpPr>
+          <p:nvPr>
+            <p:ph idx="1"/>
+          </p:nvPr>
+        </p:nvSpPr>
+        <p:spPr/>
+        <p:txBody>
+          <a:bodyPr/>
+          <a:lstStyle/>
+          <a:p>
+            <a:endParaRPr lang="en-GB" sz="4800" dirty="0"/>
+          </a:p>
+          <a:p>
+            <a:r>
+              <a:rPr lang="en-GB" sz="4800" dirty="0"/>
+              <a:t>               Questions?</a:t>
+            </a:r>
+            <a:endParaRPr lang="de-DE" dirty="0"/>
+          </a:p>
+        </p:txBody>
+      </p:sp>
+      <p:sp>
+        <p:nvSpPr>
+          <p:cNvPr id="3" name="Titel 2">
+            <a:extLst>
+              <a:ext uri="{FF2B5EF4-FFF2-40B4-BE49-F238E27FC236}">
+                <a16:creationId xmlns:a16="http://schemas.microsoft.com/office/drawing/2014/main" id="{2CA4534C-0D14-3DB2-6AAF-CEB9AFD3BA3F}"/>
+              </a:ext>
+            </a:extLst>
+          </p:cNvPr>
+          <p:cNvSpPr>
+            <a:spLocks noGrp="1"/>
+          </p:cNvSpPr>
+          <p:nvPr>
+            <p:ph type="title"/>
+          </p:nvPr>
+        </p:nvSpPr>
+        <p:spPr>
+          <a:xfrm>
+            <a:off x="319090" y="972000"/>
+            <a:ext cx="8508999" cy="380810"/>
+          </a:xfrm>
+        </p:spPr>
+        <p:txBody>
+          <a:bodyPr/>
+          <a:lstStyle/>
+          <a:p>
+            <a:r>
+              <a:rPr lang="en-GB" dirty="0"/>
+              <a:t>V                      Thank you for your attention</a:t>
+            </a:r>
+            <a:endParaRPr lang="de-DE" dirty="0"/>
+          </a:p>
+        </p:txBody>
+      </p:sp>
+    </p:spTree>
+    <p:extLst>
+      <p:ext uri="{BB962C8B-B14F-4D97-AF65-F5344CB8AC3E}">
+        <p14:creationId xmlns:p14="http://schemas.microsoft.com/office/powerpoint/2010/main" val="827526504"/>
+      </p:ext>
+    </p:extLst>
+  </p:cSld>
+  <p:clrMapOvr>
+    <a:masterClrMapping/>
+  </p:clrMapOvr>
+</p:sld>
+</file>
+
+<file path=ppt/slides/slide13.xml><?xml version="1.0" encoding="utf-8"?>
+<p:sld xmlns:a="http://schemas.openxmlformats.org/drawingml/2006/main" xmlns:r="http://schemas.openxmlformats.org/officeDocument/2006/relationships" xmlns:p="http://schemas.openxmlformats.org/presentationml/2006/main">
+  <p:cSld>
+    <p:spTree>
+      <p:nvGrpSpPr>
+        <p:cNvPr id="1" name=""/>
+        <p:cNvGrpSpPr/>
+        <p:nvPr/>
+      </p:nvGrpSpPr>
+      <p:grpSpPr>
+        <a:xfrm>
+          <a:off x="0" y="0"/>
+          <a:ext cx="0" cy="0"/>
+          <a:chOff x="0" y="0"/>
+          <a:chExt cx="0" cy="0"/>
+        </a:xfrm>
+      </p:grpSpPr>
+      <p:sp>
+        <p:nvSpPr>
+          <p:cNvPr id="3" name="Titel 1"/>
+          <p:cNvSpPr txBox="1">
+            <a:spLocks noGrp="1"/>
+          </p:cNvSpPr>
+          <p:nvPr>
+            <p:ph type="title" hasCustomPrompt="1"/>
+          </p:nvPr>
+        </p:nvSpPr>
+        <p:spPr>
+          <a:xfrm>
+            <a:off x="319405" y="972185"/>
+            <a:ext cx="8509635" cy="407035"/>
+          </a:xfrm>
+          <a:prstGeom prst="rect">
+            <a:avLst/>
+          </a:prstGeom>
+          <a:noFill/>
+          <a:ln w="0">
+            <a:noFill/>
+            <a:prstDash/>
+          </a:ln>
+        </p:spPr>
+        <p:txBody>
+          <a:bodyPr vert="horz" wrap="square" lIns="0" tIns="0" rIns="0" bIns="0" numCol="1" anchor="t">
+            <a:spAutoFit/>
+          </a:bodyPr>
+          <a:lstStyle>
+            <a:lvl1pPr marL="0" indent="0" latinLnBrk="0">
+              <a:lnSpc>
+                <a:spcPts val="3200"/>
+              </a:lnSpc>
+              <a:buFontTx/>
+              <a:buNone/>
+              <a:defRPr lang="en-GB" altLang="en-US" sz="2500"/>
+            </a:lvl1pPr>
+          </a:lstStyle>
+          <a:p>
+            <a:pPr marL="0" indent="0" rtl="0"/>
+            <a:r>
+              <a:rPr lang="de-DE" sz="2500" b="0">
+                <a:latin typeface="Arial" charset="0"/>
+                <a:ea typeface="Times New Roman" charset="0"/>
+                <a:cs typeface="+mj-cs"/>
+              </a:rPr>
+              <a:t>Sources</a:t>
+            </a:r>
+            <a:endParaRPr lang="ko-KR" altLang="en-US" sz="2500" b="0">
+              <a:latin typeface="Arial" charset="0"/>
+              <a:ea typeface="Times New Roman" charset="0"/>
+              <a:cs typeface="+mj-cs"/>
+            </a:endParaRPr>
+          </a:p>
+        </p:txBody>
+      </p:sp>
+      <p:sp>
+        <p:nvSpPr>
+          <p:cNvPr id="2" name="Inhaltsplatzhalter 2"/>
+          <p:cNvSpPr txBox="1">
+            <a:spLocks noGrp="1"/>
+          </p:cNvSpPr>
+          <p:nvPr>
+            <p:ph idx="1" hasCustomPrompt="1"/>
+          </p:nvPr>
+        </p:nvSpPr>
+        <p:spPr>
+          <a:xfrm>
+            <a:off x="319405" y="1600200"/>
+            <a:ext cx="8509635" cy="3096260"/>
+          </a:xfrm>
+          <a:prstGeom prst="rect">
+            <a:avLst/>
+          </a:prstGeom>
+          <a:noFill/>
+          <a:ln w="0">
+            <a:noFill/>
+            <a:prstDash/>
+          </a:ln>
+        </p:spPr>
+        <p:txBody>
+          <a:bodyPr vert="horz" wrap="square" lIns="0" tIns="0" rIns="0" bIns="0" numCol="1" anchor="t">
+            <a:noAutofit/>
+          </a:bodyPr>
+          <a:lstStyle>
+            <a:lvl1pPr marL="0" indent="0" latinLnBrk="0">
+              <a:lnSpc>
+                <a:spcPct val="114000"/>
+              </a:lnSpc>
+              <a:buFontTx/>
+              <a:buNone/>
+              <a:defRPr lang="en-GB" altLang="en-US" sz="1400"/>
+            </a:lvl1pPr>
+            <a:lvl2pPr marL="0" lvl="1" indent="0" latinLnBrk="0">
+              <a:lnSpc>
+                <a:spcPct val="114000"/>
+              </a:lnSpc>
+              <a:buFontTx/>
+              <a:buNone/>
+              <a:defRPr lang="en-GB" altLang="en-US" sz="1400"/>
+            </a:lvl2pPr>
+            <a:lvl3pPr marL="0" lvl="2" indent="0" latinLnBrk="0">
+              <a:buFontTx/>
+              <a:buNone/>
+              <a:defRPr lang="en-GB" altLang="en-US" sz="1400"/>
+            </a:lvl3pPr>
+          </a:lstStyle>
+          <a:p>
+            <a:pPr marL="254000" indent="-254000" rtl="0">
+              <a:buFont typeface="Wingdings"/>
+              <a:buChar char=""/>
+            </a:pPr>
+            <a:r>
+              <a:rPr lang="de-DE" sz="1400" dirty="0">
+                <a:latin typeface="Arial" charset="0"/>
+                <a:ea typeface="Times New Roman" charset="0"/>
+                <a:cs typeface="+mn-cs"/>
+              </a:rPr>
+              <a:t>Slide </a:t>
+            </a:r>
+            <a:r>
+              <a:rPr lang="de-DE" sz="1400" dirty="0" err="1">
+                <a:latin typeface="Arial" charset="0"/>
+                <a:ea typeface="Times New Roman" charset="0"/>
+                <a:cs typeface="+mn-cs"/>
+              </a:rPr>
+              <a:t>number</a:t>
+            </a:r>
+            <a:r>
+              <a:rPr lang="de-DE" sz="1400" dirty="0">
+                <a:latin typeface="Arial" charset="0"/>
+                <a:ea typeface="Times New Roman" charset="0"/>
+                <a:cs typeface="+mn-cs"/>
+              </a:rPr>
+              <a:t> 3 - </a:t>
+            </a:r>
+            <a:r>
+              <a:rPr lang="de-DE" sz="1400" dirty="0">
+                <a:latin typeface="Arial" charset="0"/>
+                <a:ea typeface="Times New Roman" charset="0"/>
+                <a:cs typeface="+mn-cs"/>
+                <a:hlinkClick r:id="rId2">
+                  <a:extLst>
+                    <a:ext uri="{A12FA001-AC4F-418D-AE19-62706E023703}">
+                      <ahyp:hlinkClr xmlns:ahyp="http://schemas.microsoft.com/office/drawing/2018/hyperlinkcolor" val="hlink"/>
+                    </a:ext>
+                  </a:extLst>
+                </a:hlinkClick>
+              </a:rPr>
+              <a:t>Link</a:t>
+            </a:r>
+            <a:endParaRPr lang="ko-KR" altLang="en-US" sz="1400" dirty="0">
+              <a:latin typeface="Arial" charset="0"/>
+              <a:ea typeface="Times New Roman" charset="0"/>
+              <a:cs typeface="+mn-cs"/>
+            </a:endParaRPr>
+          </a:p>
+          <a:p>
+            <a:pPr marL="254000" indent="-254000" rtl="0">
+              <a:buFont typeface="Wingdings"/>
+              <a:buChar char=""/>
+            </a:pPr>
+            <a:r>
+              <a:rPr lang="de-DE" sz="1400" dirty="0">
+                <a:latin typeface="Arial" charset="0"/>
+                <a:ea typeface="Times New Roman" charset="0"/>
+                <a:cs typeface="+mn-cs"/>
+              </a:rPr>
+              <a:t>Slide </a:t>
+            </a:r>
+            <a:r>
+              <a:rPr lang="de-DE" sz="1400" dirty="0" err="1">
+                <a:latin typeface="Arial" charset="0"/>
+                <a:ea typeface="Times New Roman" charset="0"/>
+                <a:cs typeface="+mn-cs"/>
+              </a:rPr>
+              <a:t>number</a:t>
+            </a:r>
+            <a:r>
+              <a:rPr lang="de-DE" sz="1400" dirty="0">
+                <a:latin typeface="Arial" charset="0"/>
+                <a:ea typeface="Times New Roman" charset="0"/>
+                <a:cs typeface="+mn-cs"/>
+              </a:rPr>
+              <a:t> 4 - </a:t>
+            </a:r>
+            <a:r>
+              <a:rPr lang="de-DE" sz="1400" dirty="0">
+                <a:latin typeface="Arial" charset="0"/>
+                <a:ea typeface="Times New Roman" charset="0"/>
+                <a:cs typeface="+mn-cs"/>
+                <a:hlinkClick r:id="rId3">
+                  <a:extLst>
+                    <a:ext uri="{A12FA001-AC4F-418D-AE19-62706E023703}">
+                      <ahyp:hlinkClr xmlns:ahyp="http://schemas.microsoft.com/office/drawing/2018/hyperlinkcolor" val="hlink"/>
+                    </a:ext>
+                  </a:extLst>
+                </a:hlinkClick>
+              </a:rPr>
+              <a:t>Link</a:t>
+            </a:r>
+            <a:endParaRPr lang="ko-KR" altLang="en-US" sz="1400" dirty="0">
+              <a:latin typeface="Arial" charset="0"/>
+              <a:ea typeface="Times New Roman" charset="0"/>
+              <a:cs typeface="+mn-cs"/>
+            </a:endParaRPr>
+          </a:p>
+          <a:p>
+            <a:pPr marL="254000" indent="-254000" rtl="0">
+              <a:buFont typeface="Wingdings"/>
+              <a:buChar char=""/>
+            </a:pPr>
+            <a:r>
+              <a:rPr lang="de-DE" sz="1400" dirty="0">
+                <a:latin typeface="Arial" charset="0"/>
+                <a:ea typeface="Times New Roman" charset="0"/>
+                <a:cs typeface="+mn-cs"/>
+              </a:rPr>
+              <a:t>Slide </a:t>
+            </a:r>
+            <a:r>
+              <a:rPr lang="de-DE" sz="1400" dirty="0" err="1">
+                <a:latin typeface="Arial" charset="0"/>
+                <a:ea typeface="Times New Roman" charset="0"/>
+                <a:cs typeface="+mn-cs"/>
+              </a:rPr>
+              <a:t>number</a:t>
+            </a:r>
+            <a:r>
+              <a:rPr lang="de-DE" sz="1400" dirty="0">
+                <a:latin typeface="Arial" charset="0"/>
+                <a:ea typeface="Times New Roman" charset="0"/>
+                <a:cs typeface="+mn-cs"/>
+              </a:rPr>
+              <a:t> 5 - </a:t>
+            </a:r>
+            <a:r>
+              <a:rPr lang="de-DE" sz="1400" dirty="0">
+                <a:latin typeface="Arial" charset="0"/>
+                <a:ea typeface="Times New Roman" charset="0"/>
+                <a:cs typeface="+mn-cs"/>
+                <a:hlinkClick r:id="rId4">
+                  <a:extLst>
+                    <a:ext uri="{A12FA001-AC4F-418D-AE19-62706E023703}">
+                      <ahyp:hlinkClr xmlns:ahyp="http://schemas.microsoft.com/office/drawing/2018/hyperlinkcolor" val="hlink"/>
+                    </a:ext>
+                  </a:extLst>
+                </a:hlinkClick>
+              </a:rPr>
+              <a:t>Link</a:t>
+            </a:r>
+            <a:endParaRPr lang="ko-KR" altLang="en-US" sz="1400" dirty="0">
+              <a:latin typeface="Arial" charset="0"/>
+              <a:ea typeface="Times New Roman" charset="0"/>
+              <a:cs typeface="+mn-cs"/>
+            </a:endParaRPr>
+          </a:p>
+          <a:p>
+            <a:pPr marL="254000" indent="-254000" rtl="0">
+              <a:buFont typeface="Wingdings"/>
+              <a:buChar char=""/>
+            </a:pPr>
+            <a:r>
+              <a:rPr lang="de-DE" sz="1400" dirty="0">
+                <a:latin typeface="Arial" charset="0"/>
+                <a:ea typeface="Times New Roman" charset="0"/>
+                <a:cs typeface="+mn-cs"/>
+              </a:rPr>
+              <a:t>Slide </a:t>
+            </a:r>
+            <a:r>
+              <a:rPr lang="de-DE" sz="1400" dirty="0" err="1">
+                <a:latin typeface="Arial" charset="0"/>
+                <a:ea typeface="Times New Roman" charset="0"/>
+                <a:cs typeface="+mn-cs"/>
+              </a:rPr>
+              <a:t>number</a:t>
+            </a:r>
+            <a:r>
+              <a:rPr lang="de-DE" sz="1400" dirty="0">
+                <a:latin typeface="Arial" charset="0"/>
+                <a:ea typeface="Times New Roman" charset="0"/>
+                <a:cs typeface="+mn-cs"/>
+              </a:rPr>
+              <a:t> 6 - </a:t>
+            </a:r>
+            <a:r>
+              <a:rPr lang="de-DE" sz="1400" dirty="0" err="1">
+                <a:latin typeface="Arial" charset="0"/>
+                <a:ea typeface="Times New Roman" charset="0"/>
+                <a:cs typeface="+mn-cs"/>
+              </a:rPr>
+              <a:t>Created</a:t>
+            </a:r>
+            <a:r>
+              <a:rPr lang="de-DE" sz="1400" dirty="0">
+                <a:latin typeface="Arial" charset="0"/>
+                <a:ea typeface="Times New Roman" charset="0"/>
+                <a:cs typeface="+mn-cs"/>
+              </a:rPr>
+              <a:t> </a:t>
+            </a:r>
+            <a:r>
+              <a:rPr lang="de-DE" sz="1400" dirty="0" err="1">
+                <a:latin typeface="Arial" charset="0"/>
+                <a:ea typeface="Times New Roman" charset="0"/>
+                <a:cs typeface="+mn-cs"/>
+              </a:rPr>
+              <a:t>using</a:t>
+            </a:r>
+            <a:r>
+              <a:rPr lang="de-DE" sz="1400" dirty="0">
+                <a:latin typeface="Arial" charset="0"/>
+                <a:ea typeface="Times New Roman" charset="0"/>
+                <a:cs typeface="+mn-cs"/>
+              </a:rPr>
+              <a:t> AI </a:t>
+            </a:r>
+            <a:r>
+              <a:rPr lang="de-DE" sz="1400" dirty="0" err="1">
+                <a:latin typeface="Arial" charset="0"/>
+                <a:ea typeface="Times New Roman" charset="0"/>
+                <a:cs typeface="+mn-cs"/>
+              </a:rPr>
+              <a:t>tools</a:t>
+            </a:r>
+            <a:endParaRPr lang="de-DE" sz="1400" dirty="0">
+              <a:latin typeface="Arial" charset="0"/>
+              <a:ea typeface="Times New Roman" charset="0"/>
+              <a:cs typeface="+mn-cs"/>
+            </a:endParaRPr>
+          </a:p>
+          <a:p>
+            <a:pPr marL="254000" indent="-254000" rtl="0">
+              <a:buFont typeface="Wingdings"/>
+              <a:buChar char=""/>
+            </a:pPr>
+            <a:r>
+              <a:rPr lang="de-DE" altLang="ko-KR" sz="1400" dirty="0">
+                <a:latin typeface="Arial" charset="0"/>
+                <a:ea typeface="Times New Roman" charset="0"/>
+                <a:cs typeface="+mn-cs"/>
+              </a:rPr>
+              <a:t>Slide </a:t>
+            </a:r>
+            <a:r>
+              <a:rPr lang="de-DE" altLang="ko-KR" dirty="0" err="1">
+                <a:latin typeface="Arial" charset="0"/>
+                <a:ea typeface="Times New Roman" charset="0"/>
+              </a:rPr>
+              <a:t>number</a:t>
+            </a:r>
+            <a:r>
+              <a:rPr lang="de-DE" altLang="ko-KR" dirty="0">
+                <a:latin typeface="Arial" charset="0"/>
+                <a:ea typeface="Times New Roman" charset="0"/>
+              </a:rPr>
+              <a:t> 7 –</a:t>
+            </a:r>
+            <a:r>
+              <a:rPr lang="de-DE" altLang="ko-KR" dirty="0">
+                <a:latin typeface="Arial" charset="0"/>
+                <a:ea typeface="Times New Roman" charset="0"/>
+                <a:hlinkClick r:id="rId5"/>
+              </a:rPr>
+              <a:t>Link</a:t>
+            </a:r>
+            <a:endParaRPr lang="de-DE" altLang="ko-KR" dirty="0">
+              <a:latin typeface="Arial" charset="0"/>
+              <a:ea typeface="Times New Roman" charset="0"/>
+            </a:endParaRPr>
+          </a:p>
+          <a:p>
+            <a:pPr marL="254000" indent="-254000">
+              <a:buFont typeface="Wingdings"/>
+              <a:buChar char=""/>
+            </a:pPr>
+            <a:r>
+              <a:rPr lang="de-DE" altLang="ko-KR" sz="1400" dirty="0">
+                <a:latin typeface="Arial" charset="0"/>
+                <a:ea typeface="Times New Roman" charset="0"/>
+                <a:cs typeface="+mn-cs"/>
+              </a:rPr>
+              <a:t>Slide </a:t>
+            </a:r>
+            <a:r>
+              <a:rPr lang="de-DE" altLang="ko-KR" dirty="0" err="1">
+                <a:latin typeface="Arial" charset="0"/>
+                <a:ea typeface="Times New Roman" charset="0"/>
+              </a:rPr>
+              <a:t>number</a:t>
+            </a:r>
+            <a:r>
+              <a:rPr lang="de-DE" altLang="ko-KR" dirty="0">
+                <a:latin typeface="Arial" charset="0"/>
+                <a:ea typeface="Times New Roman" charset="0"/>
+              </a:rPr>
+              <a:t> 8 - </a:t>
+            </a:r>
+            <a:r>
+              <a:rPr lang="de-DE" altLang="ko-KR" dirty="0">
+                <a:latin typeface="Arial" charset="0"/>
+                <a:ea typeface="Times New Roman" charset="0"/>
+                <a:hlinkClick r:id="rId6"/>
+              </a:rPr>
+              <a:t>Link</a:t>
+            </a:r>
+            <a:endParaRPr lang="ko-KR" altLang="en-US" sz="1400" dirty="0">
+              <a:latin typeface="Arial" charset="0"/>
+              <a:ea typeface="Times New Roman" charset="0"/>
+              <a:cs typeface="+mn-cs"/>
+            </a:endParaRPr>
+          </a:p>
+          <a:p>
+            <a:pPr marL="254000" indent="-254000">
+              <a:buFont typeface="Wingdings"/>
+              <a:buChar char=""/>
+            </a:pPr>
+            <a:r>
+              <a:rPr lang="de-DE" altLang="ko-KR" sz="1400" dirty="0">
+                <a:latin typeface="Arial" charset="0"/>
+                <a:ea typeface="Times New Roman" charset="0"/>
+                <a:cs typeface="+mn-cs"/>
+              </a:rPr>
+              <a:t>Slide </a:t>
+            </a:r>
+            <a:r>
+              <a:rPr lang="de-DE" altLang="ko-KR" dirty="0" err="1">
+                <a:latin typeface="Arial" charset="0"/>
+                <a:ea typeface="Times New Roman" charset="0"/>
+              </a:rPr>
+              <a:t>number</a:t>
+            </a:r>
+            <a:r>
+              <a:rPr lang="de-DE" altLang="ko-KR" dirty="0">
+                <a:latin typeface="Arial" charset="0"/>
+                <a:ea typeface="Times New Roman" charset="0"/>
+              </a:rPr>
+              <a:t> 9 -</a:t>
+            </a:r>
+            <a:r>
+              <a:rPr lang="de-DE" altLang="ko-KR" dirty="0">
+                <a:latin typeface="Arial" charset="0"/>
+                <a:ea typeface="Times New Roman" charset="0"/>
+                <a:hlinkClick r:id="rId7"/>
+              </a:rPr>
+              <a:t> Link</a:t>
+            </a:r>
+            <a:endParaRPr lang="ko-KR" altLang="en-US" sz="1400" dirty="0">
+              <a:latin typeface="Arial" charset="0"/>
+              <a:ea typeface="Times New Roman" charset="0"/>
+              <a:cs typeface="+mn-cs"/>
+            </a:endParaRPr>
+          </a:p>
+          <a:p>
+            <a:pPr marL="254000" indent="-254000">
+              <a:buFont typeface="Wingdings"/>
+              <a:buChar char=""/>
+            </a:pPr>
+            <a:r>
+              <a:rPr lang="de-DE" altLang="ko-KR" sz="1400" dirty="0">
+                <a:latin typeface="Arial" charset="0"/>
+                <a:ea typeface="Times New Roman" charset="0"/>
+                <a:cs typeface="+mn-cs"/>
+              </a:rPr>
+              <a:t>Slide </a:t>
+            </a:r>
+            <a:r>
+              <a:rPr lang="de-DE" altLang="ko-KR" dirty="0" err="1">
+                <a:latin typeface="Arial" charset="0"/>
+                <a:ea typeface="Times New Roman" charset="0"/>
+              </a:rPr>
+              <a:t>number</a:t>
+            </a:r>
+            <a:r>
+              <a:rPr lang="de-DE" altLang="ko-KR" dirty="0">
+                <a:latin typeface="Arial" charset="0"/>
+                <a:ea typeface="Times New Roman" charset="0"/>
+              </a:rPr>
+              <a:t> 10 -</a:t>
+            </a:r>
+            <a:r>
+              <a:rPr lang="de-DE" altLang="ko-KR" dirty="0">
+                <a:latin typeface="Arial" charset="0"/>
+                <a:ea typeface="Times New Roman" charset="0"/>
+                <a:hlinkClick r:id="rId8"/>
+              </a:rPr>
+              <a:t> Link</a:t>
+            </a:r>
+            <a:endParaRPr lang="ko-KR" altLang="en-US" sz="1400" dirty="0">
+              <a:latin typeface="Arial" charset="0"/>
+              <a:ea typeface="Times New Roman" charset="0"/>
+              <a:cs typeface="+mn-cs"/>
+            </a:endParaRPr>
+          </a:p>
+          <a:p>
+            <a:pPr marL="254000" indent="-254000" rtl="0">
+              <a:buFont typeface="Wingdings"/>
+              <a:buChar char=""/>
+            </a:pPr>
+            <a:endParaRPr lang="ko-KR" altLang="en-US" sz="1400" dirty="0">
+              <a:latin typeface="Arial" charset="0"/>
+              <a:ea typeface="Times New Roman" charset="0"/>
+              <a:cs typeface="+mn-cs"/>
+            </a:endParaRPr>
+          </a:p>
+        </p:txBody>
+      </p:sp>
+    </p:spTree>
+  </p:cSld>
+  <p:clrMapOvr>
+    <a:masterClrMapping/>
+  </p:clrMapOvr>
 </p:sld>
 </file>
 
 <file path=ppt/slides/slide2.xml><?xml version="1.0" encoding="utf-8"?>
-<p:sld xmlns:a="http://schemas.openxmlformats.org/drawingml/2006/main" xmlns:r="http://schemas.openxmlformats.org/officeDocument/2006/relationships" xmlns:p="http://schemas.openxmlformats.org/presentationml/2006/main" xmlns:p14="http://schemas.microsoft.com/office/powerpoint/2010/main">
+<p:sld xmlns:a="http://schemas.openxmlformats.org/drawingml/2006/main" xmlns:r="http://schemas.openxmlformats.org/officeDocument/2006/relationships" xmlns:p="http://schemas.openxmlformats.org/presentationml/2006/main">
   <p:cSld>
     <p:spTree>
       <p:nvGrpSpPr>
@@ -7748,18 +8604,20 @@
         <p:nvSpPr>
           <p:cNvPr id="2" name="Titel 1"/>
           <p:cNvSpPr txBox="1">
-            <a:spLocks/>
+            <a:spLocks noGrp="1"/>
           </p:cNvSpPr>
           <p:nvPr>
             <p:ph type="title"/>
           </p:nvPr>
         </p:nvSpPr>
         <p:spPr>
-          <a:xfrm rot="0">
+          <a:xfrm>
             <a:off x="319405" y="972185"/>
             <a:ext cx="8509635" cy="384175"/>
           </a:xfrm>
-          <a:prstGeom prst="rect"/>
+          <a:prstGeom prst="rect">
+            <a:avLst/>
+          </a:prstGeom>
           <a:noFill/>
           <a:ln w="0">
             <a:noFill/>
@@ -7767,7 +8625,7 @@
           </a:ln>
         </p:spPr>
         <p:txBody>
-          <a:bodyPr wrap="square" lIns="0" tIns="0" rIns="0" bIns="0" numCol="1" vert="horz" anchor="t">
+          <a:bodyPr vert="horz" wrap="square" lIns="0" tIns="0" rIns="0" bIns="0" numCol="1" anchor="t">
             <a:noAutofit/>
           </a:bodyPr>
           <a:lstStyle>
@@ -7783,7 +8641,7 @@
           <a:p>
             <a:pPr marL="0" indent="0" rtl="0"/>
             <a:r>
-              <a:rPr lang="de-DE" sz="2500" i="0" b="0">
+              <a:rPr lang="de-DE" sz="2500" b="0" i="0">
                 <a:solidFill>
                   <a:srgbClr val="000000"/>
                 </a:solidFill>
@@ -7791,18 +8649,7 @@
                 <a:ea typeface="Arial" charset="0"/>
                 <a:cs typeface="Arial" charset="0"/>
               </a:rPr>
-              <a:t>Knowledge</a:t>
-            </a:r>
-            <a:r>
-              <a:rPr lang="de-DE" sz="2500" i="0" b="0">
-                <a:solidFill>
-                  <a:srgbClr val="000000"/>
-                </a:solidFill>
-                <a:latin typeface="Arial" charset="0"/>
-                <a:ea typeface="Arial" charset="0"/>
-                <a:cs typeface="Arial" charset="0"/>
-              </a:rPr>
-              <a:t> Graph Creation from Text with LLMs</a:t>
+              <a:t>Knowledge Graph Creation from Text with LLMs</a:t>
             </a:r>
             <a:endParaRPr lang="ko-KR" altLang="en-US" sz="2500" b="0">
               <a:latin typeface="Arial" charset="0"/>
@@ -7815,18 +8662,20 @@
         <p:nvSpPr>
           <p:cNvPr id="3" name="Inhaltsplatzhalter 2"/>
           <p:cNvSpPr txBox="1">
-            <a:spLocks/>
+            <a:spLocks noGrp="1"/>
           </p:cNvSpPr>
           <p:nvPr>
-            <p:ph type="obj" idx="10"/>
+            <p:ph idx="10"/>
           </p:nvPr>
         </p:nvSpPr>
         <p:spPr>
-          <a:xfrm rot="0">
+          <a:xfrm>
             <a:off x="319405" y="1717675"/>
             <a:ext cx="8509635" cy="956310"/>
           </a:xfrm>
-          <a:prstGeom prst="rect"/>
+          <a:prstGeom prst="rect">
+            <a:avLst/>
+          </a:prstGeom>
           <a:noFill/>
           <a:ln w="0">
             <a:noFill/>
@@ -7834,7 +8683,7 @@
           </a:ln>
         </p:spPr>
         <p:txBody>
-          <a:bodyPr wrap="square" lIns="0" tIns="0" rIns="0" bIns="0" numCol="1" vert="horz" anchor="t">
+          <a:bodyPr vert="horz" wrap="square" lIns="0" tIns="0" rIns="0" bIns="0" numCol="1" anchor="t">
             <a:noAutofit/>
           </a:bodyPr>
           <a:lstStyle>
@@ -7846,7 +8695,7 @@
               <a:buNone/>
               <a:defRPr lang="en-GB" altLang="en-US" sz="1400"/>
             </a:lvl1pPr>
-            <a:lvl2pPr marL="0" indent="0" latinLnBrk="0" lvl="1">
+            <a:lvl2pPr marL="0" lvl="1" indent="0" latinLnBrk="0">
               <a:buFontTx/>
               <a:buNone/>
               <a:defRPr lang="en-GB" altLang="en-US"/>
@@ -7903,7 +8752,9 @@
             <a:off x="340995" y="2378075"/>
             <a:ext cx="8491220" cy="832485"/>
           </a:xfrm>
-          <a:prstGeom prst="rect"/>
+          <a:prstGeom prst="rect">
+            <a:avLst/>
+          </a:prstGeom>
           <a:noFill/>
           <a:ln w="0">
             <a:noFill/>
@@ -7911,7 +8762,7 @@
           </a:ln>
         </p:spPr>
         <p:txBody>
-          <a:bodyPr wrap="square" lIns="89535" tIns="46355" rIns="89535" bIns="46355" numCol="1" vert="horz" anchor="t">
+          <a:bodyPr vert="horz" wrap="square" lIns="89535" tIns="46355" rIns="89535" bIns="46355" numCol="1" anchor="t">
             <a:spAutoFit/>
           </a:bodyPr>
           <a:lstStyle/>
@@ -7979,21 +8830,6 @@
   <p:clrMapOvr>
     <a:masterClrMapping/>
   </p:clrMapOvr>
-  <mc:AlternateContent xmlns:mc="http://schemas.openxmlformats.org/markup-compatibility/2006">
-    <mc:Choice xmlns:p14="http://schemas.microsoft.com/office/powerpoint/2010/main" Requires="p14">
-      <p:transition spd="slow" p14:dur="2000"/>
-    </mc:Choice>
-    <mc:Fallback>
-      <p:transition spd="slow"/>
-    </mc:Fallback>
-  </mc:AlternateContent>
-  <p:timing>
-    <p:tnLst>
-      <p:par>
-        <p:cTn id="1" dur="indefinite" restart="never" nodeType="tmRoot"/>
-      </p:par>
-    </p:tnLst>
-  </p:timing>
 </p:sld>
 </file>
 
@@ -8018,25 +8854,27 @@
         <p:nvSpPr>
           <p:cNvPr id="4" name="Textplatzhalter 7"/>
           <p:cNvSpPr txBox="1">
-            <a:spLocks/>
+            <a:spLocks noGrp="1"/>
           </p:cNvSpPr>
           <p:nvPr>
             <p:ph type="body" idx="13" hasCustomPrompt="1"/>
           </p:nvPr>
         </p:nvSpPr>
         <p:spPr>
-          <a:xfrm rot="0">
+          <a:xfrm>
             <a:off x="319405" y="1600200"/>
             <a:ext cx="8509635" cy="506095"/>
           </a:xfrm>
-          <a:prstGeom prst="rect"/>
+          <a:prstGeom prst="rect">
+            <a:avLst/>
+          </a:prstGeom>
           <a:ln w="0">
             <a:noFill/>
             <a:prstDash/>
           </a:ln>
         </p:spPr>
         <p:txBody>
-          <a:bodyPr wrap="square" lIns="0" tIns="0" rIns="0" bIns="0" numCol="1" vert="horz" anchor="t">
+          <a:bodyPr vert="horz" wrap="square" lIns="0" tIns="0" rIns="0" bIns="0" numCol="1" anchor="t">
             <a:noAutofit/>
           </a:bodyPr>
           <a:lstStyle>
@@ -8057,15 +8895,7 @@
                 <a:ea typeface="Times New Roman" charset="0"/>
                 <a:cs typeface="+mn-cs"/>
               </a:rPr>
-              <a:t>What</a:t>
-            </a:r>
-            <a:r>
-              <a:rPr lang="de-DE" sz="1400">
-                <a:latin typeface="Arial" charset="0"/>
-                <a:ea typeface="Times New Roman" charset="0"/>
-                <a:cs typeface="+mn-cs"/>
-              </a:rPr>
-              <a:t> are LLM’s and why are they important for us ?</a:t>
+              <a:t>What are LLM’s and why are they important for us ?</a:t>
             </a:r>
             <a:endParaRPr lang="ko-KR" altLang="en-US" sz="1400">
               <a:latin typeface="Arial" charset="0"/>
@@ -8079,25 +8909,27 @@
         <p:nvSpPr>
           <p:cNvPr id="3" name="Titel 1"/>
           <p:cNvSpPr txBox="1">
-            <a:spLocks/>
+            <a:spLocks noGrp="1"/>
           </p:cNvSpPr>
           <p:nvPr>
             <p:ph type="title" hasCustomPrompt="1"/>
           </p:nvPr>
         </p:nvSpPr>
         <p:spPr>
-          <a:xfrm rot="0">
+          <a:xfrm>
             <a:off x="319405" y="972185"/>
             <a:ext cx="8509635" cy="407035"/>
           </a:xfrm>
-          <a:prstGeom prst="rect"/>
+          <a:prstGeom prst="rect">
+            <a:avLst/>
+          </a:prstGeom>
           <a:ln w="0">
             <a:noFill/>
             <a:prstDash/>
           </a:ln>
         </p:spPr>
         <p:txBody>
-          <a:bodyPr wrap="square" lIns="0" tIns="0" rIns="0" bIns="0" numCol="1" vert="horz" anchor="t">
+          <a:bodyPr vert="horz" wrap="square" lIns="0" tIns="0" rIns="0" bIns="0" numCol="1" anchor="t">
             <a:spAutoFit/>
           </a:bodyPr>
           <a:lstStyle>
@@ -8118,15 +8950,7 @@
                 <a:ea typeface="Times New Roman" charset="0"/>
                 <a:cs typeface="+mj-cs"/>
               </a:rPr>
-              <a:t>Introduction</a:t>
-            </a:r>
-            <a:r>
-              <a:rPr lang="de-DE" sz="2500" b="0">
-                <a:latin typeface="Arial" charset="0"/>
-                <a:ea typeface="Times New Roman" charset="0"/>
-                <a:cs typeface="+mj-cs"/>
-              </a:rPr>
-              <a:t> and Motivation</a:t>
+              <a:t>Introduction and Motivation</a:t>
             </a:r>
             <a:endParaRPr lang="ko-KR" altLang="en-US" sz="2500" b="0">
               <a:latin typeface="Arial" charset="0"/>
@@ -8140,10 +8964,10 @@
         <p:nvPicPr>
           <p:cNvPr id="2" name="Inhaltsplatzhalter 2" descr="/Users/abraxas/Library/Group Containers/L48J367XN4.com.infraware.PolarisOffice/EngineTemp/46739/fImage160982356324.png"/>
           <p:cNvPicPr>
-            <a:picLocks noChangeAspect="1"/>
+            <a:picLocks noGrp="1" noChangeAspect="1"/>
           </p:cNvPicPr>
           <p:nvPr>
-            <p:ph type="obj" idx="1"/>
+            <p:ph idx="1"/>
           </p:nvPr>
         </p:nvPicPr>
         <p:blipFill rotWithShape="1">
@@ -8160,11 +8984,13 @@
           </a:stretch>
         </p:blipFill>
         <p:spPr>
-          <a:xfrm rot="0">
+          <a:xfrm>
             <a:off x="1166495" y="1902460"/>
             <a:ext cx="6220460" cy="3088640"/>
           </a:xfrm>
-          <a:prstGeom prst="rect"/>
+          <a:prstGeom prst="rect">
+            <a:avLst/>
+          </a:prstGeom>
           <a:noFill/>
           <a:ln w="0">
             <a:noFill/>
@@ -8177,14 +9003,6 @@
   <p:clrMapOvr>
     <a:masterClrMapping/>
   </p:clrMapOvr>
-  <mc:AlternateContent xmlns:mc="http://schemas.openxmlformats.org/markup-compatibility/2006">
-    <mc:Choice xmlns:p14="http://schemas.microsoft.com/office/powerpoint/2010/main" Requires="p14">
-      <p:transition spd="slow" p14:dur="2000"/>
-    </mc:Choice>
-    <mc:Fallback>
-      <p:transition spd="slow"/>
-    </mc:Fallback>
-  </mc:AlternateContent>
 </p:sld>
 </file>
 
@@ -8209,25 +9027,27 @@
         <p:nvSpPr>
           <p:cNvPr id="5" name="Textplatzhalter 7"/>
           <p:cNvSpPr txBox="1">
-            <a:spLocks/>
+            <a:spLocks noGrp="1"/>
           </p:cNvSpPr>
           <p:nvPr>
             <p:ph type="body" idx="13" hasCustomPrompt="1"/>
           </p:nvPr>
         </p:nvSpPr>
         <p:spPr>
-          <a:xfrm rot="0">
+          <a:xfrm>
             <a:off x="319405" y="1600200"/>
             <a:ext cx="8509635" cy="506095"/>
           </a:xfrm>
-          <a:prstGeom prst="rect"/>
+          <a:prstGeom prst="rect">
+            <a:avLst/>
+          </a:prstGeom>
           <a:ln w="0">
             <a:noFill/>
             <a:prstDash/>
           </a:ln>
         </p:spPr>
         <p:txBody>
-          <a:bodyPr wrap="square" lIns="0" tIns="0" rIns="0" bIns="0" numCol="1" vert="horz" anchor="t">
+          <a:bodyPr vert="horz" wrap="square" lIns="0" tIns="0" rIns="0" bIns="0" numCol="1" anchor="t">
             <a:noAutofit/>
           </a:bodyPr>
           <a:lstStyle>
@@ -8254,18 +9074,7 @@
                 <a:ea typeface="Times New Roman" charset="0"/>
                 <a:cs typeface="+mn-cs"/>
               </a:rPr>
-              <a:t>What</a:t>
-            </a:r>
-            <a:r>
-              <a:rPr lang="de-DE" sz="1400">
-                <a:solidFill>
-                  <a:schemeClr val="tx1"/>
-                </a:solidFill>
-                <a:latin typeface="Arial" charset="0"/>
-                <a:ea typeface="Times New Roman" charset="0"/>
-                <a:cs typeface="+mn-cs"/>
-              </a:rPr>
-              <a:t> are LLM’s and why are they important for us ?</a:t>
+              <a:t>What are LLM’s and why are they important for us ?</a:t>
             </a:r>
             <a:endParaRPr lang="ko-KR" altLang="en-US" sz="1400">
               <a:solidFill>
@@ -8282,25 +9091,27 @@
         <p:nvSpPr>
           <p:cNvPr id="2" name="Titel 1"/>
           <p:cNvSpPr txBox="1">
-            <a:spLocks/>
+            <a:spLocks noGrp="1"/>
           </p:cNvSpPr>
           <p:nvPr>
             <p:ph type="title"/>
           </p:nvPr>
         </p:nvSpPr>
         <p:spPr>
-          <a:xfrm rot="0">
+          <a:xfrm>
             <a:off x="319405" y="972185"/>
             <a:ext cx="8509635" cy="410845"/>
           </a:xfrm>
-          <a:prstGeom prst="rect"/>
+          <a:prstGeom prst="rect">
+            <a:avLst/>
+          </a:prstGeom>
           <a:ln w="0">
             <a:noFill/>
             <a:prstDash/>
           </a:ln>
         </p:spPr>
         <p:txBody>
-          <a:bodyPr wrap="square" lIns="0" tIns="0" rIns="0" bIns="0" numCol="1" vert="horz" anchor="t">
+          <a:bodyPr vert="horz" wrap="square" lIns="0" tIns="0" rIns="0" bIns="0" numCol="1" anchor="t">
             <a:noAutofit/>
           </a:bodyPr>
           <a:lstStyle>
@@ -8327,18 +9138,7 @@
                 <a:ea typeface="Times New Roman" charset="0"/>
                 <a:cs typeface="+mj-cs"/>
               </a:rPr>
-              <a:t>Introduction</a:t>
-            </a:r>
-            <a:r>
-              <a:rPr lang="de-DE" sz="2500" b="0">
-                <a:solidFill>
-                  <a:schemeClr val="tx1"/>
-                </a:solidFill>
-                <a:latin typeface="Arial" charset="0"/>
-                <a:ea typeface="Times New Roman" charset="0"/>
-                <a:cs typeface="+mj-cs"/>
-              </a:rPr>
-              <a:t> and Motivation</a:t>
+              <a:t>Introduction and Motivation</a:t>
             </a:r>
             <a:endParaRPr lang="ko-KR" altLang="en-US" sz="2500" b="0">
               <a:solidFill>
@@ -8355,10 +9155,10 @@
         <p:nvPicPr>
           <p:cNvPr id="3" name="Inhaltsplatzhalter 2" descr="/Users/abraxas/Library/Group Containers/L48J367XN4.com.infraware.PolarisOffice/EngineTemp/46739/fImage309233072463.jpeg"/>
           <p:cNvPicPr>
-            <a:picLocks noChangeAspect="1"/>
+            <a:picLocks noGrp="1" noChangeAspect="1"/>
           </p:cNvPicPr>
           <p:nvPr>
-            <p:ph type="obj" idx="1"/>
+            <p:ph idx="1"/>
           </p:nvPr>
         </p:nvPicPr>
         <p:blipFill rotWithShape="1">
@@ -8375,11 +9175,13 @@
           </a:stretch>
         </p:blipFill>
         <p:spPr>
-          <a:xfrm rot="0">
+          <a:xfrm>
             <a:off x="1610995" y="2018665"/>
             <a:ext cx="5372735" cy="2863850"/>
           </a:xfrm>
-          <a:prstGeom prst="rect"/>
+          <a:prstGeom prst="rect">
+            <a:avLst/>
+          </a:prstGeom>
           <a:noFill/>
           <a:ln w="0">
             <a:noFill/>
@@ -8392,14 +9194,6 @@
   <p:clrMapOvr>
     <a:masterClrMapping/>
   </p:clrMapOvr>
-  <mc:AlternateContent xmlns:mc="http://schemas.openxmlformats.org/markup-compatibility/2006">
-    <mc:Choice xmlns:p14="http://schemas.microsoft.com/office/powerpoint/2010/main" Requires="p14">
-      <p:transition spd="slow" p14:dur="2000"/>
-    </mc:Choice>
-    <mc:Fallback>
-      <p:transition spd="slow"/>
-    </mc:Fallback>
-  </mc:AlternateContent>
 </p:sld>
 </file>
 
@@ -8424,25 +9218,27 @@
         <p:nvSpPr>
           <p:cNvPr id="4" name="Textplatzhalter 7"/>
           <p:cNvSpPr txBox="1">
-            <a:spLocks/>
+            <a:spLocks noGrp="1"/>
           </p:cNvSpPr>
           <p:nvPr>
             <p:ph type="body" idx="13" hasCustomPrompt="1"/>
           </p:nvPr>
         </p:nvSpPr>
         <p:spPr>
-          <a:xfrm rot="0">
+          <a:xfrm>
             <a:off x="319405" y="1600200"/>
             <a:ext cx="8509635" cy="506095"/>
           </a:xfrm>
-          <a:prstGeom prst="rect"/>
+          <a:prstGeom prst="rect">
+            <a:avLst/>
+          </a:prstGeom>
           <a:ln w="0">
             <a:noFill/>
             <a:prstDash/>
           </a:ln>
         </p:spPr>
         <p:txBody>
-          <a:bodyPr wrap="square" lIns="0" tIns="0" rIns="0" bIns="0" numCol="1" vert="horz" anchor="t">
+          <a:bodyPr vert="horz" wrap="square" lIns="0" tIns="0" rIns="0" bIns="0" numCol="1" anchor="t">
             <a:noAutofit/>
           </a:bodyPr>
           <a:lstStyle>
@@ -8456,7 +9252,7 @@
             </a:lvl1pPr>
           </a:lstStyle>
           <a:p>
-            <a:pPr marL="0" indent="0" rtl="0" algn="l" fontAlgn="base" eaLnBrk="0" latinLnBrk="0" hangingPunct="0">
+            <a:pPr marL="0" indent="0" algn="l" rtl="0" eaLnBrk="0" fontAlgn="base" latinLnBrk="0" hangingPunct="0">
               <a:lnSpc>
                 <a:spcPct val="114000"/>
               </a:lnSpc>
@@ -8478,18 +9274,7 @@
                 <a:ea typeface="Times New Roman" charset="0"/>
                 <a:cs typeface="+mn-cs"/>
               </a:rPr>
-              <a:t>What</a:t>
-            </a:r>
-            <a:r>
-              <a:rPr lang="de-DE" sz="1400">
-                <a:solidFill>
-                  <a:schemeClr val="tx1"/>
-                </a:solidFill>
-                <a:latin typeface="Arial" charset="0"/>
-                <a:ea typeface="Times New Roman" charset="0"/>
-                <a:cs typeface="+mn-cs"/>
-              </a:rPr>
-              <a:t> are LLM’s and why are they important for us ?</a:t>
+              <a:t>What are LLM’s and why are they important for us ?</a:t>
             </a:r>
             <a:endParaRPr lang="ko-KR" altLang="en-US" sz="1400">
               <a:solidFill>
@@ -8514,25 +9299,27 @@
         <p:nvSpPr>
           <p:cNvPr id="3" name="Titel 1"/>
           <p:cNvSpPr txBox="1">
-            <a:spLocks/>
+            <a:spLocks noGrp="1"/>
           </p:cNvSpPr>
           <p:nvPr>
             <p:ph type="title" hasCustomPrompt="1"/>
           </p:nvPr>
         </p:nvSpPr>
         <p:spPr>
-          <a:xfrm rot="0">
+          <a:xfrm>
             <a:off x="332105" y="981075"/>
             <a:ext cx="8496935" cy="407035"/>
           </a:xfrm>
-          <a:prstGeom prst="rect"/>
+          <a:prstGeom prst="rect">
+            <a:avLst/>
+          </a:prstGeom>
           <a:ln w="0">
             <a:noFill/>
             <a:prstDash/>
           </a:ln>
         </p:spPr>
         <p:txBody>
-          <a:bodyPr wrap="square" lIns="0" tIns="0" rIns="0" bIns="0" numCol="1" vert="horz" anchor="t">
+          <a:bodyPr vert="horz" wrap="square" lIns="0" tIns="0" rIns="0" bIns="0" numCol="1" anchor="t">
             <a:spAutoFit/>
           </a:bodyPr>
           <a:lstStyle>
@@ -8546,7 +9333,7 @@
             </a:lvl1pPr>
           </a:lstStyle>
           <a:p>
-            <a:pPr marL="0" indent="0" rtl="0" algn="l" fontAlgn="base" eaLnBrk="0" latinLnBrk="0" hangingPunct="0">
+            <a:pPr marL="0" indent="0" algn="l" rtl="0" eaLnBrk="0" fontAlgn="base" latinLnBrk="0" hangingPunct="0">
               <a:lnSpc>
                 <a:spcPts val="3200"/>
               </a:lnSpc>
@@ -8568,18 +9355,7 @@
                 <a:ea typeface="Times New Roman" charset="0"/>
                 <a:cs typeface="+mj-cs"/>
               </a:rPr>
-              <a:t>Introduction</a:t>
-            </a:r>
-            <a:r>
-              <a:rPr lang="de-DE" sz="2500" b="0">
-                <a:solidFill>
-                  <a:schemeClr val="tx1"/>
-                </a:solidFill>
-                <a:latin typeface="Arial" charset="0"/>
-                <a:ea typeface="Times New Roman" charset="0"/>
-                <a:cs typeface="+mj-cs"/>
-              </a:rPr>
-              <a:t> and Motivation</a:t>
+              <a:t>Introduction and Motivation</a:t>
             </a:r>
             <a:endParaRPr lang="ko-KR" altLang="en-US" sz="2500" b="0">
               <a:solidFill>
@@ -8596,10 +9372,10 @@
         <p:nvPicPr>
           <p:cNvPr id="2" name="Inhaltsplatzhalter 2" descr="/Users/abraxas/Library/Group Containers/L48J367XN4.com.infraware.PolarisOffice/EngineTemp/46739/fImage2211063404877.png"/>
           <p:cNvPicPr>
-            <a:picLocks noChangeAspect="1"/>
+            <a:picLocks noGrp="1" noChangeAspect="1"/>
           </p:cNvPicPr>
           <p:nvPr>
-            <p:ph type="obj" idx="1"/>
+            <p:ph idx="1"/>
           </p:nvPr>
         </p:nvPicPr>
         <p:blipFill rotWithShape="1">
@@ -8616,11 +9392,13 @@
           </a:stretch>
         </p:blipFill>
         <p:spPr>
-          <a:xfrm rot="0">
+          <a:xfrm>
             <a:off x="1871345" y="2106930"/>
             <a:ext cx="4752975" cy="2874645"/>
           </a:xfrm>
-          <a:prstGeom prst="rect"/>
+          <a:prstGeom prst="rect">
+            <a:avLst/>
+          </a:prstGeom>
           <a:noFill/>
           <a:ln w="0">
             <a:noFill/>
@@ -8633,14 +9411,6 @@
   <p:clrMapOvr>
     <a:masterClrMapping/>
   </p:clrMapOvr>
-  <mc:AlternateContent xmlns:mc="http://schemas.openxmlformats.org/markup-compatibility/2006">
-    <mc:Choice xmlns:p14="http://schemas.microsoft.com/office/powerpoint/2010/main" Requires="p14">
-      <p:transition spd="slow" p14:dur="2000"/>
-    </mc:Choice>
-    <mc:Fallback>
-      <p:transition spd="slow"/>
-    </mc:Fallback>
-  </mc:AlternateContent>
 </p:sld>
 </file>
 
@@ -8665,25 +9435,27 @@
         <p:nvSpPr>
           <p:cNvPr id="4" name="Textplatzhalter 7"/>
           <p:cNvSpPr txBox="1">
-            <a:spLocks/>
+            <a:spLocks noGrp="1"/>
           </p:cNvSpPr>
           <p:nvPr>
-            <p:ph type="obj" idx="1" hasCustomPrompt="1"/>
+            <p:ph idx="1" hasCustomPrompt="1"/>
           </p:nvPr>
         </p:nvSpPr>
         <p:spPr>
-          <a:xfrm rot="0">
+          <a:xfrm>
             <a:off x="319405" y="1600200"/>
             <a:ext cx="8509635" cy="3096260"/>
           </a:xfrm>
-          <a:prstGeom prst="rect"/>
+          <a:prstGeom prst="rect">
+            <a:avLst/>
+          </a:prstGeom>
           <a:ln w="0">
             <a:noFill/>
             <a:prstDash/>
           </a:ln>
         </p:spPr>
         <p:txBody>
-          <a:bodyPr wrap="square" lIns="0" tIns="0" rIns="0" bIns="0" numCol="1" vert="horz" anchor="t">
+          <a:bodyPr vert="horz" wrap="square" lIns="0" tIns="0" rIns="0" bIns="0" numCol="1" anchor="t">
             <a:noAutofit/>
           </a:bodyPr>
           <a:lstStyle>
@@ -8726,25 +9498,27 @@
         <p:nvSpPr>
           <p:cNvPr id="3" name="Titel 1"/>
           <p:cNvSpPr txBox="1">
-            <a:spLocks/>
+            <a:spLocks noGrp="1"/>
           </p:cNvSpPr>
           <p:nvPr>
             <p:ph type="title" hasCustomPrompt="1"/>
           </p:nvPr>
         </p:nvSpPr>
         <p:spPr>
-          <a:xfrm rot="0">
+          <a:xfrm>
             <a:off x="319405" y="972185"/>
             <a:ext cx="8509635" cy="407035"/>
           </a:xfrm>
-          <a:prstGeom prst="rect"/>
+          <a:prstGeom prst="rect">
+            <a:avLst/>
+          </a:prstGeom>
           <a:ln w="0">
             <a:noFill/>
             <a:prstDash/>
           </a:ln>
         </p:spPr>
         <p:txBody>
-          <a:bodyPr wrap="square" lIns="0" tIns="0" rIns="0" bIns="0" numCol="1" vert="horz" anchor="t">
+          <a:bodyPr vert="horz" wrap="square" lIns="0" tIns="0" rIns="0" bIns="0" numCol="1" anchor="t">
             <a:spAutoFit/>
           </a:bodyPr>
           <a:lstStyle>
@@ -8765,15 +9539,7 @@
                 <a:ea typeface="Times New Roman" charset="0"/>
                 <a:cs typeface="+mj-cs"/>
               </a:rPr>
-              <a:t>Problem</a:t>
-            </a:r>
-            <a:r>
-              <a:rPr lang="de-DE" sz="2500" b="0">
-                <a:latin typeface="Arial" charset="0"/>
-                <a:ea typeface="Times New Roman" charset="0"/>
-                <a:cs typeface="+mj-cs"/>
-              </a:rPr>
-              <a:t> statement</a:t>
+              <a:t>Problem statement</a:t>
             </a:r>
             <a:endParaRPr lang="ko-KR" altLang="en-US" sz="2500" b="0">
               <a:latin typeface="Arial" charset="0"/>
@@ -8804,11 +9570,13 @@
           </a:stretch>
         </p:blipFill>
         <p:spPr>
-          <a:xfrm rot="0">
+          <a:xfrm>
             <a:off x="4208780" y="2537460"/>
             <a:ext cx="4376420" cy="1642110"/>
           </a:xfrm>
-          <a:prstGeom prst="rect"/>
+          <a:prstGeom prst="rect">
+            <a:avLst/>
+          </a:prstGeom>
           <a:noFill/>
         </p:spPr>
       </p:pic>
@@ -8821,11 +9589,13 @@
           <p:nvPr/>
         </p:nvSpPr>
         <p:spPr>
-          <a:xfrm rot="0">
+          <a:xfrm>
             <a:off x="318135" y="2233930"/>
             <a:ext cx="4040505" cy="2463165"/>
           </a:xfrm>
-          <a:prstGeom prst="rect"/>
+          <a:prstGeom prst="rect">
+            <a:avLst/>
+          </a:prstGeom>
           <a:noFill/>
           <a:ln w="0">
             <a:noFill/>
@@ -8833,7 +9603,7 @@
           </a:ln>
         </p:spPr>
         <p:txBody>
-          <a:bodyPr wrap="square" lIns="89535" tIns="46355" rIns="89535" bIns="46355" vert="horz" anchor="t">
+          <a:bodyPr vert="horz" wrap="square" lIns="89535" tIns="46355" rIns="89535" bIns="46355" anchor="t">
             <a:spAutoFit/>
           </a:bodyPr>
           <a:lstStyle/>
@@ -8845,15 +9615,7 @@
                 <a:ea typeface="Arial" charset="0"/>
                 <a:cs typeface="Arial" charset="0"/>
               </a:rPr>
-              <a:t>Key</a:t>
-            </a:r>
-            <a:r>
-              <a:rPr sz="1400">
-                <a:latin typeface="Arial" charset="0"/>
-                <a:ea typeface="Arial" charset="0"/>
-                <a:cs typeface="Arial" charset="0"/>
-              </a:rPr>
-              <a:t> Components :</a:t>
+              <a:t>Key Components :</a:t>
             </a:r>
             <a:endParaRPr lang="ko-KR" altLang="en-US" sz="1400">
               <a:latin typeface="Arial" charset="0"/>
@@ -8942,23 +9704,7 @@
                 <a:ea typeface="Arial" charset="0"/>
                 <a:cs typeface="Arial" charset="0"/>
               </a:rPr>
-              <a:t>Main</a:t>
-            </a:r>
-            <a:r>
-              <a:rPr sz="1400">
-                <a:latin typeface="Arial" charset="0"/>
-                <a:ea typeface="Arial" charset="0"/>
-                <a:cs typeface="Arial" charset="0"/>
-              </a:rPr>
-              <a:t> </a:t>
-            </a:r>
-            <a:r>
-              <a:rPr sz="1400">
-                <a:latin typeface="Arial" charset="0"/>
-                <a:ea typeface="Arial" charset="0"/>
-                <a:cs typeface="Arial" charset="0"/>
-              </a:rPr>
-              <a:t>Challenges :</a:t>
+              <a:t>Main Challenges :</a:t>
             </a:r>
             <a:endParaRPr lang="ko-KR" altLang="en-US" sz="1400">
               <a:latin typeface="Arial" charset="0"/>
@@ -9038,14 +9784,6 @@
   <p:clrMapOvr>
     <a:masterClrMapping/>
   </p:clrMapOvr>
-  <mc:AlternateContent xmlns:mc="http://schemas.openxmlformats.org/markup-compatibility/2006">
-    <mc:Choice xmlns:p14="http://schemas.microsoft.com/office/powerpoint/2010/main" Requires="p14">
-      <p:transition spd="slow" p14:dur="2000"/>
-    </mc:Choice>
-    <mc:Fallback>
-      <p:transition spd="slow"/>
-    </mc:Fallback>
-  </mc:AlternateContent>
 </p:sld>
 </file>
 
@@ -9068,243 +9806,519 @@
       </p:grpSpPr>
       <p:sp>
         <p:nvSpPr>
-          <p:cNvPr id="3" name="Titel 1"/>
-          <p:cNvSpPr txBox="1">
-            <a:spLocks/>
+          <p:cNvPr id="4103" name="Content Placeholder 1">
+            <a:extLst>
+              <a:ext uri="{FF2B5EF4-FFF2-40B4-BE49-F238E27FC236}">
+                <a16:creationId xmlns:a16="http://schemas.microsoft.com/office/drawing/2014/main" id="{8BADDA45-E75D-6A02-16F6-699ED56049A5}"/>
+              </a:ext>
+            </a:extLst>
+          </p:cNvPr>
+          <p:cNvSpPr>
+            <a:spLocks noGrp="1"/>
           </p:cNvSpPr>
           <p:nvPr>
-            <p:ph type="title" hasCustomPrompt="1"/>
+            <p:ph idx="14"/>
           </p:nvPr>
         </p:nvSpPr>
         <p:spPr>
-          <a:xfrm rot="0">
-            <a:off x="319405" y="972185"/>
-            <a:ext cx="8509635" cy="407035"/>
+          <a:xfrm>
+            <a:off x="319091" y="1602000"/>
+            <a:ext cx="4180910" cy="3095626"/>
           </a:xfrm>
-          <a:prstGeom prst="rect"/>
-          <a:noFill/>
-          <a:ln w="0">
-            <a:noFill/>
-            <a:prstDash/>
-          </a:ln>
         </p:spPr>
         <p:txBody>
-          <a:bodyPr wrap="square" lIns="0" tIns="0" rIns="0" bIns="0" numCol="1" vert="horz" anchor="t">
-            <a:spAutoFit/>
-          </a:bodyPr>
-          <a:lstStyle>
-            <a:lvl1pPr marL="0" indent="0" latinLnBrk="0">
-              <a:lnSpc>
-                <a:spcPts val="3200"/>
-              </a:lnSpc>
-              <a:buFontTx/>
-              <a:buNone/>
-              <a:defRPr lang="en-GB" altLang="en-US" sz="2500"/>
-            </a:lvl1pPr>
-          </a:lstStyle>
-          <a:p>
-            <a:pPr marL="0" indent="0" rtl="0"/>
-            <a:r>
-              <a:rPr lang="de-DE" sz="2500" b="0">
-                <a:latin typeface="Arial" charset="0"/>
-                <a:ea typeface="Times New Roman" charset="0"/>
-                <a:cs typeface="+mj-cs"/>
-              </a:rPr>
-              <a:t>Sources</a:t>
-            </a:r>
-            <a:endParaRPr lang="ko-KR" altLang="en-US" sz="2500" b="0">
-              <a:latin typeface="Arial" charset="0"/>
-              <a:ea typeface="Times New Roman" charset="0"/>
-              <a:cs typeface="+mj-cs"/>
-            </a:endParaRPr>
+          <a:bodyPr/>
+          <a:lstStyle/>
+          <a:p>
+            <a:endParaRPr lang="en-US" dirty="0"/>
+          </a:p>
+          <a:p>
+            <a:endParaRPr lang="en-US" dirty="0"/>
+          </a:p>
+          <a:p>
+            <a:endParaRPr lang="en-US" dirty="0"/>
+          </a:p>
+          <a:p>
+            <a:endParaRPr lang="en-US" dirty="0"/>
+          </a:p>
+          <a:p>
+            <a:endParaRPr lang="en-US" dirty="0"/>
+          </a:p>
+          <a:p>
+            <a:r>
+              <a:rPr lang="en-US" dirty="0"/>
+              <a:t>What do u need Prompt Design for?</a:t>
+            </a:r>
+          </a:p>
+          <a:p>
+            <a:endParaRPr lang="en-US" dirty="0"/>
+          </a:p>
+          <a:p>
+            <a:endParaRPr lang="en-US" dirty="0"/>
+          </a:p>
+          <a:p>
+            <a:r>
+              <a:rPr lang="en-US" dirty="0"/>
+              <a:t> </a:t>
+            </a:r>
           </a:p>
         </p:txBody>
       </p:sp>
+      <p:pic>
+        <p:nvPicPr>
+          <p:cNvPr id="4098" name="Picture 2" descr="Was ist Prompt Engineering? - Datasolut GmbH">
+            <a:extLst>
+              <a:ext uri="{FF2B5EF4-FFF2-40B4-BE49-F238E27FC236}">
+                <a16:creationId xmlns:a16="http://schemas.microsoft.com/office/drawing/2014/main" id="{18361D20-9048-5834-8B68-4EFDDFD5890D}"/>
+              </a:ext>
+            </a:extLst>
+          </p:cNvPr>
+          <p:cNvPicPr>
+            <a:picLocks noGrp="1" noChangeAspect="1" noChangeArrowheads="1"/>
+          </p:cNvPicPr>
+          <p:nvPr>
+            <p:ph idx="15"/>
+          </p:nvPr>
+        </p:nvPicPr>
+        <p:blipFill>
+          <a:blip r:embed="rId2">
+            <a:extLst>
+              <a:ext uri="{28A0092B-C50C-407E-A947-70E740481C1C}">
+                <a14:useLocalDpi xmlns:a14="http://schemas.microsoft.com/office/drawing/2010/main" val="0"/>
+              </a:ext>
+            </a:extLst>
+          </a:blip>
+          <a:stretch>
+            <a:fillRect/>
+          </a:stretch>
+        </p:blipFill>
+        <p:spPr bwMode="auto">
+          <a:xfrm>
+            <a:off x="4647179" y="1974247"/>
+            <a:ext cx="4180910" cy="2351131"/>
+          </a:xfrm>
+          <a:prstGeom prst="rect">
+            <a:avLst/>
+          </a:prstGeom>
+          <a:solidFill>
+            <a:srgbClr val="FFFFFF"/>
+          </a:solidFill>
+          <a:extLst>
+            <a:ext uri="{909E8E84-426E-40DD-AFC4-6F175D3DCCD1}">
+              <a14:hiddenFill xmlns:a14="http://schemas.microsoft.com/office/drawing/2010/main">
+                <a:solidFill>
+                  <a:srgbClr val="FFFFFF"/>
+                </a:solidFill>
+              </a14:hiddenFill>
+            </a:ext>
+          </a:extLst>
+        </p:spPr>
+      </p:pic>
       <p:sp>
         <p:nvSpPr>
-          <p:cNvPr id="2" name="Inhaltsplatzhalter 2"/>
-          <p:cNvSpPr txBox="1">
-            <a:spLocks/>
+          <p:cNvPr id="3" name="Titel 2">
+            <a:extLst>
+              <a:ext uri="{FF2B5EF4-FFF2-40B4-BE49-F238E27FC236}">
+                <a16:creationId xmlns:a16="http://schemas.microsoft.com/office/drawing/2014/main" id="{FA96049C-151E-F683-0968-68D263C23695}"/>
+              </a:ext>
+            </a:extLst>
+          </p:cNvPr>
+          <p:cNvSpPr>
+            <a:spLocks noGrp="1"/>
           </p:cNvSpPr>
           <p:nvPr>
-            <p:ph type="obj" idx="1" hasCustomPrompt="1"/>
+            <p:ph type="title"/>
           </p:nvPr>
         </p:nvSpPr>
         <p:spPr>
-          <a:xfrm rot="0">
-            <a:off x="319405" y="1600200"/>
-            <a:ext cx="8509635" cy="3096260"/>
+          <a:xfrm>
+            <a:off x="319090" y="972000"/>
+            <a:ext cx="8508999" cy="410369"/>
           </a:xfrm>
-          <a:prstGeom prst="rect"/>
-          <a:noFill/>
-          <a:ln w="0">
-            <a:noFill/>
-            <a:prstDash/>
-          </a:ln>
         </p:spPr>
         <p:txBody>
-          <a:bodyPr wrap="square" lIns="0" tIns="0" rIns="0" bIns="0" numCol="1" vert="horz" anchor="t">
-            <a:noAutofit/>
+          <a:bodyPr wrap="square" anchor="t">
+            <a:normAutofit/>
           </a:bodyPr>
-          <a:lstStyle>
-            <a:lvl1pPr marL="0" indent="0" latinLnBrk="0">
-              <a:lnSpc>
-                <a:spcPct val="114000"/>
-              </a:lnSpc>
-              <a:buFontTx/>
-              <a:buNone/>
-              <a:defRPr lang="en-GB" altLang="en-US" sz="1400"/>
-            </a:lvl1pPr>
-            <a:lvl2pPr marL="0" indent="0" latinLnBrk="0" lvl="1">
-              <a:lnSpc>
-                <a:spcPct val="114000"/>
-              </a:lnSpc>
-              <a:buFontTx/>
-              <a:buNone/>
-              <a:defRPr lang="en-GB" altLang="en-US" sz="1400"/>
-            </a:lvl2pPr>
-            <a:lvl3pPr marL="0" indent="0" latinLnBrk="0" lvl="2">
-              <a:buFontTx/>
-              <a:buNone/>
-              <a:defRPr lang="en-GB" altLang="en-US" sz="1400"/>
-            </a:lvl3pPr>
-          </a:lstStyle>
-          <a:p>
-            <a:pPr marL="254000" indent="-254000" rtl="0">
-              <a:buFont typeface="Wingdings"/>
-              <a:buChar char=""/>
-            </a:pPr>
-            <a:r>
-              <a:rPr lang="de-DE" sz="1400">
-                <a:latin typeface="Arial" charset="0"/>
-                <a:ea typeface="Times New Roman" charset="0"/>
-                <a:cs typeface="+mn-cs"/>
-              </a:rPr>
-              <a:t>Slide number 3 - </a:t>
-            </a:r>
-            <a:r>
-              <a:rPr lang="de-DE" sz="1400">
-                <a:latin typeface="Arial" charset="0"/>
-                <a:ea typeface="Times New Roman" charset="0"/>
-                <a:cs typeface="+mn-cs"/>
-                <a:hlinkClick r:id="rId2">
-                  <a:extLst>
-                    <a:ext uri="{A12FA001-AC4F-418D-AE19-62706E023703}">
-                      <ahyp:hlinkClr xmlns:ahyp="http://schemas.microsoft.com/office/drawing/2018/hyperlinkcolor" xmlns="" val="hlink"/>
-                    </a:ext>
-                  </a:extLst>
-                </a:hlinkClick>
-              </a:rPr>
-              <a:t>Link</a:t>
-            </a:r>
-            <a:endParaRPr lang="ko-KR" altLang="en-US" sz="1400">
-              <a:latin typeface="Arial" charset="0"/>
-              <a:ea typeface="Times New Roman" charset="0"/>
-              <a:cs typeface="+mn-cs"/>
-            </a:endParaRPr>
-          </a:p>
-          <a:p>
-            <a:pPr marL="254000" indent="-254000" rtl="0">
-              <a:buFont typeface="Wingdings"/>
-              <a:buChar char=""/>
-            </a:pPr>
-            <a:r>
-              <a:rPr lang="de-DE" sz="1400">
-                <a:latin typeface="Arial" charset="0"/>
-                <a:ea typeface="Times New Roman" charset="0"/>
-                <a:cs typeface="+mn-cs"/>
-              </a:rPr>
-              <a:t>Slide number 4 - </a:t>
-            </a:r>
-            <a:r>
-              <a:rPr lang="de-DE" sz="1400">
-                <a:latin typeface="Arial" charset="0"/>
-                <a:ea typeface="Times New Roman" charset="0"/>
-                <a:cs typeface="+mn-cs"/>
-                <a:hlinkClick r:id="rId3">
-                  <a:extLst>
-                    <a:ext uri="{A12FA001-AC4F-418D-AE19-62706E023703}">
-                      <ahyp:hlinkClr xmlns:ahyp="http://schemas.microsoft.com/office/drawing/2018/hyperlinkcolor" xmlns="" val="hlink"/>
-                    </a:ext>
-                  </a:extLst>
-                </a:hlinkClick>
-              </a:rPr>
-              <a:t>Link</a:t>
-            </a:r>
-            <a:endParaRPr lang="ko-KR" altLang="en-US" sz="1400">
-              <a:latin typeface="Arial" charset="0"/>
-              <a:ea typeface="Times New Roman" charset="0"/>
-              <a:cs typeface="+mn-cs"/>
-            </a:endParaRPr>
-          </a:p>
-          <a:p>
-            <a:pPr marL="254000" indent="-254000" rtl="0">
-              <a:buFont typeface="Wingdings"/>
-              <a:buChar char=""/>
-            </a:pPr>
-            <a:r>
-              <a:rPr lang="de-DE" sz="1400">
-                <a:latin typeface="Arial" charset="0"/>
-                <a:ea typeface="Times New Roman" charset="0"/>
-                <a:cs typeface="+mn-cs"/>
-              </a:rPr>
-              <a:t>Slide number 5 - </a:t>
-            </a:r>
-            <a:r>
-              <a:rPr lang="de-DE" sz="1400">
-                <a:latin typeface="Arial" charset="0"/>
-                <a:ea typeface="Times New Roman" charset="0"/>
-                <a:cs typeface="+mn-cs"/>
-                <a:hlinkClick r:id="rId4">
-                  <a:extLst>
-                    <a:ext uri="{A12FA001-AC4F-418D-AE19-62706E023703}">
-                      <ahyp:hlinkClr xmlns:ahyp="http://schemas.microsoft.com/office/drawing/2018/hyperlinkcolor" xmlns="" val="hlink"/>
-                    </a:ext>
-                  </a:extLst>
-                </a:hlinkClick>
-              </a:rPr>
-              <a:t>Link</a:t>
-            </a:r>
-            <a:endParaRPr lang="ko-KR" altLang="en-US" sz="1400">
-              <a:latin typeface="Arial" charset="0"/>
-              <a:ea typeface="Times New Roman" charset="0"/>
-              <a:cs typeface="+mn-cs"/>
-            </a:endParaRPr>
-          </a:p>
-          <a:p>
-            <a:pPr marL="254000" indent="-254000" rtl="0">
-              <a:buFont typeface="Wingdings"/>
-              <a:buChar char=""/>
-            </a:pPr>
-            <a:r>
-              <a:rPr lang="de-DE" sz="1400">
-                <a:latin typeface="Arial" charset="0"/>
-                <a:ea typeface="Times New Roman" charset="0"/>
-                <a:cs typeface="+mn-cs"/>
-              </a:rPr>
-              <a:t>Slide number 6 - Created using AI tools</a:t>
-            </a:r>
-            <a:endParaRPr lang="ko-KR" altLang="en-US" sz="1400">
-              <a:latin typeface="Arial" charset="0"/>
-              <a:ea typeface="Times New Roman" charset="0"/>
-              <a:cs typeface="+mn-cs"/>
-            </a:endParaRPr>
+          <a:lstStyle/>
+          <a:p>
+            <a:r>
+              <a:rPr lang="en-GB" dirty="0"/>
+              <a:t>Prompt Design </a:t>
+            </a:r>
+            <a:endParaRPr lang="de-DE" dirty="0"/>
           </a:p>
         </p:txBody>
       </p:sp>
     </p:spTree>
+    <p:extLst>
+      <p:ext uri="{BB962C8B-B14F-4D97-AF65-F5344CB8AC3E}">
+        <p14:creationId xmlns:p14="http://schemas.microsoft.com/office/powerpoint/2010/main" val="495375697"/>
+      </p:ext>
+    </p:extLst>
   </p:cSld>
   <p:clrMapOvr>
     <a:masterClrMapping/>
   </p:clrMapOvr>
-  <mc:AlternateContent xmlns:mc="http://schemas.openxmlformats.org/markup-compatibility/2006">
-    <mc:Choice xmlns:p14="http://schemas.microsoft.com/office/powerpoint/2010/main" Requires="p14">
-      <p:transition spd="slow" p14:dur="2000"/>
-    </mc:Choice>
-    <mc:Fallback>
-      <p:transition spd="slow"/>
-    </mc:Fallback>
-  </mc:AlternateContent>
+</p:sld>
+</file>
+
+<file path=ppt/slides/slide8.xml><?xml version="1.0" encoding="utf-8"?>
+<p:sld xmlns:a="http://schemas.openxmlformats.org/drawingml/2006/main" xmlns:r="http://schemas.openxmlformats.org/officeDocument/2006/relationships" xmlns:p="http://schemas.openxmlformats.org/presentationml/2006/main">
+  <p:cSld>
+    <p:spTree>
+      <p:nvGrpSpPr>
+        <p:cNvPr id="1" name=""/>
+        <p:cNvGrpSpPr/>
+        <p:nvPr/>
+      </p:nvGrpSpPr>
+      <p:grpSpPr>
+        <a:xfrm>
+          <a:off x="0" y="0"/>
+          <a:ext cx="0" cy="0"/>
+          <a:chOff x="0" y="0"/>
+          <a:chExt cx="0" cy="0"/>
+        </a:xfrm>
+      </p:grpSpPr>
+      <p:sp>
+        <p:nvSpPr>
+          <p:cNvPr id="1033" name="Content Placeholder 1">
+            <a:extLst>
+              <a:ext uri="{FF2B5EF4-FFF2-40B4-BE49-F238E27FC236}">
+                <a16:creationId xmlns:a16="http://schemas.microsoft.com/office/drawing/2014/main" id="{6DF65597-6AE1-51A0-D1CC-494840410F0E}"/>
+              </a:ext>
+            </a:extLst>
+          </p:cNvPr>
+          <p:cNvSpPr>
+            <a:spLocks noGrp="1"/>
+          </p:cNvSpPr>
+          <p:nvPr>
+            <p:ph idx="14"/>
+          </p:nvPr>
+        </p:nvSpPr>
+        <p:spPr>
+          <a:xfrm>
+            <a:off x="319091" y="1602000"/>
+            <a:ext cx="4180910" cy="3095626"/>
+          </a:xfrm>
+        </p:spPr>
+        <p:txBody>
+          <a:bodyPr/>
+          <a:lstStyle/>
+          <a:p>
+            <a:endParaRPr lang="en-US" dirty="0"/>
+          </a:p>
+          <a:p>
+            <a:endParaRPr lang="en-US" dirty="0"/>
+          </a:p>
+          <a:p>
+            <a:endParaRPr lang="en-US" dirty="0"/>
+          </a:p>
+          <a:p>
+            <a:endParaRPr lang="en-US" dirty="0"/>
+          </a:p>
+          <a:p>
+            <a:r>
+              <a:rPr lang="en-US" dirty="0"/>
+              <a:t>What are knowledge graphs and how can u represent them?</a:t>
+            </a:r>
+          </a:p>
+        </p:txBody>
+      </p:sp>
+      <p:pic>
+        <p:nvPicPr>
+          <p:cNvPr id="1026" name="Picture 2" descr="cover">
+            <a:extLst>
+              <a:ext uri="{FF2B5EF4-FFF2-40B4-BE49-F238E27FC236}">
+                <a16:creationId xmlns:a16="http://schemas.microsoft.com/office/drawing/2014/main" id="{F0FCEF8E-7406-ABAF-0314-6810FFF874E0}"/>
+              </a:ext>
+            </a:extLst>
+          </p:cNvPr>
+          <p:cNvPicPr>
+            <a:picLocks noGrp="1" noChangeAspect="1" noChangeArrowheads="1"/>
+          </p:cNvPicPr>
+          <p:nvPr>
+            <p:ph idx="15"/>
+          </p:nvPr>
+        </p:nvPicPr>
+        <p:blipFill>
+          <a:blip r:embed="rId2">
+            <a:extLst>
+              <a:ext uri="{28A0092B-C50C-407E-A947-70E740481C1C}">
+                <a14:useLocalDpi xmlns:a14="http://schemas.microsoft.com/office/drawing/2010/main" val="0"/>
+              </a:ext>
+            </a:extLst>
+          </a:blip>
+          <a:srcRect l="14005" r="10023" b="-2"/>
+          <a:stretch/>
+        </p:blipFill>
+        <p:spPr bwMode="auto">
+          <a:xfrm>
+            <a:off x="4037579" y="1484770"/>
+            <a:ext cx="4180910" cy="3095626"/>
+          </a:xfrm>
+          <a:prstGeom prst="rect">
+            <a:avLst/>
+          </a:prstGeom>
+          <a:solidFill>
+            <a:srgbClr val="FFFFFF"/>
+          </a:solidFill>
+          <a:extLst>
+            <a:ext uri="{909E8E84-426E-40DD-AFC4-6F175D3DCCD1}">
+              <a14:hiddenFill xmlns:a14="http://schemas.microsoft.com/office/drawing/2010/main">
+                <a:solidFill>
+                  <a:srgbClr val="FFFFFF"/>
+                </a:solidFill>
+              </a14:hiddenFill>
+            </a:ext>
+          </a:extLst>
+        </p:spPr>
+      </p:pic>
+      <p:sp>
+        <p:nvSpPr>
+          <p:cNvPr id="3" name="Titel 2">
+            <a:extLst>
+              <a:ext uri="{FF2B5EF4-FFF2-40B4-BE49-F238E27FC236}">
+                <a16:creationId xmlns:a16="http://schemas.microsoft.com/office/drawing/2014/main" id="{6FBA075F-5A25-18D8-5EF6-2E02CA2BE6CA}"/>
+              </a:ext>
+            </a:extLst>
+          </p:cNvPr>
+          <p:cNvSpPr>
+            <a:spLocks noGrp="1"/>
+          </p:cNvSpPr>
+          <p:nvPr>
+            <p:ph type="title"/>
+          </p:nvPr>
+        </p:nvSpPr>
+        <p:spPr>
+          <a:xfrm>
+            <a:off x="319090" y="972000"/>
+            <a:ext cx="8508999" cy="410369"/>
+          </a:xfrm>
+        </p:spPr>
+        <p:txBody>
+          <a:bodyPr wrap="square" anchor="t">
+            <a:normAutofit/>
+          </a:bodyPr>
+          <a:lstStyle/>
+          <a:p>
+            <a:r>
+              <a:rPr lang="en-GB" dirty="0"/>
+              <a:t>Knowledge Graphs </a:t>
+            </a:r>
+            <a:endParaRPr lang="de-DE" dirty="0"/>
+          </a:p>
+        </p:txBody>
+      </p:sp>
+    </p:spTree>
+    <p:extLst>
+      <p:ext uri="{BB962C8B-B14F-4D97-AF65-F5344CB8AC3E}">
+        <p14:creationId xmlns:p14="http://schemas.microsoft.com/office/powerpoint/2010/main" val="1189137732"/>
+      </p:ext>
+    </p:extLst>
+  </p:cSld>
+  <p:clrMapOvr>
+    <a:masterClrMapping/>
+  </p:clrMapOvr>
+</p:sld>
+</file>
+
+<file path=ppt/slides/slide9.xml><?xml version="1.0" encoding="utf-8"?>
+<p:sld xmlns:a="http://schemas.openxmlformats.org/drawingml/2006/main" xmlns:r="http://schemas.openxmlformats.org/officeDocument/2006/relationships" xmlns:p="http://schemas.openxmlformats.org/presentationml/2006/main">
+  <p:cSld>
+    <p:spTree>
+      <p:nvGrpSpPr>
+        <p:cNvPr id="1" name="">
+          <a:extLst>
+            <a:ext uri="{FF2B5EF4-FFF2-40B4-BE49-F238E27FC236}">
+              <a16:creationId xmlns:a16="http://schemas.microsoft.com/office/drawing/2014/main" id="{92790EAD-8733-CE2C-33F6-9183001DEAFA}"/>
+            </a:ext>
+          </a:extLst>
+        </p:cNvPr>
+        <p:cNvGrpSpPr/>
+        <p:nvPr/>
+      </p:nvGrpSpPr>
+      <p:grpSpPr>
+        <a:xfrm>
+          <a:off x="0" y="0"/>
+          <a:ext cx="0" cy="0"/>
+          <a:chOff x="0" y="0"/>
+          <a:chExt cx="0" cy="0"/>
+        </a:xfrm>
+      </p:grpSpPr>
+      <p:sp>
+        <p:nvSpPr>
+          <p:cNvPr id="1033" name="Content Placeholder 1">
+            <a:extLst>
+              <a:ext uri="{FF2B5EF4-FFF2-40B4-BE49-F238E27FC236}">
+                <a16:creationId xmlns:a16="http://schemas.microsoft.com/office/drawing/2014/main" id="{29FCF305-5E9F-E9F6-1CE1-7CBD7AEF81CD}"/>
+              </a:ext>
+            </a:extLst>
+          </p:cNvPr>
+          <p:cNvSpPr>
+            <a:spLocks noGrp="1"/>
+          </p:cNvSpPr>
+          <p:nvPr>
+            <p:ph idx="14"/>
+          </p:nvPr>
+        </p:nvSpPr>
+        <p:spPr>
+          <a:xfrm>
+            <a:off x="319091" y="1602000"/>
+            <a:ext cx="4180910" cy="3095626"/>
+          </a:xfrm>
+        </p:spPr>
+        <p:txBody>
+          <a:bodyPr wrap="square" anchor="t">
+            <a:normAutofit/>
+          </a:bodyPr>
+          <a:lstStyle/>
+          <a:p>
+            <a:pPr>
+              <a:spcAft>
+                <a:spcPts val="600"/>
+              </a:spcAft>
+            </a:pPr>
+            <a:endParaRPr lang="en-US"/>
+          </a:p>
+          <a:p>
+            <a:pPr>
+              <a:spcAft>
+                <a:spcPts val="600"/>
+              </a:spcAft>
+            </a:pPr>
+            <a:endParaRPr lang="en-US"/>
+          </a:p>
+          <a:p>
+            <a:pPr>
+              <a:spcAft>
+                <a:spcPts val="600"/>
+              </a:spcAft>
+            </a:pPr>
+            <a:endParaRPr lang="en-US"/>
+          </a:p>
+          <a:p>
+            <a:pPr>
+              <a:spcAft>
+                <a:spcPts val="600"/>
+              </a:spcAft>
+            </a:pPr>
+            <a:endParaRPr lang="en-US"/>
+          </a:p>
+          <a:p>
+            <a:pPr>
+              <a:spcAft>
+                <a:spcPts val="600"/>
+              </a:spcAft>
+            </a:pPr>
+            <a:r>
+              <a:rPr lang="en-US" dirty="0"/>
+              <a:t>What are knowledge graphs and how can u represent them?</a:t>
+            </a:r>
+            <a:endParaRPr lang="en-US"/>
+          </a:p>
+        </p:txBody>
+      </p:sp>
+      <p:pic>
+        <p:nvPicPr>
+          <p:cNvPr id="3076" name="Picture 4" descr="Link Structured and Unstructured Data with a Knowledge Graph">
+            <a:extLst>
+              <a:ext uri="{FF2B5EF4-FFF2-40B4-BE49-F238E27FC236}">
+                <a16:creationId xmlns:a16="http://schemas.microsoft.com/office/drawing/2014/main" id="{96734A3F-7ACF-75DC-27E5-BC4953279AFE}"/>
+              </a:ext>
+            </a:extLst>
+          </p:cNvPr>
+          <p:cNvPicPr>
+            <a:picLocks noChangeAspect="1" noChangeArrowheads="1"/>
+          </p:cNvPicPr>
+          <p:nvPr/>
+        </p:nvPicPr>
+        <p:blipFill>
+          <a:blip r:embed="rId2">
+            <a:extLst>
+              <a:ext uri="{28A0092B-C50C-407E-A947-70E740481C1C}">
+                <a14:useLocalDpi xmlns:a14="http://schemas.microsoft.com/office/drawing/2010/main" val="0"/>
+              </a:ext>
+            </a:extLst>
+          </a:blip>
+          <a:stretch>
+            <a:fillRect/>
+          </a:stretch>
+        </p:blipFill>
+        <p:spPr bwMode="auto">
+          <a:xfrm>
+            <a:off x="5189821" y="1602000"/>
+            <a:ext cx="3095626" cy="3095626"/>
+          </a:xfrm>
+          <a:prstGeom prst="rect">
+            <a:avLst/>
+          </a:prstGeom>
+          <a:solidFill>
+            <a:srgbClr val="FFFFFF"/>
+          </a:solidFill>
+          <a:ln w="9525">
+            <a:noFill/>
+            <a:miter lim="800000"/>
+            <a:headEnd/>
+            <a:tailEnd/>
+          </a:ln>
+          <a:extLst>
+            <a:ext uri="{909E8E84-426E-40DD-AFC4-6F175D3DCCD1}">
+              <a14:hiddenFill xmlns:a14="http://schemas.microsoft.com/office/drawing/2010/main">
+                <a:solidFill>
+                  <a:srgbClr val="FFFFFF"/>
+                </a:solidFill>
+              </a14:hiddenFill>
+            </a:ext>
+          </a:extLst>
+        </p:spPr>
+      </p:pic>
+      <p:sp>
+        <p:nvSpPr>
+          <p:cNvPr id="3" name="Titel 2">
+            <a:extLst>
+              <a:ext uri="{FF2B5EF4-FFF2-40B4-BE49-F238E27FC236}">
+                <a16:creationId xmlns:a16="http://schemas.microsoft.com/office/drawing/2014/main" id="{AB46B764-3D0F-2D75-73EF-48FBABACFF8C}"/>
+              </a:ext>
+            </a:extLst>
+          </p:cNvPr>
+          <p:cNvSpPr>
+            <a:spLocks noGrp="1"/>
+          </p:cNvSpPr>
+          <p:nvPr>
+            <p:ph type="title"/>
+          </p:nvPr>
+        </p:nvSpPr>
+        <p:spPr>
+          <a:xfrm>
+            <a:off x="319090" y="972000"/>
+            <a:ext cx="8508999" cy="410369"/>
+          </a:xfrm>
+        </p:spPr>
+        <p:txBody>
+          <a:bodyPr wrap="square" anchor="t">
+            <a:normAutofit/>
+          </a:bodyPr>
+          <a:lstStyle/>
+          <a:p>
+            <a:r>
+              <a:rPr lang="en-GB" dirty="0"/>
+              <a:t>Knowledge Graphs </a:t>
+            </a:r>
+            <a:endParaRPr lang="de-DE" dirty="0"/>
+          </a:p>
+        </p:txBody>
+      </p:sp>
+    </p:spTree>
+    <p:extLst>
+      <p:ext uri="{BB962C8B-B14F-4D97-AF65-F5344CB8AC3E}">
+        <p14:creationId xmlns:p14="http://schemas.microsoft.com/office/powerpoint/2010/main" val="1316809644"/>
+      </p:ext>
+    </p:extLst>
+  </p:cSld>
+  <p:clrMapOvr>
+    <a:masterClrMapping/>
+  </p:clrMapOvr>
 </p:sld>
 </file>
 

--- a/Mini-Project Presentation/mini-presentation.pptx
+++ b/Mini-Project Presentation/mini-presentation.pptx
@@ -1,37 +1,35 @@
 
 <file path=ppt/presentation.xml><?xml version="1.0" encoding="utf-8"?>
-<p:presentation xmlns:a="http://schemas.openxmlformats.org/drawingml/2006/main" xmlns:r="http://schemas.openxmlformats.org/officeDocument/2006/relationships" xmlns:p="http://schemas.openxmlformats.org/presentationml/2006/main" showSpecialPlsOnTitleSld="0" saveSubsetFonts="1" autoCompressPictures="0">
+<p:presentation xmlns:a="http://schemas.openxmlformats.org/drawingml/2006/main" xmlns:r="http://schemas.openxmlformats.org/officeDocument/2006/relationships" xmlns:p="http://schemas.openxmlformats.org/presentationml/2006/main" xmlns:p14="http://schemas.microsoft.com/office/powerpoint/2010/main" showSpecialPlsOnTitleSld="0" saveSubsetFonts="1" autoCompressPictures="0">
   <p:sldMasterIdLst>
-    <p:sldMasterId id="2147483927" r:id="rId1"/>
-    <p:sldMasterId id="2147483928" r:id="rId2"/>
-    <p:sldMasterId id="2147483929" r:id="rId3"/>
-    <p:sldMasterId id="2147483930" r:id="rId4"/>
-    <p:sldMasterId id="2147483931" r:id="rId5"/>
-    <p:sldMasterId id="2147483932" r:id="rId6"/>
+    <p:sldMasterId id="2147483945" r:id="rId15"/>
+    <p:sldMasterId id="2147483946" r:id="rId17"/>
+    <p:sldMasterId id="2147483947" r:id="rId19"/>
+    <p:sldMasterId id="2147483948" r:id="rId21"/>
+    <p:sldMasterId id="2147483949" r:id="rId23"/>
+    <p:sldMasterId id="2147483950" r:id="rId25"/>
   </p:sldMasterIdLst>
   <p:notesMasterIdLst>
-    <p:notesMasterId r:id="rId20"/>
+    <p:notesMasterId r:id="rId29"/>
   </p:notesMasterIdLst>
   <p:handoutMasterIdLst>
-    <p:handoutMasterId r:id="rId21"/>
+    <p:handoutMasterId r:id="rId27"/>
   </p:handoutMasterIdLst>
   <p:sldIdLst>
-    <p:sldId id="355" r:id="rId7"/>
-    <p:sldId id="399" r:id="rId8"/>
-    <p:sldId id="406" r:id="rId9"/>
-    <p:sldId id="400" r:id="rId10"/>
-    <p:sldId id="403" r:id="rId11"/>
-    <p:sldId id="408" r:id="rId12"/>
-    <p:sldId id="412" r:id="rId13"/>
-    <p:sldId id="410" r:id="rId14"/>
-    <p:sldId id="414" r:id="rId15"/>
-    <p:sldId id="413" r:id="rId16"/>
-    <p:sldId id="411" r:id="rId17"/>
-    <p:sldId id="415" r:id="rId18"/>
-    <p:sldId id="409" r:id="rId19"/>
+    <p:sldId id="355" r:id="rId31"/>
+    <p:sldId id="399" r:id="rId33"/>
+    <p:sldId id="410" r:id="rId34"/>
+    <p:sldId id="414" r:id="rId35"/>
+    <p:sldId id="406" r:id="rId36"/>
+    <p:sldId id="400" r:id="rId37"/>
+    <p:sldId id="403" r:id="rId38"/>
+    <p:sldId id="408" r:id="rId39"/>
+    <p:sldId id="416" r:id="rId40"/>
+    <p:sldId id="415" r:id="rId41"/>
+    <p:sldId id="409" r:id="rId42"/>
   </p:sldIdLst>
-  <p:sldSz cx="9144000" cy="5143500" type="screen16x9"/>
-  <p:notesSz cx="9925050" cy="6665913"/>
+  <p:sldSz cx="9144000" cy="5143500"/>
+  <p:notesSz cx="9925050" cy="6666230"/>
   <p:defaultTextStyle>
     <a:defPPr>
       <a:defRPr lang="de-DE"/>
@@ -158,25 +156,6 @@
     </a:lvl9pPr>
   </p:defaultTextStyle>
   <p:extLst>
-    <p:ext uri="{EFAFB233-063F-42B5-8137-9DF3F51BA10A}">
-      <p15:sldGuideLst xmlns:p15="http://schemas.microsoft.com/office/powerpoint/2012/main">
-        <p15:guide id="1" orient="horz" pos="2157">
-          <p15:clr>
-            <a:srgbClr val="A4A3A4"/>
-          </p15:clr>
-        </p15:guide>
-        <p15:guide id="2" pos="2877">
-          <p15:clr>
-            <a:srgbClr val="A4A3A4"/>
-          </p15:clr>
-        </p15:guide>
-        <p15:guide id="3" orient="horz" pos="1617">
-          <p15:clr>
-            <a:srgbClr val="A4A3A4"/>
-          </p15:clr>
-        </p15:guide>
-      </p15:sldGuideLst>
-    </p:ext>
     <p:ext uri="{2D200454-40CA-4A62-9FC3-DE9A4176ACB9}">
       <p15:notesGuideLst xmlns:p15="http://schemas.microsoft.com/office/powerpoint/2012/main">
         <p15:guide id="1" orient="horz" pos="2100">
@@ -205,6 +184,25 @@
           </p15:clr>
         </p15:guide>
       </p15:notesGuideLst>
+    </p:ext>
+    <p:ext uri="{EFAFB233-063F-42B5-8137-9DF3F51BA10A}">
+      <p15:sldGuideLst xmlns:p15="http://schemas.microsoft.com/office/powerpoint/2012/main">
+        <p15:guide id="1" orient="horz" pos="2156" userDrawn="0">
+          <p15:clr>
+            <a:srgbClr val="A4A3A4"/>
+          </p15:clr>
+        </p15:guide>
+        <p15:guide id="2" pos="2876" userDrawn="0">
+          <p15:clr>
+            <a:srgbClr val="A4A3A4"/>
+          </p15:clr>
+        </p15:guide>
+        <p15:guide id="3" orient="horz" pos="1616" userDrawn="0">
+          <p15:clr>
+            <a:srgbClr val="A4A3A4"/>
+          </p15:clr>
+        </p15:guide>
+      </p15:sldGuideLst>
     </p:ext>
   </p:extLst>
 </p:presentation>
@@ -7669,293 +7667,7 @@
 </file>
 
 <file path=ppt/slides/slide10.xml><?xml version="1.0" encoding="utf-8"?>
-<p:sld xmlns:a="http://schemas.openxmlformats.org/drawingml/2006/main" xmlns:r="http://schemas.openxmlformats.org/officeDocument/2006/relationships" xmlns:p="http://schemas.openxmlformats.org/presentationml/2006/main">
-  <p:cSld>
-    <p:spTree>
-      <p:nvGrpSpPr>
-        <p:cNvPr id="1" name=""/>
-        <p:cNvGrpSpPr/>
-        <p:nvPr/>
-      </p:nvGrpSpPr>
-      <p:grpSpPr>
-        <a:xfrm>
-          <a:off x="0" y="0"/>
-          <a:ext cx="0" cy="0"/>
-          <a:chOff x="0" y="0"/>
-          <a:chExt cx="0" cy="0"/>
-        </a:xfrm>
-      </p:grpSpPr>
-      <p:sp>
-        <p:nvSpPr>
-          <p:cNvPr id="2" name="Inhaltsplatzhalter 1">
-            <a:extLst>
-              <a:ext uri="{FF2B5EF4-FFF2-40B4-BE49-F238E27FC236}">
-                <a16:creationId xmlns:a16="http://schemas.microsoft.com/office/drawing/2014/main" id="{223AEEBA-E717-2086-1F85-220C90B3231D}"/>
-              </a:ext>
-            </a:extLst>
-          </p:cNvPr>
-          <p:cNvSpPr>
-            <a:spLocks noGrp="1"/>
-          </p:cNvSpPr>
-          <p:nvPr>
-            <p:ph idx="14"/>
-          </p:nvPr>
-        </p:nvSpPr>
-        <p:spPr>
-          <a:xfrm>
-            <a:off x="319091" y="1602000"/>
-            <a:ext cx="4180910" cy="3095626"/>
-          </a:xfrm>
-        </p:spPr>
-        <p:txBody>
-          <a:bodyPr wrap="square" anchor="t">
-            <a:normAutofit/>
-          </a:bodyPr>
-          <a:lstStyle/>
-          <a:p>
-            <a:pPr>
-              <a:spcAft>
-                <a:spcPts val="600"/>
-              </a:spcAft>
-            </a:pPr>
-            <a:endParaRPr lang="en-GB" dirty="0"/>
-          </a:p>
-          <a:p>
-            <a:pPr>
-              <a:spcAft>
-                <a:spcPts val="600"/>
-              </a:spcAft>
-            </a:pPr>
-            <a:endParaRPr lang="en-GB" dirty="0"/>
-          </a:p>
-          <a:p>
-            <a:pPr>
-              <a:spcAft>
-                <a:spcPts val="600"/>
-              </a:spcAft>
-            </a:pPr>
-            <a:endParaRPr lang="en-GB" dirty="0"/>
-          </a:p>
-          <a:p>
-            <a:pPr>
-              <a:spcAft>
-                <a:spcPts val="600"/>
-              </a:spcAft>
-            </a:pPr>
-            <a:r>
-              <a:rPr lang="en-GB" dirty="0"/>
-              <a:t>What is </a:t>
-            </a:r>
-            <a:r>
-              <a:rPr lang="en-GB" dirty="0" err="1"/>
-              <a:t>DBpedia</a:t>
-            </a:r>
-            <a:r>
-              <a:rPr lang="en-GB" dirty="0"/>
-              <a:t> and how can we use it?</a:t>
-            </a:r>
-            <a:endParaRPr lang="de-DE" dirty="0"/>
-          </a:p>
-        </p:txBody>
-      </p:sp>
-      <p:pic>
-        <p:nvPicPr>
-          <p:cNvPr id="10" name="Picture 8" descr="DBpedia - Wikidata">
-            <a:extLst>
-              <a:ext uri="{FF2B5EF4-FFF2-40B4-BE49-F238E27FC236}">
-                <a16:creationId xmlns:a16="http://schemas.microsoft.com/office/drawing/2014/main" id="{B2A41FB0-B16A-4F46-98BD-BDF3ED14DCA2}"/>
-              </a:ext>
-            </a:extLst>
-          </p:cNvPr>
-          <p:cNvPicPr>
-            <a:picLocks noChangeAspect="1" noChangeArrowheads="1"/>
-          </p:cNvPicPr>
-          <p:nvPr/>
-        </p:nvPicPr>
-        <p:blipFill>
-          <a:blip r:embed="rId2">
-            <a:extLst>
-              <a:ext uri="{28A0092B-C50C-407E-A947-70E740481C1C}">
-                <a14:useLocalDpi xmlns:a14="http://schemas.microsoft.com/office/drawing/2010/main" val="0"/>
-              </a:ext>
-            </a:extLst>
-          </a:blip>
-          <a:stretch>
-            <a:fillRect/>
-          </a:stretch>
-        </p:blipFill>
-        <p:spPr bwMode="auto">
-          <a:xfrm>
-            <a:off x="4647179" y="2621973"/>
-            <a:ext cx="4180910" cy="1055679"/>
-          </a:xfrm>
-          <a:prstGeom prst="rect">
-            <a:avLst/>
-          </a:prstGeom>
-          <a:solidFill>
-            <a:srgbClr val="FFFFFF"/>
-          </a:solidFill>
-          <a:ln w="9525">
-            <a:noFill/>
-            <a:miter lim="800000"/>
-            <a:headEnd/>
-            <a:tailEnd/>
-          </a:ln>
-          <a:extLst>
-            <a:ext uri="{909E8E84-426E-40DD-AFC4-6F175D3DCCD1}">
-              <a14:hiddenFill xmlns:a14="http://schemas.microsoft.com/office/drawing/2010/main">
-                <a:solidFill>
-                  <a:srgbClr val="FFFFFF"/>
-                </a:solidFill>
-              </a14:hiddenFill>
-            </a:ext>
-          </a:extLst>
-        </p:spPr>
-      </p:pic>
-      <p:sp>
-        <p:nvSpPr>
-          <p:cNvPr id="4" name="Titel 3">
-            <a:extLst>
-              <a:ext uri="{FF2B5EF4-FFF2-40B4-BE49-F238E27FC236}">
-                <a16:creationId xmlns:a16="http://schemas.microsoft.com/office/drawing/2014/main" id="{1C22DF1E-3083-F2AC-EBD2-28B41EBD1494}"/>
-              </a:ext>
-            </a:extLst>
-          </p:cNvPr>
-          <p:cNvSpPr>
-            <a:spLocks noGrp="1"/>
-          </p:cNvSpPr>
-          <p:nvPr>
-            <p:ph type="title"/>
-          </p:nvPr>
-        </p:nvSpPr>
-        <p:spPr>
-          <a:xfrm>
-            <a:off x="319090" y="972000"/>
-            <a:ext cx="8508999" cy="410369"/>
-          </a:xfrm>
-        </p:spPr>
-        <p:txBody>
-          <a:bodyPr wrap="square" anchor="t">
-            <a:normAutofit/>
-          </a:bodyPr>
-          <a:lstStyle/>
-          <a:p>
-            <a:r>
-              <a:rPr lang="en-GB" dirty="0" err="1"/>
-              <a:t>Ontoly</a:t>
-            </a:r>
-            <a:r>
-              <a:rPr lang="en-GB" dirty="0"/>
-              <a:t> Integration</a:t>
-            </a:r>
-            <a:endParaRPr lang="de-DE" dirty="0"/>
-          </a:p>
-        </p:txBody>
-      </p:sp>
-    </p:spTree>
-    <p:extLst>
-      <p:ext uri="{BB962C8B-B14F-4D97-AF65-F5344CB8AC3E}">
-        <p14:creationId xmlns:p14="http://schemas.microsoft.com/office/powerpoint/2010/main" val="1454995104"/>
-      </p:ext>
-    </p:extLst>
-  </p:cSld>
-  <p:clrMapOvr>
-    <a:masterClrMapping/>
-  </p:clrMapOvr>
-</p:sld>
-</file>
-
-<file path=ppt/slides/slide11.xml><?xml version="1.0" encoding="utf-8"?>
-<p:sld xmlns:a="http://schemas.openxmlformats.org/drawingml/2006/main" xmlns:r="http://schemas.openxmlformats.org/officeDocument/2006/relationships" xmlns:p="http://schemas.openxmlformats.org/presentationml/2006/main">
-  <p:cSld>
-    <p:spTree>
-      <p:nvGrpSpPr>
-        <p:cNvPr id="1" name=""/>
-        <p:cNvGrpSpPr/>
-        <p:nvPr/>
-      </p:nvGrpSpPr>
-      <p:grpSpPr>
-        <a:xfrm>
-          <a:off x="0" y="0"/>
-          <a:ext cx="0" cy="0"/>
-          <a:chOff x="0" y="0"/>
-          <a:chExt cx="0" cy="0"/>
-        </a:xfrm>
-      </p:grpSpPr>
-      <p:sp>
-        <p:nvSpPr>
-          <p:cNvPr id="2" name="Inhaltsplatzhalter 1">
-            <a:extLst>
-              <a:ext uri="{FF2B5EF4-FFF2-40B4-BE49-F238E27FC236}">
-                <a16:creationId xmlns:a16="http://schemas.microsoft.com/office/drawing/2014/main" id="{706C9F1E-470A-6FF7-EFC5-CCF2D8D934A7}"/>
-              </a:ext>
-            </a:extLst>
-          </p:cNvPr>
-          <p:cNvSpPr>
-            <a:spLocks noGrp="1"/>
-          </p:cNvSpPr>
-          <p:nvPr>
-            <p:ph idx="1"/>
-          </p:nvPr>
-        </p:nvSpPr>
-        <p:spPr/>
-        <p:txBody>
-          <a:bodyPr/>
-          <a:lstStyle/>
-          <a:p>
-            <a:endParaRPr lang="de-DE" dirty="0"/>
-          </a:p>
-        </p:txBody>
-      </p:sp>
-      <p:sp>
-        <p:nvSpPr>
-          <p:cNvPr id="3" name="Titel 2">
-            <a:extLst>
-              <a:ext uri="{FF2B5EF4-FFF2-40B4-BE49-F238E27FC236}">
-                <a16:creationId xmlns:a16="http://schemas.microsoft.com/office/drawing/2014/main" id="{1DC3176C-6E26-A10F-F7F3-467E1D668EB0}"/>
-              </a:ext>
-            </a:extLst>
-          </p:cNvPr>
-          <p:cNvSpPr>
-            <a:spLocks noGrp="1"/>
-          </p:cNvSpPr>
-          <p:nvPr>
-            <p:ph type="title"/>
-          </p:nvPr>
-        </p:nvSpPr>
-        <p:spPr>
-          <a:xfrm>
-            <a:off x="319090" y="972000"/>
-            <a:ext cx="8508999" cy="380810"/>
-          </a:xfrm>
-        </p:spPr>
-        <p:txBody>
-          <a:bodyPr/>
-          <a:lstStyle/>
-          <a:p>
-            <a:r>
-              <a:rPr lang="en-GB" dirty="0"/>
-              <a:t>Evaluation of test results and open questions</a:t>
-            </a:r>
-            <a:endParaRPr lang="de-DE" dirty="0"/>
-          </a:p>
-        </p:txBody>
-      </p:sp>
-    </p:spTree>
-    <p:extLst>
-      <p:ext uri="{BB962C8B-B14F-4D97-AF65-F5344CB8AC3E}">
-        <p14:creationId xmlns:p14="http://schemas.microsoft.com/office/powerpoint/2010/main" val="535648753"/>
-      </p:ext>
-    </p:extLst>
-  </p:cSld>
-  <p:clrMapOvr>
-    <a:masterClrMapping/>
-  </p:clrMapOvr>
-</p:sld>
-</file>
-
-<file path=ppt/slides/slide12.xml><?xml version="1.0" encoding="utf-8"?>
-<p:sld xmlns:a="http://schemas.openxmlformats.org/drawingml/2006/main" xmlns:r="http://schemas.openxmlformats.org/officeDocument/2006/relationships" xmlns:p="http://schemas.openxmlformats.org/presentationml/2006/main">
+<p:sld xmlns:a="http://schemas.openxmlformats.org/drawingml/2006/main" xmlns:r="http://schemas.openxmlformats.org/officeDocument/2006/relationships" xmlns:p="http://schemas.openxmlformats.org/presentationml/2006/main" xmlns:p14="http://schemas.microsoft.com/office/powerpoint/2010/main">
   <p:cSld>
     <p:spTree>
       <p:nvGrpSpPr>
@@ -7987,7 +7699,12 @@
             <p:ph idx="1"/>
           </p:nvPr>
         </p:nvSpPr>
-        <p:spPr/>
+        <p:spPr>
+          <a:xfrm>
+            <a:off x="319405" y="1600200"/>
+            <a:ext cx="8509635" cy="3096260"/>
+          </a:xfrm>
+        </p:spPr>
         <p:txBody>
           <a:bodyPr/>
           <a:lstStyle/>
@@ -8021,19 +7738,29 @@
         </p:nvSpPr>
         <p:spPr>
           <a:xfrm>
-            <a:off x="319090" y="972000"/>
-            <a:ext cx="8508999" cy="380810"/>
+            <a:off x="319405" y="972185"/>
+            <a:ext cx="8509635" cy="407035"/>
           </a:xfrm>
         </p:spPr>
         <p:txBody>
-          <a:bodyPr/>
+          <a:bodyPr wrap="square" lIns="0" tIns="0" rIns="0" bIns="0" numCol="1" vert="horz" anchor="t">
+            <a:spAutoFit/>
+          </a:bodyPr>
           <a:lstStyle/>
           <a:p>
-            <a:r>
-              <a:rPr lang="en-GB" dirty="0"/>
-              <a:t>V                      Thank you for your attention</a:t>
-            </a:r>
-            <a:endParaRPr lang="de-DE" dirty="0"/>
+            <a:pPr marL="0" indent="0" latinLnBrk="0">
+              <a:buFontTx/>
+              <a:buNone/>
+            </a:pPr>
+            <a:r>
+              <a:rPr lang="en-GB"/>
+              <a:t>                      Thank you for your attention</a:t>
+            </a:r>
+            <a:r>
+              <a:rPr lang="en-GB"/>
+              <a:t> :)</a:t>
+            </a:r>
+            <a:endParaRPr lang="ko-KR" altLang="en-US"/>
           </a:p>
         </p:txBody>
       </p:sp>
@@ -8047,11 +7774,26 @@
   <p:clrMapOvr>
     <a:masterClrMapping/>
   </p:clrMapOvr>
+  <mc:AlternateContent xmlns:mc="http://schemas.openxmlformats.org/markup-compatibility/2006">
+    <mc:Choice xmlns:p14="http://schemas.microsoft.com/office/powerpoint/2010/main" Requires="p14">
+      <p:transition spd="slow" p14:dur="2000"/>
+    </mc:Choice>
+    <mc:Fallback>
+      <p:transition spd="slow"/>
+    </mc:Fallback>
+  </mc:AlternateContent>
+  <p:timing>
+    <p:tnLst>
+      <p:par>
+        <p:cTn id="1" dur="indefinite" restart="never" nodeType="tmRoot"/>
+      </p:par>
+    </p:tnLst>
+  </p:timing>
 </p:sld>
 </file>
 
-<file path=ppt/slides/slide13.xml><?xml version="1.0" encoding="utf-8"?>
-<p:sld xmlns:a="http://schemas.openxmlformats.org/drawingml/2006/main" xmlns:r="http://schemas.openxmlformats.org/officeDocument/2006/relationships" xmlns:p="http://schemas.openxmlformats.org/presentationml/2006/main">
+<file path=ppt/slides/slide11.xml><?xml version="1.0" encoding="utf-8"?>
+<p:sld xmlns:a="http://schemas.openxmlformats.org/drawingml/2006/main" xmlns:r="http://schemas.openxmlformats.org/officeDocument/2006/relationships" xmlns:p="http://schemas.openxmlformats.org/presentationml/2006/main" xmlns:p14="http://schemas.microsoft.com/office/powerpoint/2010/main">
   <p:cSld>
     <p:spTree>
       <p:nvGrpSpPr>
@@ -8136,7 +7878,7 @@
         <p:spPr>
           <a:xfrm>
             <a:off x="319405" y="1600200"/>
-            <a:ext cx="8509635" cy="3096260"/>
+            <a:ext cx="8510270" cy="3096895"/>
           </a:xfrm>
           <a:prstGeom prst="rect">
             <a:avLst/>
@@ -8148,7 +7890,7 @@
           </a:ln>
         </p:spPr>
         <p:txBody>
-          <a:bodyPr vert="horz" wrap="square" lIns="0" tIns="0" rIns="0" bIns="0" numCol="1" anchor="t">
+          <a:bodyPr wrap="square" lIns="0" tIns="0" rIns="0" bIns="0" numCol="1" vert="horz" anchor="t">
             <a:noAutofit/>
           </a:bodyPr>
           <a:lstStyle>
@@ -8160,7 +7902,7 @@
               <a:buNone/>
               <a:defRPr lang="en-GB" altLang="en-US" sz="1400"/>
             </a:lvl1pPr>
-            <a:lvl2pPr marL="0" lvl="1" indent="0" latinLnBrk="0">
+            <a:lvl2pPr marL="0" indent="0" latinLnBrk="0" lvl="1">
               <a:lnSpc>
                 <a:spcPct val="114000"/>
               </a:lnSpc>
@@ -8168,19 +7910,212 @@
               <a:buNone/>
               <a:defRPr lang="en-GB" altLang="en-US" sz="1400"/>
             </a:lvl2pPr>
-            <a:lvl3pPr marL="0" lvl="2" indent="0" latinLnBrk="0">
+            <a:lvl3pPr marL="0" indent="0" latinLnBrk="0" lvl="2">
               <a:buFontTx/>
               <a:buNone/>
               <a:defRPr lang="en-GB" altLang="en-US" sz="1400"/>
             </a:lvl3pPr>
           </a:lstStyle>
           <a:p>
-            <a:pPr marL="254000" indent="-254000" rtl="0">
+            <a:pPr marL="254000" indent="-254000" rtl="0" latinLnBrk="0">
               <a:buFont typeface="Wingdings"/>
               <a:buChar char=""/>
             </a:pPr>
             <a:r>
-              <a:rPr lang="de-DE" sz="1400" dirty="0">
+              <a:rPr lang="de-DE" sz="1400">
+                <a:latin typeface="Arial" charset="0"/>
+                <a:ea typeface="Times New Roman" charset="0"/>
+                <a:cs typeface="+mn-cs"/>
+              </a:rPr>
+              <a:t>Slide number </a:t>
+            </a:r>
+            <a:r>
+              <a:rPr lang="de-DE" sz="1400">
+                <a:latin typeface="Arial" charset="0"/>
+                <a:ea typeface="Times New Roman" charset="0"/>
+                <a:cs typeface="+mn-cs"/>
+              </a:rPr>
+              <a:t>5</a:t>
+            </a:r>
+            <a:r>
+              <a:rPr lang="de-DE" sz="1400">
+                <a:latin typeface="Arial" charset="0"/>
+                <a:ea typeface="Times New Roman" charset="0"/>
+                <a:cs typeface="+mn-cs"/>
+              </a:rPr>
+              <a:t> - </a:t>
+            </a:r>
+            <a:r>
+              <a:rPr lang="de-DE" sz="1400">
+                <a:latin typeface="Arial" charset="0"/>
+                <a:ea typeface="Times New Roman" charset="0"/>
+                <a:cs typeface="+mn-cs"/>
+                <a:hlinkClick r:id="rId9">
+                  <a:extLst>
+                    <a:ext uri="{A12FA001-AC4F-418D-AE19-62706E023703}">
+                      <ahyp:hlinkClr xmlns:ahyp="http://schemas.microsoft.com/office/drawing/2018/hyperlinkcolor" xmlns="" val="hlink"/>
+                    </a:ext>
+                  </a:extLst>
+                </a:hlinkClick>
+              </a:rPr>
+              <a:t>Link</a:t>
+            </a:r>
+            <a:endParaRPr lang="ko-KR" altLang="en-US" sz="1400">
+              <a:latin typeface="Arial" charset="0"/>
+              <a:ea typeface="Times New Roman" charset="0"/>
+              <a:cs typeface="+mn-cs"/>
+            </a:endParaRPr>
+          </a:p>
+          <a:p>
+            <a:pPr marL="254000" indent="-254000" rtl="0" latinLnBrk="0">
+              <a:buFont typeface="Wingdings"/>
+              <a:buChar char=""/>
+            </a:pPr>
+            <a:r>
+              <a:rPr lang="de-DE" sz="1400">
+                <a:latin typeface="Arial" charset="0"/>
+                <a:ea typeface="Times New Roman" charset="0"/>
+                <a:cs typeface="+mn-cs"/>
+              </a:rPr>
+              <a:t>Slide number </a:t>
+            </a:r>
+            <a:r>
+              <a:rPr lang="de-DE" sz="1400">
+                <a:latin typeface="Arial" charset="0"/>
+                <a:ea typeface="Times New Roman" charset="0"/>
+                <a:cs typeface="+mn-cs"/>
+              </a:rPr>
+              <a:t>6</a:t>
+            </a:r>
+            <a:r>
+              <a:rPr lang="de-DE" sz="1400">
+                <a:latin typeface="Arial" charset="0"/>
+                <a:ea typeface="Times New Roman" charset="0"/>
+                <a:cs typeface="+mn-cs"/>
+              </a:rPr>
+              <a:t> - </a:t>
+            </a:r>
+            <a:r>
+              <a:rPr lang="de-DE" sz="1400">
+                <a:latin typeface="Arial" charset="0"/>
+                <a:ea typeface="Times New Roman" charset="0"/>
+                <a:cs typeface="+mn-cs"/>
+                <a:hlinkClick r:id="rId10">
+                  <a:extLst>
+                    <a:ext uri="{A12FA001-AC4F-418D-AE19-62706E023703}">
+                      <ahyp:hlinkClr xmlns:ahyp="http://schemas.microsoft.com/office/drawing/2018/hyperlinkcolor" xmlns="" val="hlink"/>
+                    </a:ext>
+                  </a:extLst>
+                </a:hlinkClick>
+              </a:rPr>
+              <a:t>Link</a:t>
+            </a:r>
+            <a:endParaRPr lang="ko-KR" altLang="en-US" sz="1400">
+              <a:latin typeface="Arial" charset="0"/>
+              <a:ea typeface="Times New Roman" charset="0"/>
+              <a:cs typeface="+mn-cs"/>
+            </a:endParaRPr>
+          </a:p>
+          <a:p>
+            <a:pPr marL="254000" indent="-254000" rtl="0" latinLnBrk="0">
+              <a:buFont typeface="Wingdings"/>
+              <a:buChar char=""/>
+            </a:pPr>
+            <a:r>
+              <a:rPr lang="de-DE" sz="1400">
+                <a:latin typeface="Arial" charset="0"/>
+                <a:ea typeface="Times New Roman" charset="0"/>
+                <a:cs typeface="+mn-cs"/>
+              </a:rPr>
+              <a:t>Slide number </a:t>
+            </a:r>
+            <a:r>
+              <a:rPr lang="de-DE" sz="1400">
+                <a:latin typeface="Arial" charset="0"/>
+                <a:ea typeface="Times New Roman" charset="0"/>
+                <a:cs typeface="+mn-cs"/>
+              </a:rPr>
+              <a:t>7</a:t>
+            </a:r>
+            <a:r>
+              <a:rPr lang="de-DE" sz="1400">
+                <a:latin typeface="Arial" charset="0"/>
+                <a:ea typeface="Times New Roman" charset="0"/>
+                <a:cs typeface="+mn-cs"/>
+              </a:rPr>
+              <a:t> - </a:t>
+            </a:r>
+            <a:r>
+              <a:rPr lang="de-DE" sz="1400">
+                <a:latin typeface="Arial" charset="0"/>
+                <a:ea typeface="Times New Roman" charset="0"/>
+                <a:cs typeface="+mn-cs"/>
+                <a:hlinkClick r:id="rId11">
+                  <a:extLst>
+                    <a:ext uri="{A12FA001-AC4F-418D-AE19-62706E023703}">
+                      <ahyp:hlinkClr xmlns:ahyp="http://schemas.microsoft.com/office/drawing/2018/hyperlinkcolor" xmlns="" val="hlink"/>
+                    </a:ext>
+                  </a:extLst>
+                </a:hlinkClick>
+              </a:rPr>
+              <a:t>Link</a:t>
+            </a:r>
+            <a:endParaRPr lang="ko-KR" altLang="en-US" sz="1400">
+              <a:latin typeface="Arial" charset="0"/>
+              <a:ea typeface="Times New Roman" charset="0"/>
+              <a:cs typeface="+mn-cs"/>
+            </a:endParaRPr>
+          </a:p>
+          <a:p>
+            <a:pPr marL="254000" indent="-254000" rtl="0" latinLnBrk="0">
+              <a:buFont typeface="Wingdings"/>
+              <a:buChar char=""/>
+            </a:pPr>
+            <a:r>
+              <a:rPr lang="de-DE" sz="1400">
+                <a:latin typeface="Arial" charset="0"/>
+                <a:ea typeface="Times New Roman" charset="0"/>
+                <a:cs typeface="+mn-cs"/>
+              </a:rPr>
+              <a:t>Slide number </a:t>
+            </a:r>
+            <a:r>
+              <a:rPr lang="de-DE" sz="1400">
+                <a:latin typeface="Arial" charset="0"/>
+                <a:ea typeface="Times New Roman" charset="0"/>
+                <a:cs typeface="+mn-cs"/>
+              </a:rPr>
+              <a:t>8, 9</a:t>
+            </a:r>
+            <a:r>
+              <a:rPr lang="de-DE" sz="1400">
+                <a:latin typeface="Arial" charset="0"/>
+                <a:ea typeface="Times New Roman" charset="0"/>
+                <a:cs typeface="+mn-cs"/>
+              </a:rPr>
+              <a:t> - Created using </a:t>
+            </a:r>
+            <a:r>
+              <a:rPr lang="de-DE" sz="1400">
+                <a:latin typeface="Arial" charset="0"/>
+                <a:ea typeface="Times New Roman" charset="0"/>
+                <a:cs typeface="+mn-cs"/>
+              </a:rPr>
+              <a:t>a LLM</a:t>
+            </a:r>
+            <a:endParaRPr lang="ko-KR" altLang="en-US" sz="1400">
+              <a:latin typeface="Arial" charset="0"/>
+              <a:ea typeface="Times New Roman" charset="0"/>
+              <a:cs typeface="+mn-cs"/>
+            </a:endParaRPr>
+          </a:p>
+          <a:p>
+            <a:pPr marL="254000" indent="-254000" latinLnBrk="0">
+              <a:buFont typeface="Wingdings"/>
+              <a:buChar char=""/>
+            </a:pPr>
+            <a:r>
+              <a:rPr lang="de-DE" altLang="ko-KR" sz="1400">
                 <a:latin typeface="Arial" charset="0"/>
                 <a:ea typeface="Times New Roman" charset="0"/>
                 <a:cs typeface="+mn-cs"/>
@@ -8188,49 +8123,52 @@
               <a:t>Slide </a:t>
             </a:r>
             <a:r>
-              <a:rPr lang="de-DE" sz="1400" dirty="0" err="1">
+              <a:rPr lang="de-DE" altLang="ko-KR">
                 <a:latin typeface="Arial" charset="0"/>
                 <a:ea typeface="Times New Roman" charset="0"/>
-                <a:cs typeface="+mn-cs"/>
               </a:rPr>
-              <a:t>number</a:t>
-            </a:r>
-            <a:r>
-              <a:rPr lang="de-DE" sz="1400" dirty="0">
+              <a:t>number </a:t>
+            </a:r>
+            <a:r>
+              <a:rPr lang="de-DE" altLang="ko-KR">
                 <a:latin typeface="Arial" charset="0"/>
                 <a:ea typeface="Times New Roman" charset="0"/>
-                <a:cs typeface="+mn-cs"/>
               </a:rPr>
-              <a:t> 3 - </a:t>
-            </a:r>
-            <a:r>
-              <a:rPr lang="de-DE" sz="1400" dirty="0">
+              <a:t>3</a:t>
+            </a:r>
+            <a:r>
+              <a:rPr lang="de-DE" altLang="ko-KR">
                 <a:latin typeface="Arial" charset="0"/>
                 <a:ea typeface="Times New Roman" charset="0"/>
-                <a:cs typeface="+mn-cs"/>
-                <a:hlinkClick r:id="rId2">
+              </a:rPr>
+              <a:t> - </a:t>
+            </a:r>
+            <a:r>
+              <a:rPr lang="de-DE" altLang="ko-KR">
+                <a:latin typeface="Arial" charset="0"/>
+                <a:ea typeface="Times New Roman" charset="0"/>
+                <a:hlinkClick r:id="rId12">
                   <a:extLst>
                     <a:ext uri="{A12FA001-AC4F-418D-AE19-62706E023703}">
-                      <ahyp:hlinkClr xmlns:ahyp="http://schemas.microsoft.com/office/drawing/2018/hyperlinkcolor" val="hlink"/>
+                      <ahyp:hlinkClr xmlns:ahyp="http://schemas.microsoft.com/office/drawing/2018/hyperlinkcolor" xmlns="" val="hlink"/>
                     </a:ext>
                   </a:extLst>
                 </a:hlinkClick>
               </a:rPr>
               <a:t>Link</a:t>
             </a:r>
-            <a:endParaRPr lang="ko-KR" altLang="en-US" sz="1400" dirty="0">
+            <a:endParaRPr lang="ko-KR" altLang="en-US">
               <a:latin typeface="Arial" charset="0"/>
               <a:ea typeface="Times New Roman" charset="0"/>
-              <a:cs typeface="+mn-cs"/>
             </a:endParaRPr>
           </a:p>
           <a:p>
-            <a:pPr marL="254000" indent="-254000" rtl="0">
+            <a:pPr marL="254000" indent="-254000" latinLnBrk="0">
               <a:buFont typeface="Wingdings"/>
               <a:buChar char=""/>
             </a:pPr>
             <a:r>
-              <a:rPr lang="de-DE" sz="1400" dirty="0">
+              <a:rPr lang="de-DE" altLang="ko-KR" sz="1400">
                 <a:latin typeface="Arial" charset="0"/>
                 <a:ea typeface="Times New Roman" charset="0"/>
                 <a:cs typeface="+mn-cs"/>
@@ -8238,336 +8176,51 @@
               <a:t>Slide </a:t>
             </a:r>
             <a:r>
-              <a:rPr lang="de-DE" sz="1400" dirty="0" err="1">
+              <a:rPr lang="de-DE" altLang="ko-KR">
                 <a:latin typeface="Arial" charset="0"/>
                 <a:ea typeface="Times New Roman" charset="0"/>
-                <a:cs typeface="+mn-cs"/>
               </a:rPr>
-              <a:t>number</a:t>
-            </a:r>
-            <a:r>
-              <a:rPr lang="de-DE" sz="1400" dirty="0">
+              <a:t>number </a:t>
+            </a:r>
+            <a:r>
+              <a:rPr lang="de-DE" altLang="ko-KR">
                 <a:latin typeface="Arial" charset="0"/>
                 <a:ea typeface="Times New Roman" charset="0"/>
-                <a:cs typeface="+mn-cs"/>
               </a:rPr>
-              <a:t> 4 - </a:t>
-            </a:r>
-            <a:r>
-              <a:rPr lang="de-DE" sz="1400" dirty="0">
+              <a:t>4</a:t>
+            </a:r>
+            <a:r>
+              <a:rPr lang="de-DE" altLang="ko-KR">
                 <a:latin typeface="Arial" charset="0"/>
                 <a:ea typeface="Times New Roman" charset="0"/>
-                <a:cs typeface="+mn-cs"/>
-                <a:hlinkClick r:id="rId3">
+              </a:rPr>
+              <a:t> -</a:t>
+            </a:r>
+            <a:r>
+              <a:rPr lang="de-DE" altLang="ko-KR">
+                <a:latin typeface="Arial" charset="0"/>
+                <a:ea typeface="Times New Roman" charset="0"/>
+                <a:hlinkClick r:id="rId13">
                   <a:extLst>
                     <a:ext uri="{A12FA001-AC4F-418D-AE19-62706E023703}">
-                      <ahyp:hlinkClr xmlns:ahyp="http://schemas.microsoft.com/office/drawing/2018/hyperlinkcolor" val="hlink"/>
+                      <ahyp:hlinkClr xmlns:ahyp="http://schemas.microsoft.com/office/drawing/2018/hyperlinkcolor" xmlns="" val="hlink"/>
                     </a:ext>
                   </a:extLst>
                 </a:hlinkClick>
               </a:rPr>
-              <a:t>Link</a:t>
-            </a:r>
-            <a:endParaRPr lang="ko-KR" altLang="en-US" sz="1400" dirty="0">
+              <a:t> Link</a:t>
+            </a:r>
+            <a:endParaRPr lang="ko-KR" altLang="en-US">
               <a:latin typeface="Arial" charset="0"/>
               <a:ea typeface="Times New Roman" charset="0"/>
-              <a:cs typeface="+mn-cs"/>
             </a:endParaRPr>
           </a:p>
           <a:p>
-            <a:pPr marL="254000" indent="-254000" rtl="0">
+            <a:pPr marL="254000" indent="-254000" rtl="0" latinLnBrk="0">
               <a:buFont typeface="Wingdings"/>
               <a:buChar char=""/>
             </a:pPr>
-            <a:r>
-              <a:rPr lang="de-DE" sz="1400" dirty="0">
-                <a:latin typeface="Arial" charset="0"/>
-                <a:ea typeface="Times New Roman" charset="0"/>
-                <a:cs typeface="+mn-cs"/>
-              </a:rPr>
-              <a:t>Slide </a:t>
-            </a:r>
-            <a:r>
-              <a:rPr lang="de-DE" sz="1400" dirty="0" err="1">
-                <a:latin typeface="Arial" charset="0"/>
-                <a:ea typeface="Times New Roman" charset="0"/>
-                <a:cs typeface="+mn-cs"/>
-              </a:rPr>
-              <a:t>number</a:t>
-            </a:r>
-            <a:r>
-              <a:rPr lang="de-DE" sz="1400" dirty="0">
-                <a:latin typeface="Arial" charset="0"/>
-                <a:ea typeface="Times New Roman" charset="0"/>
-                <a:cs typeface="+mn-cs"/>
-              </a:rPr>
-              <a:t> 5 - </a:t>
-            </a:r>
-            <a:r>
-              <a:rPr lang="de-DE" sz="1400" dirty="0">
-                <a:latin typeface="Arial" charset="0"/>
-                <a:ea typeface="Times New Roman" charset="0"/>
-                <a:cs typeface="+mn-cs"/>
-                <a:hlinkClick r:id="rId4">
-                  <a:extLst>
-                    <a:ext uri="{A12FA001-AC4F-418D-AE19-62706E023703}">
-                      <ahyp:hlinkClr xmlns:ahyp="http://schemas.microsoft.com/office/drawing/2018/hyperlinkcolor" val="hlink"/>
-                    </a:ext>
-                  </a:extLst>
-                </a:hlinkClick>
-              </a:rPr>
-              <a:t>Link</a:t>
-            </a:r>
-            <a:endParaRPr lang="ko-KR" altLang="en-US" sz="1400" dirty="0">
-              <a:latin typeface="Arial" charset="0"/>
-              <a:ea typeface="Times New Roman" charset="0"/>
-              <a:cs typeface="+mn-cs"/>
-            </a:endParaRPr>
-          </a:p>
-          <a:p>
-            <a:pPr marL="254000" indent="-254000" rtl="0">
-              <a:buFont typeface="Wingdings"/>
-              <a:buChar char=""/>
-            </a:pPr>
-            <a:r>
-              <a:rPr lang="de-DE" sz="1400" dirty="0">
-                <a:latin typeface="Arial" charset="0"/>
-                <a:ea typeface="Times New Roman" charset="0"/>
-                <a:cs typeface="+mn-cs"/>
-              </a:rPr>
-              <a:t>Slide </a:t>
-            </a:r>
-            <a:r>
-              <a:rPr lang="de-DE" sz="1400" dirty="0" err="1">
-                <a:latin typeface="Arial" charset="0"/>
-                <a:ea typeface="Times New Roman" charset="0"/>
-                <a:cs typeface="+mn-cs"/>
-              </a:rPr>
-              <a:t>number</a:t>
-            </a:r>
-            <a:r>
-              <a:rPr lang="de-DE" sz="1400" dirty="0">
-                <a:latin typeface="Arial" charset="0"/>
-                <a:ea typeface="Times New Roman" charset="0"/>
-                <a:cs typeface="+mn-cs"/>
-              </a:rPr>
-              <a:t> 6 - </a:t>
-            </a:r>
-            <a:r>
-              <a:rPr lang="de-DE" sz="1400" dirty="0" err="1">
-                <a:latin typeface="Arial" charset="0"/>
-                <a:ea typeface="Times New Roman" charset="0"/>
-                <a:cs typeface="+mn-cs"/>
-              </a:rPr>
-              <a:t>Created</a:t>
-            </a:r>
-            <a:r>
-              <a:rPr lang="de-DE" sz="1400" dirty="0">
-                <a:latin typeface="Arial" charset="0"/>
-                <a:ea typeface="Times New Roman" charset="0"/>
-                <a:cs typeface="+mn-cs"/>
-              </a:rPr>
-              <a:t> </a:t>
-            </a:r>
-            <a:r>
-              <a:rPr lang="de-DE" sz="1400" dirty="0" err="1">
-                <a:latin typeface="Arial" charset="0"/>
-                <a:ea typeface="Times New Roman" charset="0"/>
-                <a:cs typeface="+mn-cs"/>
-              </a:rPr>
-              <a:t>using</a:t>
-            </a:r>
-            <a:r>
-              <a:rPr lang="de-DE" sz="1400" dirty="0">
-                <a:latin typeface="Arial" charset="0"/>
-                <a:ea typeface="Times New Roman" charset="0"/>
-                <a:cs typeface="+mn-cs"/>
-              </a:rPr>
-              <a:t> AI </a:t>
-            </a:r>
-            <a:r>
-              <a:rPr lang="de-DE" sz="1400" dirty="0" err="1">
-                <a:latin typeface="Arial" charset="0"/>
-                <a:ea typeface="Times New Roman" charset="0"/>
-                <a:cs typeface="+mn-cs"/>
-              </a:rPr>
-              <a:t>tools</a:t>
-            </a:r>
-            <a:endParaRPr lang="de-DE" sz="1400" dirty="0">
-              <a:latin typeface="Arial" charset="0"/>
-              <a:ea typeface="Times New Roman" charset="0"/>
-              <a:cs typeface="+mn-cs"/>
-            </a:endParaRPr>
-          </a:p>
-          <a:p>
-            <a:pPr marL="254000" indent="-254000" rtl="0">
-              <a:buFont typeface="Wingdings"/>
-              <a:buChar char=""/>
-            </a:pPr>
-            <a:r>
-              <a:rPr lang="de-DE" altLang="ko-KR" sz="1400" dirty="0">
-                <a:latin typeface="Arial" charset="0"/>
-                <a:ea typeface="Times New Roman" charset="0"/>
-                <a:cs typeface="+mn-cs"/>
-              </a:rPr>
-              <a:t>Slide </a:t>
-            </a:r>
-            <a:r>
-              <a:rPr lang="de-DE" altLang="ko-KR" dirty="0" err="1">
-                <a:latin typeface="Arial" charset="0"/>
-                <a:ea typeface="Times New Roman" charset="0"/>
-              </a:rPr>
-              <a:t>number</a:t>
-            </a:r>
-            <a:r>
-              <a:rPr lang="de-DE" altLang="ko-KR" dirty="0">
-                <a:latin typeface="Arial" charset="0"/>
-                <a:ea typeface="Times New Roman" charset="0"/>
-              </a:rPr>
-              <a:t> 7 –</a:t>
-            </a:r>
-            <a:r>
-              <a:rPr lang="de-DE" altLang="ko-KR" dirty="0">
-                <a:latin typeface="Arial" charset="0"/>
-                <a:ea typeface="Times New Roman" charset="0"/>
-                <a:hlinkClick r:id="rId5"/>
-              </a:rPr>
-              <a:t>Link</a:t>
-            </a:r>
-            <a:endParaRPr lang="de-DE" altLang="ko-KR" dirty="0">
-              <a:latin typeface="Arial" charset="0"/>
-              <a:ea typeface="Times New Roman" charset="0"/>
-            </a:endParaRPr>
-          </a:p>
-          <a:p>
-            <a:pPr marL="254000" indent="-254000">
-              <a:buFont typeface="Wingdings"/>
-              <a:buChar char=""/>
-            </a:pPr>
-            <a:r>
-              <a:rPr lang="de-DE" altLang="ko-KR" sz="1400" dirty="0">
-                <a:latin typeface="Arial" charset="0"/>
-                <a:ea typeface="Times New Roman" charset="0"/>
-                <a:cs typeface="+mn-cs"/>
-              </a:rPr>
-              <a:t>Slide </a:t>
-            </a:r>
-            <a:r>
-              <a:rPr lang="de-DE" altLang="ko-KR" dirty="0" err="1">
-                <a:latin typeface="Arial" charset="0"/>
-                <a:ea typeface="Times New Roman" charset="0"/>
-              </a:rPr>
-              <a:t>number</a:t>
-            </a:r>
-            <a:r>
-              <a:rPr lang="de-DE" altLang="ko-KR" dirty="0">
-                <a:latin typeface="Arial" charset="0"/>
-                <a:ea typeface="Times New Roman" charset="0"/>
-              </a:rPr>
-              <a:t> 8 - </a:t>
-            </a:r>
-            <a:r>
-              <a:rPr lang="de-DE" altLang="ko-KR" dirty="0">
-                <a:latin typeface="Arial" charset="0"/>
-                <a:ea typeface="Times New Roman" charset="0"/>
-                <a:hlinkClick r:id="rId6"/>
-              </a:rPr>
-              <a:t>Link</a:t>
-            </a:r>
-            <a:endParaRPr lang="ko-KR" altLang="en-US" sz="1400" dirty="0">
-              <a:latin typeface="Arial" charset="0"/>
-              <a:ea typeface="Times New Roman" charset="0"/>
-              <a:cs typeface="+mn-cs"/>
-            </a:endParaRPr>
-          </a:p>
-          <a:p>
-            <a:pPr marL="254000" indent="-254000">
-              <a:buFont typeface="Wingdings"/>
-              <a:buChar char=""/>
-            </a:pPr>
-            <a:r>
-              <a:rPr lang="de-DE" altLang="ko-KR" sz="1400" dirty="0">
-                <a:latin typeface="Arial" charset="0"/>
-                <a:ea typeface="Times New Roman" charset="0"/>
-                <a:cs typeface="+mn-cs"/>
-              </a:rPr>
-              <a:t>Slide </a:t>
-            </a:r>
-            <a:r>
-              <a:rPr lang="de-DE" altLang="ko-KR" dirty="0" err="1">
-                <a:latin typeface="Arial" charset="0"/>
-                <a:ea typeface="Times New Roman" charset="0"/>
-              </a:rPr>
-              <a:t>number</a:t>
-            </a:r>
-            <a:r>
-              <a:rPr lang="de-DE" altLang="ko-KR" dirty="0">
-                <a:latin typeface="Arial" charset="0"/>
-                <a:ea typeface="Times New Roman" charset="0"/>
-              </a:rPr>
-              <a:t> 9 -</a:t>
-            </a:r>
-            <a:r>
-              <a:rPr lang="de-DE" altLang="ko-KR" dirty="0">
-                <a:latin typeface="Arial" charset="0"/>
-                <a:ea typeface="Times New Roman" charset="0"/>
-                <a:hlinkClick r:id="rId7"/>
-              </a:rPr>
-              <a:t> Link</a:t>
-            </a:r>
-            <a:endParaRPr lang="ko-KR" altLang="en-US" sz="1400" dirty="0">
-              <a:latin typeface="Arial" charset="0"/>
-              <a:ea typeface="Times New Roman" charset="0"/>
-              <a:cs typeface="+mn-cs"/>
-            </a:endParaRPr>
-          </a:p>
-          <a:p>
-            <a:pPr marL="254000" indent="-254000">
-              <a:buFont typeface="Wingdings"/>
-              <a:buChar char=""/>
-            </a:pPr>
-            <a:r>
-              <a:rPr lang="de-DE" altLang="ko-KR" sz="1400" dirty="0">
-                <a:latin typeface="Arial" charset="0"/>
-                <a:ea typeface="Times New Roman" charset="0"/>
-                <a:cs typeface="+mn-cs"/>
-              </a:rPr>
-              <a:t>Slide </a:t>
-            </a:r>
-            <a:r>
-              <a:rPr lang="de-DE" altLang="ko-KR" dirty="0" err="1">
-                <a:latin typeface="Arial" charset="0"/>
-                <a:ea typeface="Times New Roman" charset="0"/>
-              </a:rPr>
-              <a:t>number</a:t>
-            </a:r>
-            <a:r>
-              <a:rPr lang="de-DE" altLang="ko-KR" dirty="0">
-                <a:latin typeface="Arial" charset="0"/>
-                <a:ea typeface="Times New Roman" charset="0"/>
-              </a:rPr>
-              <a:t> 10 -</a:t>
-            </a:r>
-            <a:r>
-              <a:rPr lang="de-DE" altLang="ko-KR" dirty="0">
-                <a:latin typeface="Arial" charset="0"/>
-                <a:ea typeface="Times New Roman" charset="0"/>
-                <a:hlinkClick r:id="rId8"/>
-              </a:rPr>
-              <a:t> Link</a:t>
-            </a:r>
-            <a:endParaRPr lang="ko-KR" altLang="en-US" sz="1400" dirty="0">
-              <a:latin typeface="Arial" charset="0"/>
-              <a:ea typeface="Times New Roman" charset="0"/>
-              <a:cs typeface="+mn-cs"/>
-            </a:endParaRPr>
-          </a:p>
-          <a:p>
-            <a:pPr marL="254000" indent="-254000" rtl="0">
-              <a:buFont typeface="Wingdings"/>
-              <a:buChar char=""/>
-            </a:pPr>
-            <a:endParaRPr lang="ko-KR" altLang="en-US" sz="1400" dirty="0">
+            <a:endParaRPr lang="ko-KR" altLang="en-US" sz="1400">
               <a:latin typeface="Arial" charset="0"/>
               <a:ea typeface="Times New Roman" charset="0"/>
               <a:cs typeface="+mn-cs"/>
@@ -8580,11 +8233,26 @@
   <p:clrMapOvr>
     <a:masterClrMapping/>
   </p:clrMapOvr>
+  <mc:AlternateContent xmlns:mc="http://schemas.openxmlformats.org/markup-compatibility/2006">
+    <mc:Choice xmlns:p14="http://schemas.microsoft.com/office/powerpoint/2010/main" Requires="p14">
+      <p:transition spd="slow" p14:dur="2000"/>
+    </mc:Choice>
+    <mc:Fallback>
+      <p:transition spd="slow"/>
+    </mc:Fallback>
+  </mc:AlternateContent>
+  <p:timing>
+    <p:tnLst>
+      <p:par>
+        <p:cTn id="1" dur="indefinite" restart="never" nodeType="tmRoot"/>
+      </p:par>
+    </p:tnLst>
+  </p:timing>
 </p:sld>
 </file>
 
 <file path=ppt/slides/slide2.xml><?xml version="1.0" encoding="utf-8"?>
-<p:sld xmlns:a="http://schemas.openxmlformats.org/drawingml/2006/main" xmlns:r="http://schemas.openxmlformats.org/officeDocument/2006/relationships" xmlns:p="http://schemas.openxmlformats.org/presentationml/2006/main">
+<p:sld xmlns:a="http://schemas.openxmlformats.org/drawingml/2006/main" xmlns:r="http://schemas.openxmlformats.org/officeDocument/2006/relationships" xmlns:p="http://schemas.openxmlformats.org/presentationml/2006/main" xmlns:p14="http://schemas.microsoft.com/office/powerpoint/2010/main">
   <p:cSld>
     <p:spTree>
       <p:nvGrpSpPr>
@@ -8671,7 +8339,7 @@
         <p:spPr>
           <a:xfrm>
             <a:off x="319405" y="1717675"/>
-            <a:ext cx="8509635" cy="956310"/>
+            <a:ext cx="8510270" cy="956945"/>
           </a:xfrm>
           <a:prstGeom prst="rect">
             <a:avLst/>
@@ -8683,7 +8351,7 @@
           </a:ln>
         </p:spPr>
         <p:txBody>
-          <a:bodyPr vert="horz" wrap="square" lIns="0" tIns="0" rIns="0" bIns="0" numCol="1" anchor="t">
+          <a:bodyPr wrap="square" lIns="0" tIns="0" rIns="0" bIns="0" numCol="1" vert="horz" anchor="t">
             <a:noAutofit/>
           </a:bodyPr>
           <a:lstStyle>
@@ -8695,7 +8363,7 @@
               <a:buNone/>
               <a:defRPr lang="en-GB" altLang="en-US" sz="1400"/>
             </a:lvl1pPr>
-            <a:lvl2pPr marL="0" lvl="1" indent="0" latinLnBrk="0">
+            <a:lvl2pPr marL="0" indent="0" latinLnBrk="0" lvl="1">
               <a:buFontTx/>
               <a:buNone/>
               <a:defRPr lang="en-GB" altLang="en-US"/>
@@ -8707,7 +8375,7 @@
               <a:buNone/>
             </a:pPr>
             <a:r>
-              <a:rPr lang="de-DE" sz="2000">
+              <a:rPr lang="de-DE" altLang="en-US" sz="2000">
                 <a:solidFill>
                   <a:schemeClr val="tx1"/>
                 </a:solidFill>
@@ -8715,14 +8383,14 @@
                 <a:ea typeface="Times New Roman" charset="0"/>
                 <a:cs typeface="+mn-cs"/>
               </a:rPr>
-              <a:t>Outline</a:t>
+              <a:t>Overview</a:t>
             </a:r>
             <a:r>
               <a:rPr lang="de-DE" sz="2000">
                 <a:solidFill>
                   <a:schemeClr val="tx1"/>
                 </a:solidFill>
-                <a:latin typeface="+mn-lt"/>
+                <a:latin typeface="Arial" charset="0"/>
                 <a:ea typeface="+mn-ea"/>
                 <a:cs typeface="+mn-cs"/>
               </a:rPr>
@@ -8732,7 +8400,7 @@
               <a:solidFill>
                 <a:schemeClr val="tx1"/>
               </a:solidFill>
-              <a:latin typeface="+mn-lt"/>
+              <a:latin typeface="Arial" charset="0"/>
               <a:ea typeface="+mn-ea"/>
               <a:cs typeface="+mn-cs"/>
             </a:endParaRPr>
@@ -8750,7 +8418,7 @@
         <p:spPr>
           <a:xfrm>
             <a:off x="340995" y="2378075"/>
-            <a:ext cx="8491220" cy="832485"/>
+            <a:ext cx="8491855" cy="832485"/>
           </a:xfrm>
           <a:prstGeom prst="rect">
             <a:avLst/>
@@ -8762,7 +8430,7 @@
           </a:ln>
         </p:spPr>
         <p:txBody>
-          <a:bodyPr vert="horz" wrap="square" lIns="89535" tIns="46355" rIns="89535" bIns="46355" numCol="1" anchor="t">
+          <a:bodyPr wrap="square" lIns="89535" tIns="46355" rIns="89535" bIns="46355" numCol="1" vert="horz" anchor="t">
             <a:spAutoFit/>
           </a:bodyPr>
           <a:lstStyle/>
@@ -8777,7 +8445,7 @@
                 <a:ea typeface="Arial" charset="0"/>
                 <a:cs typeface="Arial" charset="0"/>
               </a:rPr>
-              <a:t>Introduction and Motivation</a:t>
+              <a:t>Introduction</a:t>
             </a:r>
             <a:endParaRPr lang="ko-KR" altLang="en-US" sz="1600">
               <a:latin typeface="Arial" charset="0"/>
@@ -8830,11 +8498,604 @@
   <p:clrMapOvr>
     <a:masterClrMapping/>
   </p:clrMapOvr>
+  <mc:AlternateContent xmlns:mc="http://schemas.openxmlformats.org/markup-compatibility/2006">
+    <mc:Choice xmlns:p14="http://schemas.microsoft.com/office/powerpoint/2010/main" Requires="p14">
+      <p:transition spd="slow" p14:dur="2000"/>
+    </mc:Choice>
+    <mc:Fallback>
+      <p:transition spd="slow"/>
+    </mc:Fallback>
+  </mc:AlternateContent>
+  <p:timing>
+    <p:tnLst>
+      <p:par>
+        <p:cTn id="1" dur="indefinite" restart="never" nodeType="tmRoot"/>
+      </p:par>
+    </p:tnLst>
+  </p:timing>
 </p:sld>
 </file>
 
 <file path=ppt/slides/slide3.xml><?xml version="1.0" encoding="utf-8"?>
-<p:sld xmlns:a="http://schemas.openxmlformats.org/drawingml/2006/main" xmlns:r="http://schemas.openxmlformats.org/officeDocument/2006/relationships" xmlns:p="http://schemas.openxmlformats.org/presentationml/2006/main">
+<p:sld xmlns:a="http://schemas.openxmlformats.org/drawingml/2006/main" xmlns:r="http://schemas.openxmlformats.org/officeDocument/2006/relationships" xmlns:p="http://schemas.openxmlformats.org/presentationml/2006/main" xmlns:p14="http://schemas.microsoft.com/office/powerpoint/2010/main">
+  <p:cSld>
+    <p:spTree>
+      <p:nvGrpSpPr>
+        <p:cNvPr id="1" name=""/>
+        <p:cNvGrpSpPr/>
+        <p:nvPr/>
+      </p:nvGrpSpPr>
+      <p:grpSpPr>
+        <a:xfrm>
+          <a:off x="0" y="0"/>
+          <a:ext cx="0" cy="0"/>
+          <a:chOff x="0" y="0"/>
+          <a:chExt cx="0" cy="0"/>
+        </a:xfrm>
+      </p:grpSpPr>
+      <p:sp>
+        <p:nvSpPr>
+          <p:cNvPr id="1033" name="Content Placeholder 1"/>
+          <p:cNvSpPr txBox="1">
+            <a:spLocks noGrp="1"/>
+          </p:cNvSpPr>
+          <p:nvPr>
+            <p:ph type="obj" idx="14"/>
+          </p:nvPr>
+        </p:nvSpPr>
+        <p:spPr>
+          <a:xfrm rot="0">
+            <a:off x="302260" y="1918335"/>
+            <a:ext cx="4265930" cy="2633345"/>
+          </a:xfrm>
+          <a:prstGeom prst="rect"/>
+          <a:noFill/>
+          <a:ln w="0">
+            <a:noFill/>
+            <a:prstDash/>
+          </a:ln>
+        </p:spPr>
+        <p:txBody>
+          <a:bodyPr wrap="square" lIns="0" tIns="0" rIns="0" bIns="0" numCol="1" vert="horz" anchor="t">
+            <a:noAutofit/>
+          </a:bodyPr>
+          <a:lstStyle/>
+          <a:p>
+            <a:pPr marL="0" indent="0" latinLnBrk="0">
+              <a:buFontTx/>
+              <a:buNone/>
+            </a:pPr>
+            <a:endParaRPr lang="ko-KR" altLang="en-US"/>
+          </a:p>
+          <a:p>
+            <a:pPr marL="0" indent="0" latinLnBrk="0">
+              <a:buFontTx/>
+              <a:buNone/>
+            </a:pPr>
+            <a:endParaRPr lang="ko-KR" altLang="en-US"/>
+          </a:p>
+          <a:p>
+            <a:pPr marL="0" indent="0" latinLnBrk="0">
+              <a:buFontTx/>
+              <a:buNone/>
+            </a:pPr>
+            <a:endParaRPr lang="ko-KR" altLang="en-US"/>
+          </a:p>
+          <a:p>
+            <a:pPr marL="0" indent="0" latinLnBrk="0">
+              <a:buFontTx/>
+              <a:buNone/>
+            </a:pPr>
+            <a:endParaRPr lang="ko-KR" altLang="en-US"/>
+          </a:p>
+          <a:p>
+            <a:pPr marL="0" indent="0" latinLnBrk="0">
+              <a:buFontTx/>
+              <a:buNone/>
+            </a:pPr>
+            <a:r>
+              <a:rPr lang="en-US" sz="1400">
+                <a:latin typeface="Arial" charset="0"/>
+                <a:ea typeface="Arial" charset="0"/>
+                <a:cs typeface="+mn-cs"/>
+              </a:rPr>
+              <a:t>What</a:t>
+            </a:r>
+            <a:r>
+              <a:rPr lang="en-US"/>
+              <a:t> are knowledge graphs and how can </a:t>
+            </a:r>
+            <a:r>
+              <a:rPr lang="en-US"/>
+              <a:t>you</a:t>
+            </a:r>
+            <a:r>
+              <a:rPr lang="en-US"/>
+              <a:t> </a:t>
+            </a:r>
+            <a:r>
+              <a:rPr lang="en-US" sz="1400">
+                <a:latin typeface="Arial" charset="0"/>
+                <a:ea typeface="Arial" charset="0"/>
+                <a:cs typeface="+mn-cs"/>
+              </a:rPr>
+              <a:t>represent</a:t>
+            </a:r>
+            <a:r>
+              <a:rPr lang="en-US"/>
+              <a:t> </a:t>
+            </a:r>
+            <a:r>
+              <a:rPr lang="en-US" sz="1400">
+                <a:latin typeface="Arial" charset="0"/>
+                <a:ea typeface="Arial" charset="0"/>
+                <a:cs typeface="+mn-cs"/>
+              </a:rPr>
+              <a:t>them?</a:t>
+            </a:r>
+            <a:endParaRPr lang="ko-KR" altLang="en-US"/>
+          </a:p>
+        </p:txBody>
+      </p:sp>
+      <p:pic>
+        <p:nvPicPr>
+          <p:cNvPr id="1026" name="Picture 2" descr="/Users/abraxas/Library/Group Containers/L48J367XN4.com.infraware.PolarisOffice/EngineTemp/58567/image10.jpeg"/>
+          <p:cNvPicPr>
+            <a:picLocks noChangeAspect="1" noGrp="1"/>
+          </p:cNvPicPr>
+          <p:nvPr>
+            <p:ph type="obj" idx="15"/>
+          </p:nvPr>
+        </p:nvPicPr>
+        <p:blipFill rotWithShape="1">
+          <a:blip r:embed="rId2" cstate="print">
+            <a:extLst>
+              <a:ext uri="{28A0092B-C50C-407E-A947-70E740481C1C}">
+                <a14:useLocalDpi xmlns:a14="http://schemas.microsoft.com/office/drawing/2010/main" val="0"/>
+              </a:ext>
+            </a:extLst>
+          </a:blip>
+          <a:srcRect l="14005" r="10023" b="-2"/>
+          <a:stretch>
+            <a:fillRect/>
+          </a:stretch>
+        </p:blipFill>
+        <p:spPr bwMode="auto">
+          <a:xfrm rot="0">
+            <a:off x="4570730" y="1751330"/>
+            <a:ext cx="4181475" cy="3096260"/>
+          </a:xfrm>
+          <a:prstGeom prst="rect"/>
+          <a:solidFill>
+            <a:srgbClr val="FFFFFF"/>
+          </a:solidFill>
+          <a:ln w="0">
+            <a:noFill/>
+            <a:prstDash/>
+          </a:ln>
+        </p:spPr>
+      </p:pic>
+      <p:sp>
+        <p:nvSpPr>
+          <p:cNvPr id="3" name="Titel 2">
+            <a:extLst>
+              <a:ext uri="{FF2B5EF4-FFF2-40B4-BE49-F238E27FC236}">
+                <a16:creationId xmlns:a16="http://schemas.microsoft.com/office/drawing/2014/main" id="{6FBA075F-5A25-18D8-5EF6-2E02CA2BE6CA}"/>
+              </a:ext>
+            </a:extLst>
+          </p:cNvPr>
+          <p:cNvSpPr>
+            <a:spLocks noGrp="1"/>
+          </p:cNvSpPr>
+          <p:nvPr>
+            <p:ph type="title"/>
+          </p:nvPr>
+        </p:nvSpPr>
+        <p:spPr>
+          <a:xfrm>
+            <a:off x="319405" y="972185"/>
+            <a:ext cx="8509635" cy="410845"/>
+          </a:xfrm>
+        </p:spPr>
+        <p:txBody>
+          <a:bodyPr wrap="square" lIns="0" tIns="0" rIns="0" bIns="0" numCol="1" vert="horz" anchor="t">
+            <a:normAutofit fontScale="100000" lnSpcReduction="0"/>
+          </a:bodyPr>
+          <a:lstStyle/>
+          <a:p>
+            <a:pPr marL="0" indent="0" latinLnBrk="0">
+              <a:buFontTx/>
+              <a:buNone/>
+            </a:pPr>
+            <a:r>
+              <a:rPr lang="en-GB" sz="2500" b="0">
+                <a:latin typeface="Arial" charset="0"/>
+                <a:ea typeface="Times New Roman" charset="0"/>
+                <a:cs typeface="+mj-cs"/>
+              </a:rPr>
+              <a:t>Introduction</a:t>
+            </a:r>
+            <a:endParaRPr lang="ko-KR" altLang="en-US"/>
+          </a:p>
+        </p:txBody>
+      </p:sp>
+      <p:sp>
+        <p:nvSpPr>
+          <p:cNvPr id="1034" name="Textfeld 2"/>
+          <p:cNvSpPr txBox="1">
+            <a:spLocks/>
+          </p:cNvSpPr>
+          <p:nvPr/>
+        </p:nvSpPr>
+        <p:spPr>
+          <a:xfrm rot="0">
+            <a:off x="246380" y="1384935"/>
+            <a:ext cx="4019549" cy="308610"/>
+          </a:xfrm>
+          <a:prstGeom prst="rect"/>
+          <a:noFill/>
+          <a:ln w="0">
+            <a:noFill/>
+            <a:prstDash/>
+          </a:ln>
+        </p:spPr>
+        <p:txBody>
+          <a:bodyPr wrap="square" lIns="89535" tIns="46355" rIns="89535" bIns="46355" vert="horz" anchor="t">
+            <a:spAutoFit/>
+          </a:bodyPr>
+          <a:lstStyle/>
+          <a:p>
+            <a:pPr marL="0" indent="0" algn="l" hangingPunct="1"/>
+            <a:r>
+              <a:rPr sz="1400">
+                <a:latin typeface="Arial" charset="0"/>
+                <a:ea typeface="Arial" charset="0"/>
+                <a:cs typeface="Arial" charset="0"/>
+              </a:rPr>
+              <a:t>Knowledge</a:t>
+            </a:r>
+            <a:r>
+              <a:rPr sz="1400">
+                <a:latin typeface="Arial" charset="0"/>
+                <a:ea typeface="Arial" charset="0"/>
+              </a:rPr>
+              <a:t> Graphs</a:t>
+            </a:r>
+            <a:endParaRPr lang="ko-KR" altLang="en-US" sz="1400">
+              <a:latin typeface="Arial" charset="0"/>
+              <a:ea typeface="Arial" charset="0"/>
+            </a:endParaRPr>
+          </a:p>
+        </p:txBody>
+      </p:sp>
+    </p:spTree>
+    <p:extLst>
+      <p:ext uri="{BB962C8B-B14F-4D97-AF65-F5344CB8AC3E}">
+        <p14:creationId xmlns:p14="http://schemas.microsoft.com/office/powerpoint/2010/main" val="1189137732"/>
+      </p:ext>
+    </p:extLst>
+  </p:cSld>
+  <p:clrMapOvr>
+    <a:masterClrMapping/>
+  </p:clrMapOvr>
+  <mc:AlternateContent xmlns:mc="http://schemas.openxmlformats.org/markup-compatibility/2006">
+    <mc:Choice xmlns:p14="http://schemas.microsoft.com/office/powerpoint/2010/main" Requires="p14">
+      <p:transition spd="slow" p14:dur="2000"/>
+    </mc:Choice>
+    <mc:Fallback>
+      <p:transition spd="slow"/>
+    </mc:Fallback>
+  </mc:AlternateContent>
+  <p:timing>
+    <p:tnLst>
+      <p:par>
+        <p:cTn id="1" dur="indefinite" restart="never" nodeType="tmRoot"/>
+      </p:par>
+    </p:tnLst>
+  </p:timing>
+</p:sld>
+</file>
+
+<file path=ppt/slides/slide4.xml><?xml version="1.0" encoding="utf-8"?>
+<p:sld xmlns:a="http://schemas.openxmlformats.org/drawingml/2006/main" xmlns:r="http://schemas.openxmlformats.org/officeDocument/2006/relationships" xmlns:p="http://schemas.openxmlformats.org/presentationml/2006/main" xmlns:p14="http://schemas.microsoft.com/office/powerpoint/2010/main">
+  <p:cSld>
+    <p:spTree>
+      <p:nvGrpSpPr>
+        <p:cNvPr id="1" name="">
+          <a:extLst>
+            <a:ext uri="{FF2B5EF4-FFF2-40B4-BE49-F238E27FC236}">
+              <a16:creationId xmlns:a16="http://schemas.microsoft.com/office/drawing/2014/main" id="{92790EAD-8733-CE2C-33F6-9183001DEAFA}"/>
+            </a:ext>
+          </a:extLst>
+        </p:cNvPr>
+        <p:cNvGrpSpPr/>
+        <p:nvPr/>
+      </p:nvGrpSpPr>
+      <p:grpSpPr>
+        <a:xfrm>
+          <a:off x="0" y="0"/>
+          <a:ext cx="0" cy="0"/>
+          <a:chOff x="0" y="0"/>
+          <a:chExt cx="0" cy="0"/>
+        </a:xfrm>
+      </p:grpSpPr>
+      <p:sp>
+        <p:nvSpPr>
+          <p:cNvPr id="1033" name="Content Placeholder 1"/>
+          <p:cNvSpPr txBox="1">
+            <a:spLocks noGrp="1"/>
+          </p:cNvSpPr>
+          <p:nvPr>
+            <p:ph type="obj" idx="14"/>
+          </p:nvPr>
+        </p:nvSpPr>
+        <p:spPr>
+          <a:xfrm rot="0">
+            <a:off x="319405" y="1602105"/>
+            <a:ext cx="4181475" cy="3096260"/>
+          </a:xfrm>
+          <a:prstGeom prst="rect"/>
+          <a:noFill/>
+          <a:ln w="0">
+            <a:noFill/>
+            <a:prstDash/>
+          </a:ln>
+        </p:spPr>
+        <p:txBody>
+          <a:bodyPr wrap="square" lIns="0" tIns="0" rIns="0" bIns="0" numCol="1" vert="horz" anchor="t">
+            <a:normAutofit fontScale="100000" lnSpcReduction="0"/>
+          </a:bodyPr>
+          <a:lstStyle/>
+          <a:p>
+            <a:pPr marL="0" indent="0" latinLnBrk="0">
+              <a:spcAft>
+                <a:spcPts val="600"/>
+              </a:spcAft>
+              <a:buFontTx/>
+              <a:buNone/>
+            </a:pPr>
+            <a:endParaRPr lang="ko-KR" altLang="en-US"/>
+          </a:p>
+          <a:p>
+            <a:pPr marL="0" indent="0" latinLnBrk="0">
+              <a:spcAft>
+                <a:spcPts val="600"/>
+              </a:spcAft>
+              <a:buFontTx/>
+              <a:buNone/>
+            </a:pPr>
+            <a:endParaRPr lang="ko-KR" altLang="en-US"/>
+          </a:p>
+          <a:p>
+            <a:pPr marL="0" indent="0" latinLnBrk="0">
+              <a:spcAft>
+                <a:spcPts val="600"/>
+              </a:spcAft>
+              <a:buFontTx/>
+              <a:buNone/>
+            </a:pPr>
+            <a:endParaRPr lang="ko-KR" altLang="en-US"/>
+          </a:p>
+          <a:p>
+            <a:pPr marL="0" indent="0" latinLnBrk="0">
+              <a:spcAft>
+                <a:spcPts val="600"/>
+              </a:spcAft>
+              <a:buFontTx/>
+              <a:buNone/>
+            </a:pPr>
+            <a:endParaRPr lang="ko-KR" altLang="en-US"/>
+          </a:p>
+          <a:p>
+            <a:pPr marL="0" indent="0" latinLnBrk="0">
+              <a:spcAft>
+                <a:spcPts val="600"/>
+              </a:spcAft>
+              <a:buFontTx/>
+              <a:buNone/>
+            </a:pPr>
+            <a:r>
+              <a:rPr lang="en-US" sz="1400">
+                <a:latin typeface="Arial" charset="0"/>
+                <a:ea typeface="Arial" charset="0"/>
+                <a:cs typeface="+mn-cs"/>
+              </a:rPr>
+              <a:t>What</a:t>
+            </a:r>
+            <a:r>
+              <a:rPr lang="en-US"/>
+              <a:t> are knowledge graphs and how can </a:t>
+            </a:r>
+            <a:r>
+              <a:rPr lang="en-US"/>
+              <a:t>you</a:t>
+            </a:r>
+            <a:r>
+              <a:rPr lang="en-US"/>
+              <a:t> </a:t>
+            </a:r>
+            <a:r>
+              <a:rPr lang="en-US" sz="1400">
+                <a:latin typeface="Arial" charset="0"/>
+                <a:ea typeface="Arial" charset="0"/>
+                <a:cs typeface="+mn-cs"/>
+              </a:rPr>
+              <a:t>represent</a:t>
+            </a:r>
+            <a:r>
+              <a:rPr lang="en-US"/>
+              <a:t> </a:t>
+            </a:r>
+            <a:r>
+              <a:rPr lang="en-US" sz="1400">
+                <a:latin typeface="Arial" charset="0"/>
+                <a:ea typeface="Arial" charset="0"/>
+                <a:cs typeface="+mn-cs"/>
+              </a:rPr>
+              <a:t>them?</a:t>
+            </a:r>
+            <a:endParaRPr lang="ko-KR" altLang="en-US"/>
+          </a:p>
+        </p:txBody>
+      </p:sp>
+      <p:pic>
+        <p:nvPicPr>
+          <p:cNvPr id="3076" name="Picture 4" descr="/Users/abraxas/Library/Group Containers/L48J367XN4.com.infraware.PolarisOffice/EngineTemp/58567/image11.png"/>
+          <p:cNvPicPr>
+            <a:picLocks noChangeAspect="1"/>
+          </p:cNvPicPr>
+          <p:nvPr/>
+        </p:nvPicPr>
+        <p:blipFill rotWithShape="1">
+          <a:blip r:embed="rId2" cstate="print">
+            <a:extLst>
+              <a:ext uri="{28A0092B-C50C-407E-A947-70E740481C1C}">
+                <a14:useLocalDpi xmlns:a14="http://schemas.microsoft.com/office/drawing/2010/main" val="0"/>
+              </a:ext>
+            </a:extLst>
+          </a:blip>
+          <a:stretch>
+            <a:fillRect/>
+          </a:stretch>
+        </p:blipFill>
+        <p:spPr bwMode="auto">
+          <a:xfrm rot="0">
+            <a:off x="5560060" y="1675130"/>
+            <a:ext cx="3096260" cy="3096260"/>
+          </a:xfrm>
+          <a:prstGeom prst="rect"/>
+          <a:solidFill>
+            <a:srgbClr val="FFFFFF"/>
+          </a:solidFill>
+          <a:ln w="0">
+            <a:noFill/>
+            <a:prstDash/>
+          </a:ln>
+        </p:spPr>
+      </p:pic>
+      <p:sp>
+        <p:nvSpPr>
+          <p:cNvPr id="3" name="Titel 2"/>
+          <p:cNvSpPr txBox="1">
+            <a:spLocks noGrp="1"/>
+          </p:cNvSpPr>
+          <p:nvPr>
+            <p:ph type="title"/>
+          </p:nvPr>
+        </p:nvSpPr>
+        <p:spPr>
+          <a:xfrm rot="0">
+            <a:off x="319405" y="972185"/>
+            <a:ext cx="8509635" cy="410845"/>
+          </a:xfrm>
+          <a:prstGeom prst="rect"/>
+          <a:noFill/>
+          <a:ln w="0">
+            <a:noFill/>
+            <a:prstDash/>
+          </a:ln>
+        </p:spPr>
+        <p:txBody>
+          <a:bodyPr wrap="square" lIns="0" tIns="0" rIns="0" bIns="0" numCol="1" vert="horz" anchor="t">
+            <a:normAutofit fontScale="100000" lnSpcReduction="0"/>
+          </a:bodyPr>
+          <a:lstStyle/>
+          <a:p>
+            <a:pPr marL="0" indent="0" latinLnBrk="0">
+              <a:buFontTx/>
+              <a:buNone/>
+            </a:pPr>
+            <a:r>
+              <a:rPr lang="en-GB" sz="2500" b="0">
+                <a:latin typeface="Arial" charset="0"/>
+                <a:ea typeface="Times New Roman" charset="0"/>
+                <a:cs typeface="+mj-cs"/>
+              </a:rPr>
+              <a:t>Introduction</a:t>
+            </a:r>
+            <a:endParaRPr lang="ko-KR" altLang="en-US"/>
+          </a:p>
+        </p:txBody>
+      </p:sp>
+      <p:sp>
+        <p:nvSpPr>
+          <p:cNvPr id="3077" name="Textfeld 3"/>
+          <p:cNvSpPr txBox="1">
+            <a:spLocks/>
+          </p:cNvSpPr>
+          <p:nvPr/>
+        </p:nvSpPr>
+        <p:spPr>
+          <a:xfrm rot="0">
+            <a:off x="246380" y="1384935"/>
+            <a:ext cx="4019549" cy="308610"/>
+          </a:xfrm>
+          <a:prstGeom prst="rect"/>
+          <a:noFill/>
+          <a:ln w="0">
+            <a:noFill/>
+            <a:prstDash/>
+          </a:ln>
+        </p:spPr>
+        <p:txBody>
+          <a:bodyPr wrap="square" lIns="89535" tIns="46355" rIns="89535" bIns="46355" vert="horz" anchor="t">
+            <a:spAutoFit/>
+          </a:bodyPr>
+          <a:lstStyle/>
+          <a:p>
+            <a:pPr marL="0" indent="0" algn="l" hangingPunct="1"/>
+            <a:r>
+              <a:rPr sz="1400">
+                <a:latin typeface="Arial" charset="0"/>
+                <a:ea typeface="Arial" charset="0"/>
+                <a:cs typeface="Arial" charset="0"/>
+              </a:rPr>
+              <a:t>Knowledge</a:t>
+            </a:r>
+            <a:r>
+              <a:rPr sz="1400">
+                <a:latin typeface="Arial" charset="0"/>
+                <a:ea typeface="Arial" charset="0"/>
+              </a:rPr>
+              <a:t> Graphs</a:t>
+            </a:r>
+            <a:endParaRPr lang="ko-KR" altLang="en-US" sz="1400">
+              <a:latin typeface="Arial" charset="0"/>
+              <a:ea typeface="Arial" charset="0"/>
+            </a:endParaRPr>
+          </a:p>
+        </p:txBody>
+      </p:sp>
+    </p:spTree>
+    <p:extLst>
+      <p:ext uri="{BB962C8B-B14F-4D97-AF65-F5344CB8AC3E}">
+        <p14:creationId xmlns:p14="http://schemas.microsoft.com/office/powerpoint/2010/main" val="1316809644"/>
+      </p:ext>
+    </p:extLst>
+  </p:cSld>
+  <p:clrMapOvr>
+    <a:masterClrMapping/>
+  </p:clrMapOvr>
+  <mc:AlternateContent xmlns:mc="http://schemas.openxmlformats.org/markup-compatibility/2006">
+    <mc:Choice xmlns:p14="http://schemas.microsoft.com/office/powerpoint/2010/main" Requires="p14">
+      <p:transition spd="slow" p14:dur="2000"/>
+    </mc:Choice>
+    <mc:Fallback>
+      <p:transition spd="slow"/>
+    </mc:Fallback>
+  </mc:AlternateContent>
+  <p:timing>
+    <p:tnLst>
+      <p:par>
+        <p:cTn id="1" dur="indefinite" restart="never" nodeType="tmRoot"/>
+      </p:par>
+    </p:tnLst>
+  </p:timing>
+</p:sld>
+</file>
+
+<file path=ppt/slides/slide5.xml><?xml version="1.0" encoding="utf-8"?>
+<p:sld xmlns:a="http://schemas.openxmlformats.org/drawingml/2006/main" xmlns:r="http://schemas.openxmlformats.org/officeDocument/2006/relationships" xmlns:p="http://schemas.openxmlformats.org/presentationml/2006/main" xmlns:p14="http://schemas.microsoft.com/office/powerpoint/2010/main">
   <p:cSld>
     <p:spTree>
       <p:nvGrpSpPr>
@@ -8861,20 +9122,18 @@
           </p:nvPr>
         </p:nvSpPr>
         <p:spPr>
-          <a:xfrm>
-            <a:off x="319405" y="1600200"/>
-            <a:ext cx="8509635" cy="506095"/>
+          <a:xfrm rot="0">
+            <a:off x="290195" y="2879090"/>
+            <a:ext cx="3242310" cy="1521460"/>
           </a:xfrm>
-          <a:prstGeom prst="rect">
-            <a:avLst/>
-          </a:prstGeom>
+          <a:prstGeom prst="rect"/>
           <a:ln w="0">
             <a:noFill/>
             <a:prstDash/>
           </a:ln>
         </p:spPr>
         <p:txBody>
-          <a:bodyPr vert="horz" wrap="square" lIns="0" tIns="0" rIns="0" bIns="0" numCol="1" anchor="t">
+          <a:bodyPr wrap="square" lIns="0" tIns="0" rIns="0" bIns="0" numCol="1" vert="horz" anchor="t">
             <a:noAutofit/>
           </a:bodyPr>
           <a:lstStyle>
@@ -8888,14 +9147,81 @@
             </a:lvl1pPr>
           </a:lstStyle>
           <a:p>
-            <a:pPr marL="0" indent="0" rtl="0"/>
+            <a:pPr marL="0" indent="0" rtl="0" latinLnBrk="0">
+              <a:buFontTx/>
+              <a:buNone/>
+            </a:pPr>
+            <a:r>
+              <a:rPr lang="de-DE" altLang="en-US" sz="1400">
+                <a:latin typeface="Arial" charset="0"/>
+                <a:ea typeface="Times New Roman" charset="0"/>
+                <a:cs typeface="+mn-cs"/>
+              </a:rPr>
+              <a:t>What</a:t>
+            </a:r>
             <a:r>
               <a:rPr lang="de-DE" sz="1400">
                 <a:latin typeface="Arial" charset="0"/>
                 <a:ea typeface="Times New Roman" charset="0"/>
                 <a:cs typeface="+mn-cs"/>
               </a:rPr>
-              <a:t>What are LLM’s and why are they important for us ?</a:t>
+              <a:t> are LLM’s and why are they </a:t>
+            </a:r>
+            <a:r>
+              <a:rPr lang="de-DE" altLang="en-US" sz="1400">
+                <a:latin typeface="Arial" charset="0"/>
+                <a:ea typeface="Times New Roman" charset="0"/>
+                <a:cs typeface="+mn-cs"/>
+              </a:rPr>
+              <a:t>important</a:t>
+            </a:r>
+            <a:r>
+              <a:rPr lang="de-DE" sz="1400">
+                <a:latin typeface="Arial" charset="0"/>
+                <a:ea typeface="Times New Roman" charset="0"/>
+                <a:cs typeface="+mn-cs"/>
+              </a:rPr>
+              <a:t> </a:t>
+            </a:r>
+            <a:r>
+              <a:rPr lang="de-DE" altLang="en-US" sz="1400">
+                <a:latin typeface="Arial" charset="0"/>
+                <a:ea typeface="Times New Roman" charset="0"/>
+                <a:cs typeface="+mn-cs"/>
+              </a:rPr>
+              <a:t>for</a:t>
+            </a:r>
+            <a:r>
+              <a:rPr lang="de-DE" sz="1400">
+                <a:latin typeface="Arial" charset="0"/>
+                <a:ea typeface="Times New Roman" charset="0"/>
+                <a:cs typeface="+mn-cs"/>
+              </a:rPr>
+              <a:t> </a:t>
+            </a:r>
+            <a:r>
+              <a:rPr lang="de-DE" altLang="en-US" sz="1400">
+                <a:latin typeface="Arial" charset="0"/>
+                <a:ea typeface="Times New Roman" charset="0"/>
+                <a:cs typeface="+mn-cs"/>
+              </a:rPr>
+              <a:t>us</a:t>
+            </a:r>
+            <a:r>
+              <a:rPr lang="de-DE" sz="1400">
+                <a:latin typeface="Arial" charset="0"/>
+                <a:ea typeface="Times New Roman" charset="0"/>
+                <a:cs typeface="+mn-cs"/>
+              </a:rPr>
+              <a:t> </a:t>
+            </a:r>
+            <a:r>
+              <a:rPr lang="de-DE" altLang="en-US" sz="1400">
+                <a:latin typeface="Arial" charset="0"/>
+                <a:ea typeface="Times New Roman" charset="0"/>
+                <a:cs typeface="+mn-cs"/>
+              </a:rPr>
+              <a:t>?</a:t>
             </a:r>
             <a:endParaRPr lang="ko-KR" altLang="en-US" sz="1400">
               <a:latin typeface="Arial" charset="0"/>
@@ -8916,20 +9242,18 @@
           </p:nvPr>
         </p:nvSpPr>
         <p:spPr>
-          <a:xfrm>
-            <a:off x="319405" y="972185"/>
-            <a:ext cx="8509635" cy="407035"/>
+          <a:xfrm rot="0">
+            <a:off x="319405" y="977900"/>
+            <a:ext cx="8510270" cy="407035"/>
           </a:xfrm>
-          <a:prstGeom prst="rect">
-            <a:avLst/>
-          </a:prstGeom>
+          <a:prstGeom prst="rect"/>
           <a:ln w="0">
             <a:noFill/>
             <a:prstDash/>
           </a:ln>
         </p:spPr>
         <p:txBody>
-          <a:bodyPr vert="horz" wrap="square" lIns="0" tIns="0" rIns="0" bIns="0" numCol="1" anchor="t">
+          <a:bodyPr wrap="square" lIns="0" tIns="0" rIns="0" bIns="0" numCol="1" vert="horz" anchor="t">
             <a:spAutoFit/>
           </a:bodyPr>
           <a:lstStyle>
@@ -8943,14 +9267,25 @@
             </a:lvl1pPr>
           </a:lstStyle>
           <a:p>
-            <a:pPr marL="0" indent="0" rtl="0"/>
+            <a:pPr marL="0" indent="0" rtl="0" latinLnBrk="0">
+              <a:buFontTx/>
+              <a:buNone/>
+            </a:pPr>
+            <a:r>
+              <a:rPr lang="de-DE" altLang="en-US" sz="2500" b="0">
+                <a:latin typeface="Arial" charset="0"/>
+                <a:ea typeface="Times New Roman" charset="0"/>
+                <a:cs typeface="+mj-cs"/>
+              </a:rPr>
+              <a:t>Introduction</a:t>
+            </a:r>
             <a:r>
               <a:rPr lang="de-DE" sz="2500" b="0">
                 <a:latin typeface="Arial" charset="0"/>
                 <a:ea typeface="Times New Roman" charset="0"/>
                 <a:cs typeface="+mj-cs"/>
               </a:rPr>
-              <a:t>Introduction and Motivation</a:t>
+              <a:t> </a:t>
             </a:r>
             <a:endParaRPr lang="ko-KR" altLang="en-US" sz="2500" b="0">
               <a:latin typeface="Arial" charset="0"/>
@@ -8962,35 +9297,32 @@
       </p:sp>
       <p:pic>
         <p:nvPicPr>
-          <p:cNvPr id="2" name="Inhaltsplatzhalter 2" descr="/Users/abraxas/Library/Group Containers/L48J367XN4.com.infraware.PolarisOffice/EngineTemp/46739/fImage160982356324.png"/>
+          <p:cNvPr id="2" name="Inhaltsplatzhalter 2" descr="/Users/abraxas/Library/Group Containers/L48J367XN4.com.infraware.PolarisOffice/EngineTemp/58567/image5.png"/>
           <p:cNvPicPr>
-            <a:picLocks noGrp="1" noChangeAspect="1"/>
+            <a:picLocks noChangeAspect="1" noGrp="1"/>
           </p:cNvPicPr>
           <p:nvPr>
-            <p:ph idx="1"/>
+            <p:ph type="obj" idx="1"/>
           </p:nvPr>
         </p:nvPicPr>
         <p:blipFill rotWithShape="1">
-          <a:blip r:embed="rId2" cstate="print">
+          <a:blip r:embed="rId2" cstate="hqprint">
             <a:extLst>
               <a:ext uri="{28A0092B-C50C-407E-A947-70E740481C1C}">
-                <a14:useLocalDpi xmlns:a14="http://schemas.microsoft.com/office/drawing/2010/main" val="0"/>
+                <a14:useLocalDpi xmlns:a14="http://schemas.microsoft.com/office/drawing/2010/main"/>
               </a:ext>
             </a:extLst>
           </a:blip>
-          <a:srcRect/>
           <a:stretch>
             <a:fillRect/>
           </a:stretch>
         </p:blipFill>
         <p:spPr>
-          <a:xfrm>
-            <a:off x="1166495" y="1902460"/>
-            <a:ext cx="6220460" cy="3088640"/>
+          <a:xfrm rot="0">
+            <a:off x="3098165" y="2124075"/>
+            <a:ext cx="5978525" cy="2968625"/>
           </a:xfrm>
-          <a:prstGeom prst="rect">
-            <a:avLst/>
-          </a:prstGeom>
+          <a:prstGeom prst="rect"/>
           <a:noFill/>
           <a:ln w="0">
             <a:noFill/>
@@ -8998,16 +9330,81 @@
           </a:ln>
         </p:spPr>
       </p:pic>
+      <p:sp>
+        <p:nvSpPr>
+          <p:cNvPr id="5" name="Textfeld 4"/>
+          <p:cNvSpPr txBox="1">
+            <a:spLocks/>
+          </p:cNvSpPr>
+          <p:nvPr/>
+        </p:nvSpPr>
+        <p:spPr>
+          <a:xfrm rot="0">
+            <a:off x="246380" y="1384935"/>
+            <a:ext cx="4019549" cy="308610"/>
+          </a:xfrm>
+          <a:prstGeom prst="rect"/>
+          <a:noFill/>
+          <a:ln w="0">
+            <a:noFill/>
+            <a:prstDash/>
+          </a:ln>
+        </p:spPr>
+        <p:txBody>
+          <a:bodyPr wrap="square" lIns="89535" tIns="46355" rIns="89535" bIns="46355" vert="horz" anchor="t">
+            <a:spAutoFit/>
+          </a:bodyPr>
+          <a:lstStyle/>
+          <a:p>
+            <a:pPr marL="0" indent="0" algn="l" hangingPunct="1"/>
+            <a:r>
+              <a:rPr sz="1400">
+                <a:latin typeface="Arial" charset="0"/>
+                <a:ea typeface="Arial" charset="0"/>
+                <a:cs typeface="Arial" charset="0"/>
+              </a:rPr>
+              <a:t>Large</a:t>
+            </a:r>
+            <a:r>
+              <a:rPr sz="1400">
+                <a:latin typeface="Arial" charset="0"/>
+                <a:ea typeface="Arial" charset="0"/>
+                <a:cs typeface="Arial" charset="0"/>
+              </a:rPr>
+              <a:t> Language Model</a:t>
+            </a:r>
+            <a:endParaRPr lang="ko-KR" altLang="en-US" sz="1400">
+              <a:latin typeface="Arial" charset="0"/>
+              <a:ea typeface="Arial" charset="0"/>
+            </a:endParaRPr>
+          </a:p>
+        </p:txBody>
+      </p:sp>
     </p:spTree>
   </p:cSld>
   <p:clrMapOvr>
     <a:masterClrMapping/>
   </p:clrMapOvr>
+  <mc:AlternateContent xmlns:mc="http://schemas.openxmlformats.org/markup-compatibility/2006">
+    <mc:Choice xmlns:p14="http://schemas.microsoft.com/office/powerpoint/2010/main" Requires="p14">
+      <p:transition spd="slow" p14:dur="2000"/>
+    </mc:Choice>
+    <mc:Fallback>
+      <p:transition spd="slow"/>
+    </mc:Fallback>
+  </mc:AlternateContent>
+  <p:timing>
+    <p:tnLst>
+      <p:par>
+        <p:cTn id="1" dur="indefinite" restart="never" nodeType="tmRoot"/>
+      </p:par>
+    </p:tnLst>
+  </p:timing>
 </p:sld>
 </file>
 
-<file path=ppt/slides/slide4.xml><?xml version="1.0" encoding="utf-8"?>
-<p:sld xmlns:a="http://schemas.openxmlformats.org/drawingml/2006/main" xmlns:r="http://schemas.openxmlformats.org/officeDocument/2006/relationships" xmlns:p="http://schemas.openxmlformats.org/presentationml/2006/main">
+<file path=ppt/slides/slide6.xml><?xml version="1.0" encoding="utf-8"?>
+<p:sld xmlns:a="http://schemas.openxmlformats.org/drawingml/2006/main" xmlns:r="http://schemas.openxmlformats.org/officeDocument/2006/relationships" xmlns:p="http://schemas.openxmlformats.org/presentationml/2006/main" xmlns:p14="http://schemas.microsoft.com/office/powerpoint/2010/main">
   <p:cSld>
     <p:spTree>
       <p:nvGrpSpPr>
@@ -9034,20 +9431,18 @@
           </p:nvPr>
         </p:nvSpPr>
         <p:spPr>
-          <a:xfrm>
-            <a:off x="319405" y="1600200"/>
-            <a:ext cx="8509635" cy="506095"/>
+          <a:xfrm rot="0">
+            <a:off x="80010" y="2897505"/>
+            <a:ext cx="4185919" cy="705485"/>
           </a:xfrm>
-          <a:prstGeom prst="rect">
-            <a:avLst/>
-          </a:prstGeom>
+          <a:prstGeom prst="rect"/>
           <a:ln w="0">
             <a:noFill/>
             <a:prstDash/>
           </a:ln>
         </p:spPr>
         <p:txBody>
-          <a:bodyPr vert="horz" wrap="square" lIns="0" tIns="0" rIns="0" bIns="0" numCol="1" anchor="t">
+          <a:bodyPr wrap="square" lIns="0" tIns="0" rIns="0" bIns="0" numCol="1" vert="horz" anchor="t">
             <a:noAutofit/>
           </a:bodyPr>
           <a:lstStyle>
@@ -9066,6 +9461,17 @@
               <a:buNone/>
             </a:pPr>
             <a:r>
+              <a:rPr lang="de-DE" altLang="en-US" sz="1400">
+                <a:solidFill>
+                  <a:schemeClr val="tx1"/>
+                </a:solidFill>
+                <a:latin typeface="Arial" charset="0"/>
+                <a:ea typeface="Times New Roman" charset="0"/>
+                <a:cs typeface="+mn-cs"/>
+              </a:rPr>
+              <a:t>What</a:t>
+            </a:r>
+            <a:r>
               <a:rPr lang="de-DE" sz="1400">
                 <a:solidFill>
                   <a:schemeClr val="tx1"/>
@@ -9074,7 +9480,62 @@
                 <a:ea typeface="Times New Roman" charset="0"/>
                 <a:cs typeface="+mn-cs"/>
               </a:rPr>
-              <a:t>What are LLM’s and why are they important for us ?</a:t>
+              <a:t> are LLM’s and why are they important </a:t>
+            </a:r>
+            <a:r>
+              <a:rPr lang="de-DE" altLang="en-US" sz="1400">
+                <a:solidFill>
+                  <a:schemeClr val="tx1"/>
+                </a:solidFill>
+                <a:latin typeface="Arial" charset="0"/>
+                <a:ea typeface="Times New Roman" charset="0"/>
+                <a:cs typeface="+mn-cs"/>
+              </a:rPr>
+              <a:t>for</a:t>
+            </a:r>
+            <a:r>
+              <a:rPr lang="de-DE" sz="1400">
+                <a:solidFill>
+                  <a:schemeClr val="tx1"/>
+                </a:solidFill>
+                <a:latin typeface="Arial" charset="0"/>
+                <a:ea typeface="Times New Roman" charset="0"/>
+                <a:cs typeface="+mn-cs"/>
+              </a:rPr>
+              <a:t> </a:t>
+            </a:r>
+            <a:r>
+              <a:rPr lang="de-DE" altLang="en-US" sz="1400">
+                <a:solidFill>
+                  <a:schemeClr val="tx1"/>
+                </a:solidFill>
+                <a:latin typeface="Arial" charset="0"/>
+                <a:ea typeface="Times New Roman" charset="0"/>
+                <a:cs typeface="+mn-cs"/>
+              </a:rPr>
+              <a:t>us</a:t>
+            </a:r>
+            <a:r>
+              <a:rPr lang="de-DE" sz="1400">
+                <a:solidFill>
+                  <a:schemeClr val="tx1"/>
+                </a:solidFill>
+                <a:latin typeface="Arial" charset="0"/>
+                <a:ea typeface="Times New Roman" charset="0"/>
+                <a:cs typeface="+mn-cs"/>
+              </a:rPr>
+              <a:t> </a:t>
+            </a:r>
+            <a:r>
+              <a:rPr lang="de-DE" altLang="en-US" sz="1400">
+                <a:solidFill>
+                  <a:schemeClr val="tx1"/>
+                </a:solidFill>
+                <a:latin typeface="Arial" charset="0"/>
+                <a:ea typeface="Times New Roman" charset="0"/>
+                <a:cs typeface="+mn-cs"/>
+              </a:rPr>
+              <a:t>?</a:t>
             </a:r>
             <a:endParaRPr lang="ko-KR" altLang="en-US" sz="1400">
               <a:solidFill>
@@ -9100,7 +9561,7 @@
         <p:spPr>
           <a:xfrm>
             <a:off x="319405" y="972185"/>
-            <a:ext cx="8509635" cy="410845"/>
+            <a:ext cx="8510270" cy="411480"/>
           </a:xfrm>
           <a:prstGeom prst="rect">
             <a:avLst/>
@@ -9111,7 +9572,7 @@
           </a:ln>
         </p:spPr>
         <p:txBody>
-          <a:bodyPr vert="horz" wrap="square" lIns="0" tIns="0" rIns="0" bIns="0" numCol="1" anchor="t">
+          <a:bodyPr wrap="square" lIns="0" tIns="0" rIns="0" bIns="0" numCol="1" vert="horz" anchor="t">
             <a:noAutofit/>
           </a:bodyPr>
           <a:lstStyle>
@@ -9130,6 +9591,17 @@
               <a:buNone/>
             </a:pPr>
             <a:r>
+              <a:rPr lang="de-DE" altLang="en-US" sz="2500" b="0">
+                <a:solidFill>
+                  <a:schemeClr val="tx1"/>
+                </a:solidFill>
+                <a:latin typeface="Arial" charset="0"/>
+                <a:ea typeface="Times New Roman" charset="0"/>
+                <a:cs typeface="+mj-cs"/>
+              </a:rPr>
+              <a:t>Introduction</a:t>
+            </a:r>
+            <a:r>
               <a:rPr lang="de-DE" sz="2500" b="0">
                 <a:solidFill>
                   <a:schemeClr val="tx1"/>
@@ -9138,7 +9610,7 @@
                 <a:ea typeface="Times New Roman" charset="0"/>
                 <a:cs typeface="+mj-cs"/>
               </a:rPr>
-              <a:t>Introduction and Motivation</a:t>
+              <a:t> </a:t>
             </a:r>
             <a:endParaRPr lang="ko-KR" altLang="en-US" sz="2500" b="0">
               <a:solidFill>
@@ -9153,35 +9625,32 @@
       </p:sp>
       <p:pic>
         <p:nvPicPr>
-          <p:cNvPr id="3" name="Inhaltsplatzhalter 2" descr="/Users/abraxas/Library/Group Containers/L48J367XN4.com.infraware.PolarisOffice/EngineTemp/46739/fImage309233072463.jpeg"/>
+          <p:cNvPr id="3" name="Inhaltsplatzhalter 2" descr="/Users/abraxas/Library/Group Containers/L48J367XN4.com.infraware.PolarisOffice/EngineTemp/58567/image6.jpeg"/>
           <p:cNvPicPr>
-            <a:picLocks noGrp="1" noChangeAspect="1"/>
+            <a:picLocks noChangeAspect="1" noGrp="1"/>
           </p:cNvPicPr>
           <p:nvPr>
-            <p:ph idx="1"/>
+            <p:ph type="obj" idx="1"/>
           </p:nvPr>
         </p:nvPicPr>
         <p:blipFill rotWithShape="1">
-          <a:blip r:embed="rId2" cstate="print">
+          <a:blip r:embed="rId2" cstate="hqprint">
             <a:extLst>
               <a:ext uri="{28A0092B-C50C-407E-A947-70E740481C1C}">
-                <a14:useLocalDpi xmlns:a14="http://schemas.microsoft.com/office/drawing/2010/main" val="0"/>
+                <a14:useLocalDpi xmlns:a14="http://schemas.microsoft.com/office/drawing/2010/main"/>
               </a:ext>
             </a:extLst>
           </a:blip>
-          <a:srcRect/>
           <a:stretch>
             <a:fillRect/>
           </a:stretch>
         </p:blipFill>
         <p:spPr>
-          <a:xfrm>
-            <a:off x="1610995" y="2018665"/>
-            <a:ext cx="5372735" cy="2863850"/>
+          <a:xfrm rot="0">
+            <a:off x="4306570" y="2552700"/>
+            <a:ext cx="4872355" cy="2594610"/>
           </a:xfrm>
-          <a:prstGeom prst="rect">
-            <a:avLst/>
-          </a:prstGeom>
+          <a:prstGeom prst="rect"/>
           <a:noFill/>
           <a:ln w="0">
             <a:noFill/>
@@ -9189,16 +9658,81 @@
           </a:ln>
         </p:spPr>
       </p:pic>
+      <p:sp>
+        <p:nvSpPr>
+          <p:cNvPr id="6" name="Textfeld 5"/>
+          <p:cNvSpPr txBox="1">
+            <a:spLocks/>
+          </p:cNvSpPr>
+          <p:nvPr/>
+        </p:nvSpPr>
+        <p:spPr>
+          <a:xfrm rot="0">
+            <a:off x="246380" y="1384935"/>
+            <a:ext cx="4019549" cy="308610"/>
+          </a:xfrm>
+          <a:prstGeom prst="rect"/>
+          <a:noFill/>
+          <a:ln w="0">
+            <a:noFill/>
+            <a:prstDash/>
+          </a:ln>
+        </p:spPr>
+        <p:txBody>
+          <a:bodyPr wrap="square" lIns="89535" tIns="46355" rIns="89535" bIns="46355" vert="horz" anchor="t">
+            <a:spAutoFit/>
+          </a:bodyPr>
+          <a:lstStyle/>
+          <a:p>
+            <a:pPr marL="0" indent="0" algn="l" hangingPunct="1"/>
+            <a:r>
+              <a:rPr sz="1400">
+                <a:latin typeface="Arial" charset="0"/>
+                <a:ea typeface="Arial" charset="0"/>
+                <a:cs typeface="Arial" charset="0"/>
+              </a:rPr>
+              <a:t>Large</a:t>
+            </a:r>
+            <a:r>
+              <a:rPr sz="1400">
+                <a:latin typeface="Arial" charset="0"/>
+                <a:ea typeface="Arial" charset="0"/>
+                <a:cs typeface="Arial" charset="0"/>
+              </a:rPr>
+              <a:t> Language Model</a:t>
+            </a:r>
+            <a:endParaRPr lang="ko-KR" altLang="en-US" sz="1400">
+              <a:latin typeface="Arial" charset="0"/>
+              <a:ea typeface="Arial" charset="0"/>
+            </a:endParaRPr>
+          </a:p>
+        </p:txBody>
+      </p:sp>
     </p:spTree>
   </p:cSld>
   <p:clrMapOvr>
     <a:masterClrMapping/>
   </p:clrMapOvr>
+  <mc:AlternateContent xmlns:mc="http://schemas.openxmlformats.org/markup-compatibility/2006">
+    <mc:Choice xmlns:p14="http://schemas.microsoft.com/office/powerpoint/2010/main" Requires="p14">
+      <p:transition spd="slow" p14:dur="2000"/>
+    </mc:Choice>
+    <mc:Fallback>
+      <p:transition spd="slow"/>
+    </mc:Fallback>
+  </mc:AlternateContent>
+  <p:timing>
+    <p:tnLst>
+      <p:par>
+        <p:cTn id="1" dur="indefinite" restart="never" nodeType="tmRoot"/>
+      </p:par>
+    </p:tnLst>
+  </p:timing>
 </p:sld>
 </file>
 
-<file path=ppt/slides/slide5.xml><?xml version="1.0" encoding="utf-8"?>
-<p:sld xmlns:a="http://schemas.openxmlformats.org/drawingml/2006/main" xmlns:r="http://schemas.openxmlformats.org/officeDocument/2006/relationships" xmlns:p="http://schemas.openxmlformats.org/presentationml/2006/main">
+<file path=ppt/slides/slide7.xml><?xml version="1.0" encoding="utf-8"?>
+<p:sld xmlns:a="http://schemas.openxmlformats.org/drawingml/2006/main" xmlns:r="http://schemas.openxmlformats.org/officeDocument/2006/relationships" xmlns:p="http://schemas.openxmlformats.org/presentationml/2006/main" xmlns:p14="http://schemas.microsoft.com/office/powerpoint/2010/main">
   <p:cSld>
     <p:spTree>
       <p:nvGrpSpPr>
@@ -9225,20 +9759,18 @@
           </p:nvPr>
         </p:nvSpPr>
         <p:spPr>
-          <a:xfrm>
-            <a:off x="319405" y="1600200"/>
-            <a:ext cx="8509635" cy="506095"/>
+          <a:xfrm rot="0">
+            <a:off x="125730" y="2867660"/>
+            <a:ext cx="8510270" cy="506730"/>
           </a:xfrm>
-          <a:prstGeom prst="rect">
-            <a:avLst/>
-          </a:prstGeom>
+          <a:prstGeom prst="rect"/>
           <a:ln w="0">
             <a:noFill/>
             <a:prstDash/>
           </a:ln>
         </p:spPr>
         <p:txBody>
-          <a:bodyPr vert="horz" wrap="square" lIns="0" tIns="0" rIns="0" bIns="0" numCol="1" anchor="t">
+          <a:bodyPr wrap="square" lIns="0" tIns="0" rIns="0" bIns="0" numCol="1" vert="horz" anchor="t">
             <a:noAutofit/>
           </a:bodyPr>
           <a:lstStyle>
@@ -9252,7 +9784,7 @@
             </a:lvl1pPr>
           </a:lstStyle>
           <a:p>
-            <a:pPr marL="0" indent="0" algn="l" rtl="0" eaLnBrk="0" fontAlgn="base" latinLnBrk="0" hangingPunct="0">
+            <a:pPr marL="0" indent="0" rtl="0" algn="l" fontAlgn="base" eaLnBrk="0" latinLnBrk="0" hangingPunct="0">
               <a:lnSpc>
                 <a:spcPct val="114000"/>
               </a:lnSpc>
@@ -9266,6 +9798,17 @@
               <a:buNone/>
             </a:pPr>
             <a:r>
+              <a:rPr lang="de-DE" altLang="en-US" sz="1400">
+                <a:solidFill>
+                  <a:schemeClr val="tx1"/>
+                </a:solidFill>
+                <a:latin typeface="Arial" charset="0"/>
+                <a:ea typeface="Times New Roman" charset="0"/>
+                <a:cs typeface="+mn-cs"/>
+              </a:rPr>
+              <a:t>What</a:t>
+            </a:r>
+            <a:r>
               <a:rPr lang="de-DE" sz="1400">
                 <a:solidFill>
                   <a:schemeClr val="tx1"/>
@@ -9274,7 +9817,7 @@
                 <a:ea typeface="Times New Roman" charset="0"/>
                 <a:cs typeface="+mn-cs"/>
               </a:rPr>
-              <a:t>What are LLM’s and why are they important for us ?</a:t>
+              <a:t> are LLM’s and why are they important for us ?</a:t>
             </a:r>
             <a:endParaRPr lang="ko-KR" altLang="en-US" sz="1400">
               <a:solidFill>
@@ -9286,7 +9829,10 @@
             </a:endParaRPr>
           </a:p>
           <a:p>
-            <a:pPr marL="0" indent="0" rtl="0"/>
+            <a:pPr marL="0" indent="0" rtl="0" latinLnBrk="0">
+              <a:buFontTx/>
+              <a:buNone/>
+            </a:pPr>
             <a:endParaRPr lang="ko-KR" altLang="en-US" sz="1400">
               <a:latin typeface="Arial" charset="0"/>
               <a:ea typeface="Times New Roman" charset="0"/>
@@ -9308,7 +9854,7 @@
         <p:spPr>
           <a:xfrm>
             <a:off x="332105" y="981075"/>
-            <a:ext cx="8496935" cy="407035"/>
+            <a:ext cx="8497570" cy="407035"/>
           </a:xfrm>
           <a:prstGeom prst="rect">
             <a:avLst/>
@@ -9319,7 +9865,7 @@
           </a:ln>
         </p:spPr>
         <p:txBody>
-          <a:bodyPr vert="horz" wrap="square" lIns="0" tIns="0" rIns="0" bIns="0" numCol="1" anchor="t">
+          <a:bodyPr wrap="square" lIns="0" tIns="0" rIns="0" bIns="0" numCol="1" vert="horz" anchor="t">
             <a:spAutoFit/>
           </a:bodyPr>
           <a:lstStyle>
@@ -9333,7 +9879,7 @@
             </a:lvl1pPr>
           </a:lstStyle>
           <a:p>
-            <a:pPr marL="0" indent="0" algn="l" rtl="0" eaLnBrk="0" fontAlgn="base" latinLnBrk="0" hangingPunct="0">
+            <a:pPr marL="0" indent="0" rtl="0" algn="l" fontAlgn="base" eaLnBrk="0" latinLnBrk="0" hangingPunct="0">
               <a:lnSpc>
                 <a:spcPts val="3200"/>
               </a:lnSpc>
@@ -9347,6 +9893,17 @@
               <a:buNone/>
             </a:pPr>
             <a:r>
+              <a:rPr lang="de-DE" altLang="en-US" sz="2500" b="0">
+                <a:solidFill>
+                  <a:schemeClr val="tx1"/>
+                </a:solidFill>
+                <a:latin typeface="Arial" charset="0"/>
+                <a:ea typeface="Times New Roman" charset="0"/>
+                <a:cs typeface="+mj-cs"/>
+              </a:rPr>
+              <a:t>Introduction</a:t>
+            </a:r>
+            <a:r>
               <a:rPr lang="de-DE" sz="2500" b="0">
                 <a:solidFill>
                   <a:schemeClr val="tx1"/>
@@ -9355,7 +9912,7 @@
                 <a:ea typeface="Times New Roman" charset="0"/>
                 <a:cs typeface="+mj-cs"/>
               </a:rPr>
-              <a:t>Introduction and Motivation</a:t>
+              <a:t> </a:t>
             </a:r>
             <a:endParaRPr lang="ko-KR" altLang="en-US" sz="2500" b="0">
               <a:solidFill>
@@ -9370,35 +9927,32 @@
       </p:sp>
       <p:pic>
         <p:nvPicPr>
-          <p:cNvPr id="2" name="Inhaltsplatzhalter 2" descr="/Users/abraxas/Library/Group Containers/L48J367XN4.com.infraware.PolarisOffice/EngineTemp/46739/fImage2211063404877.png"/>
+          <p:cNvPr id="2" name="Inhaltsplatzhalter 2" descr="/Users/abraxas/Library/Group Containers/L48J367XN4.com.infraware.PolarisOffice/EngineTemp/58567/image7.png"/>
           <p:cNvPicPr>
-            <a:picLocks noGrp="1" noChangeAspect="1"/>
+            <a:picLocks noChangeAspect="1" noGrp="1"/>
           </p:cNvPicPr>
           <p:nvPr>
-            <p:ph idx="1"/>
+            <p:ph type="obj" idx="1"/>
           </p:nvPr>
         </p:nvPicPr>
         <p:blipFill rotWithShape="1">
-          <a:blip r:embed="rId2" cstate="print">
+          <a:blip r:embed="rId2" cstate="hqprint">
             <a:extLst>
               <a:ext uri="{28A0092B-C50C-407E-A947-70E740481C1C}">
-                <a14:useLocalDpi xmlns:a14="http://schemas.microsoft.com/office/drawing/2010/main" val="0"/>
+                <a14:useLocalDpi xmlns:a14="http://schemas.microsoft.com/office/drawing/2010/main"/>
               </a:ext>
             </a:extLst>
           </a:blip>
-          <a:srcRect/>
           <a:stretch>
             <a:fillRect/>
           </a:stretch>
         </p:blipFill>
         <p:spPr>
-          <a:xfrm>
-            <a:off x="1871345" y="2106930"/>
-            <a:ext cx="4752975" cy="2874645"/>
+          <a:xfrm rot="0">
+            <a:off x="4634865" y="2388235"/>
+            <a:ext cx="4389755" cy="2658745"/>
           </a:xfrm>
-          <a:prstGeom prst="rect">
-            <a:avLst/>
-          </a:prstGeom>
+          <a:prstGeom prst="rect"/>
           <a:noFill/>
           <a:ln w="0">
             <a:noFill/>
@@ -9406,16 +9960,81 @@
           </a:ln>
         </p:spPr>
       </p:pic>
+      <p:sp>
+        <p:nvSpPr>
+          <p:cNvPr id="5" name="Textfeld 6"/>
+          <p:cNvSpPr txBox="1">
+            <a:spLocks/>
+          </p:cNvSpPr>
+          <p:nvPr/>
+        </p:nvSpPr>
+        <p:spPr>
+          <a:xfrm rot="0">
+            <a:off x="246380" y="1384935"/>
+            <a:ext cx="4019549" cy="308610"/>
+          </a:xfrm>
+          <a:prstGeom prst="rect"/>
+          <a:noFill/>
+          <a:ln w="0">
+            <a:noFill/>
+            <a:prstDash/>
+          </a:ln>
+        </p:spPr>
+        <p:txBody>
+          <a:bodyPr wrap="square" lIns="89535" tIns="46355" rIns="89535" bIns="46355" vert="horz" anchor="t">
+            <a:spAutoFit/>
+          </a:bodyPr>
+          <a:lstStyle/>
+          <a:p>
+            <a:pPr marL="0" indent="0" algn="l" hangingPunct="1"/>
+            <a:r>
+              <a:rPr sz="1400">
+                <a:latin typeface="Arial" charset="0"/>
+                <a:ea typeface="Arial" charset="0"/>
+                <a:cs typeface="Arial" charset="0"/>
+              </a:rPr>
+              <a:t>Large</a:t>
+            </a:r>
+            <a:r>
+              <a:rPr sz="1400">
+                <a:latin typeface="Arial" charset="0"/>
+                <a:ea typeface="Arial" charset="0"/>
+                <a:cs typeface="Arial" charset="0"/>
+              </a:rPr>
+              <a:t> Language Model</a:t>
+            </a:r>
+            <a:endParaRPr lang="ko-KR" altLang="en-US" sz="1400">
+              <a:latin typeface="Arial" charset="0"/>
+              <a:ea typeface="Arial" charset="0"/>
+            </a:endParaRPr>
+          </a:p>
+        </p:txBody>
+      </p:sp>
     </p:spTree>
   </p:cSld>
   <p:clrMapOvr>
     <a:masterClrMapping/>
   </p:clrMapOvr>
+  <mc:AlternateContent xmlns:mc="http://schemas.openxmlformats.org/markup-compatibility/2006">
+    <mc:Choice xmlns:p14="http://schemas.microsoft.com/office/powerpoint/2010/main" Requires="p14">
+      <p:transition spd="slow" p14:dur="2000"/>
+    </mc:Choice>
+    <mc:Fallback>
+      <p:transition spd="slow"/>
+    </mc:Fallback>
+  </mc:AlternateContent>
+  <p:timing>
+    <p:tnLst>
+      <p:par>
+        <p:cTn id="1" dur="indefinite" restart="never" nodeType="tmRoot"/>
+      </p:par>
+    </p:tnLst>
+  </p:timing>
 </p:sld>
 </file>
 
-<file path=ppt/slides/slide6.xml><?xml version="1.0" encoding="utf-8"?>
-<p:sld xmlns:a="http://schemas.openxmlformats.org/drawingml/2006/main" xmlns:r="http://schemas.openxmlformats.org/officeDocument/2006/relationships" xmlns:p="http://schemas.openxmlformats.org/presentationml/2006/main">
+<file path=ppt/slides/slide8.xml><?xml version="1.0" encoding="utf-8"?>
+<p:sld xmlns:a="http://schemas.openxmlformats.org/drawingml/2006/main" xmlns:r="http://schemas.openxmlformats.org/officeDocument/2006/relationships" xmlns:p="http://schemas.openxmlformats.org/presentationml/2006/main" xmlns:p14="http://schemas.microsoft.com/office/powerpoint/2010/main">
   <p:cSld>
     <p:spTree>
       <p:nvGrpSpPr>
@@ -9551,17 +10170,17 @@
       </p:sp>
       <p:pic>
         <p:nvPicPr>
-          <p:cNvPr id="5" name="Bild 9" descr="/Users/abraxas/Library/Group Containers/L48J367XN4.com.infraware.PolarisOffice/EngineTemp/48931/fImage124141475718.png"/>
+          <p:cNvPr id="5" name="Bild 9" descr="/Users/abraxas/Library/Group Containers/L48J367XN4.com.infraware.PolarisOffice/EngineTemp/58567/image8.png"/>
           <p:cNvPicPr>
             <a:picLocks noChangeAspect="1"/>
           </p:cNvPicPr>
           <p:nvPr/>
         </p:nvPicPr>
         <p:blipFill rotWithShape="1">
-          <a:blip r:embed="rId2" cstate="print">
+          <a:blip r:embed="rId2" cstate="hqprint">
             <a:extLst>
               <a:ext uri="{28A0092B-C50C-407E-A947-70E740481C1C}">
-                <a14:useLocalDpi xmlns:a14="http://schemas.microsoft.com/office/drawing/2010/main" val="0"/>
+                <a14:useLocalDpi xmlns:a14="http://schemas.microsoft.com/office/drawing/2010/main"/>
               </a:ext>
             </a:extLst>
           </a:blip>
@@ -9570,13 +10189,11 @@
           </a:stretch>
         </p:blipFill>
         <p:spPr>
-          <a:xfrm>
-            <a:off x="4208780" y="2537460"/>
-            <a:ext cx="4376420" cy="1642110"/>
+          <a:xfrm rot="0">
+            <a:off x="4486275" y="2042160"/>
+            <a:ext cx="4057650" cy="1520190"/>
           </a:xfrm>
-          <a:prstGeom prst="rect">
-            <a:avLst/>
-          </a:prstGeom>
+          <a:prstGeom prst="rect"/>
           <a:noFill/>
         </p:spPr>
       </p:pic>
@@ -9779,15 +10396,59 @@
           </a:p>
         </p:txBody>
       </p:sp>
+      <p:pic>
+        <p:nvPicPr>
+          <p:cNvPr id="7" name="Bild 1" descr="/Users/abraxas/Library/Group Containers/L48J367XN4.com.infraware.PolarisOffice/EngineTemp/58567/fImage42254947304.png"/>
+          <p:cNvPicPr>
+            <a:picLocks noChangeAspect="1"/>
+          </p:cNvPicPr>
+          <p:nvPr/>
+        </p:nvPicPr>
+        <p:blipFill rotWithShape="1">
+          <a:blip r:embed="rId3" cstate="print">
+            <a:extLst>
+              <a:ext uri="{28A0092B-C50C-407E-A947-70E740481C1C}">
+                <a14:useLocalDpi xmlns:a14="http://schemas.microsoft.com/office/drawing/2010/main" val="0"/>
+              </a:ext>
+            </a:extLst>
+          </a:blip>
+          <a:stretch>
+            <a:fillRect/>
+          </a:stretch>
+        </p:blipFill>
+        <p:spPr>
+          <a:xfrm rot="0">
+            <a:off x="4311650" y="3491230"/>
+            <a:ext cx="4518025" cy="1495425"/>
+          </a:xfrm>
+          <a:prstGeom prst="rect"/>
+          <a:noFill/>
+        </p:spPr>
+      </p:pic>
     </p:spTree>
   </p:cSld>
   <p:clrMapOvr>
     <a:masterClrMapping/>
   </p:clrMapOvr>
+  <mc:AlternateContent xmlns:mc="http://schemas.openxmlformats.org/markup-compatibility/2006">
+    <mc:Choice xmlns:p14="http://schemas.microsoft.com/office/powerpoint/2010/main" Requires="p14">
+      <p:transition spd="slow" p14:dur="2000"/>
+    </mc:Choice>
+    <mc:Fallback>
+      <p:transition spd="slow"/>
+    </mc:Fallback>
+  </mc:AlternateContent>
+  <p:timing>
+    <p:tnLst>
+      <p:par>
+        <p:cTn id="1" dur="indefinite" restart="never" nodeType="tmRoot"/>
+      </p:par>
+    </p:tnLst>
+  </p:timing>
 </p:sld>
 </file>
 
-<file path=ppt/slides/slide7.xml><?xml version="1.0" encoding="utf-8"?>
+<file path=ppt/slides/slide9.xml><?xml version="1.0" encoding="utf-8"?>
 <p:sld xmlns:a="http://schemas.openxmlformats.org/drawingml/2006/main" xmlns:r="http://schemas.openxmlformats.org/officeDocument/2006/relationships" xmlns:p="http://schemas.openxmlformats.org/presentationml/2006/main">
   <p:cSld>
     <p:spTree>
@@ -9804,521 +10465,169 @@
           <a:chExt cx="0" cy="0"/>
         </a:xfrm>
       </p:grpSpPr>
-      <p:sp>
+      <p:sp useBgFill="1">
         <p:nvSpPr>
-          <p:cNvPr id="4103" name="Content Placeholder 1">
-            <a:extLst>
-              <a:ext uri="{FF2B5EF4-FFF2-40B4-BE49-F238E27FC236}">
-                <a16:creationId xmlns:a16="http://schemas.microsoft.com/office/drawing/2014/main" id="{8BADDA45-E75D-6A02-16F6-699ED56049A5}"/>
-              </a:ext>
-            </a:extLst>
-          </p:cNvPr>
-          <p:cNvSpPr>
-            <a:spLocks noGrp="1"/>
+          <p:cNvPr id="4" name="Textplatzhalter 7"/>
+          <p:cNvSpPr txBox="1">
+            <a:spLocks/>
           </p:cNvSpPr>
           <p:nvPr>
-            <p:ph idx="14"/>
+            <p:ph type="body" idx="13" hasCustomPrompt="1"/>
           </p:nvPr>
         </p:nvSpPr>
         <p:spPr>
-          <a:xfrm>
-            <a:off x="319091" y="1602000"/>
-            <a:ext cx="4180910" cy="3095626"/>
+          <a:xfrm rot="0">
+            <a:off x="319405" y="1600200"/>
+            <a:ext cx="8509635" cy="506095"/>
           </a:xfrm>
+          <a:prstGeom prst="rect"/>
+          <a:ln w="0">
+            <a:noFill/>
+            <a:prstDash/>
+          </a:ln>
         </p:spPr>
         <p:txBody>
-          <a:bodyPr/>
-          <a:lstStyle/>
-          <a:p>
-            <a:endParaRPr lang="en-US" dirty="0"/>
-          </a:p>
-          <a:p>
-            <a:endParaRPr lang="en-US" dirty="0"/>
-          </a:p>
-          <a:p>
-            <a:endParaRPr lang="en-US" dirty="0"/>
-          </a:p>
-          <a:p>
-            <a:endParaRPr lang="en-US" dirty="0"/>
-          </a:p>
-          <a:p>
-            <a:endParaRPr lang="en-US" dirty="0"/>
-          </a:p>
-          <a:p>
-            <a:r>
-              <a:rPr lang="en-US" dirty="0"/>
-              <a:t>What do u need Prompt Design for?</a:t>
-            </a:r>
-          </a:p>
-          <a:p>
-            <a:endParaRPr lang="en-US" dirty="0"/>
-          </a:p>
-          <a:p>
-            <a:endParaRPr lang="en-US" dirty="0"/>
-          </a:p>
-          <a:p>
-            <a:r>
-              <a:rPr lang="en-US" dirty="0"/>
-              <a:t> </a:t>
-            </a:r>
+          <a:bodyPr wrap="square" lIns="0" tIns="0" rIns="0" bIns="0" numCol="1" vert="horz" anchor="t">
+            <a:noAutofit/>
+          </a:bodyPr>
+          <a:lstStyle>
+            <a:lvl1pPr marL="0" indent="0" latinLnBrk="0">
+              <a:lnSpc>
+                <a:spcPct val="114000"/>
+              </a:lnSpc>
+              <a:buFontTx/>
+              <a:buNone/>
+              <a:defRPr lang="en-GB" altLang="en-US" sz="1400"/>
+            </a:lvl1pPr>
+          </a:lstStyle>
+          <a:p>
+            <a:pPr marL="0" indent="0" rtl="0"/>
+            <a:r>
+              <a:rPr lang="de-DE" sz="1400">
+                <a:latin typeface="Arial" charset="0"/>
+                <a:ea typeface="Times New Roman" charset="0"/>
+                <a:cs typeface="+mn-cs"/>
+              </a:rPr>
+              <a:t>Our</a:t>
+            </a:r>
+            <a:r>
+              <a:rPr lang="de-DE" sz="1400">
+                <a:latin typeface="Arial" charset="0"/>
+                <a:ea typeface="Times New Roman" charset="0"/>
+                <a:cs typeface="+mn-cs"/>
+              </a:rPr>
+              <a:t> Roadmap : </a:t>
+            </a:r>
+            <a:endParaRPr lang="ko-KR" altLang="en-US" sz="1400">
+              <a:latin typeface="Arial" charset="0"/>
+              <a:ea typeface="Times New Roman" charset="0"/>
+              <a:cs typeface="+mn-cs"/>
+            </a:endParaRPr>
+          </a:p>
+        </p:txBody>
+      </p:sp>
+      <p:sp useBgFill="1">
+        <p:nvSpPr>
+          <p:cNvPr id="3" name="Titel 1"/>
+          <p:cNvSpPr txBox="1">
+            <a:spLocks/>
+          </p:cNvSpPr>
+          <p:nvPr>
+            <p:ph type="title" hasCustomPrompt="1"/>
+          </p:nvPr>
+        </p:nvSpPr>
+        <p:spPr>
+          <a:xfrm rot="0">
+            <a:off x="319405" y="972185"/>
+            <a:ext cx="8509635" cy="407035"/>
+          </a:xfrm>
+          <a:prstGeom prst="rect"/>
+          <a:ln w="0">
+            <a:noFill/>
+            <a:prstDash/>
+          </a:ln>
+        </p:spPr>
+        <p:txBody>
+          <a:bodyPr wrap="square" lIns="0" tIns="0" rIns="0" bIns="0" numCol="1" vert="horz" anchor="t">
+            <a:spAutoFit/>
+          </a:bodyPr>
+          <a:lstStyle>
+            <a:lvl1pPr marL="0" indent="0" latinLnBrk="0">
+              <a:lnSpc>
+                <a:spcPts val="3200"/>
+              </a:lnSpc>
+              <a:buFontTx/>
+              <a:buNone/>
+              <a:defRPr lang="en-GB" altLang="en-US" sz="2500"/>
+            </a:lvl1pPr>
+          </a:lstStyle>
+          <a:p>
+            <a:pPr marL="0" indent="0" rtl="0"/>
+            <a:r>
+              <a:rPr lang="de-DE" sz="2500" b="0">
+                <a:latin typeface="Arial" charset="0"/>
+                <a:ea typeface="Times New Roman" charset="0"/>
+                <a:cs typeface="+mj-cs"/>
+              </a:rPr>
+              <a:t>Approach</a:t>
+            </a:r>
+            <a:endParaRPr lang="ko-KR" altLang="en-US" sz="2500" b="0">
+              <a:latin typeface="Arial" charset="0"/>
+              <a:ea typeface="Times New Roman" charset="0"/>
+              <a:cs typeface="+mj-cs"/>
+            </a:endParaRPr>
           </a:p>
         </p:txBody>
       </p:sp>
       <p:pic>
         <p:nvPicPr>
-          <p:cNvPr id="4098" name="Picture 2" descr="Was ist Prompt Engineering? - Datasolut GmbH">
-            <a:extLst>
-              <a:ext uri="{FF2B5EF4-FFF2-40B4-BE49-F238E27FC236}">
-                <a16:creationId xmlns:a16="http://schemas.microsoft.com/office/drawing/2014/main" id="{18361D20-9048-5834-8B68-4EFDDFD5890D}"/>
-              </a:ext>
-            </a:extLst>
-          </p:cNvPr>
+          <p:cNvPr id="2" name="Inhaltsplatzhalter 2" descr="/Users/abraxas/Library/Group Containers/L48J367XN4.com.infraware.PolarisOffice/EngineTemp/58567/fImage963421719358.png"/>
           <p:cNvPicPr>
-            <a:picLocks noGrp="1" noChangeAspect="1" noChangeArrowheads="1"/>
+            <a:picLocks noChangeAspect="1"/>
           </p:cNvPicPr>
           <p:nvPr>
-            <p:ph idx="15"/>
+            <p:ph type="obj" idx="1"/>
           </p:nvPr>
         </p:nvPicPr>
-        <p:blipFill>
-          <a:blip r:embed="rId2">
+        <p:blipFill rotWithShape="1">
+          <a:blip r:embed="rId2" cstate="print">
             <a:extLst>
               <a:ext uri="{28A0092B-C50C-407E-A947-70E740481C1C}">
                 <a14:useLocalDpi xmlns:a14="http://schemas.microsoft.com/office/drawing/2010/main" val="0"/>
               </a:ext>
             </a:extLst>
           </a:blip>
+          <a:srcRect/>
           <a:stretch>
             <a:fillRect/>
           </a:stretch>
         </p:blipFill>
-        <p:spPr bwMode="auto">
-          <a:xfrm>
-            <a:off x="4647179" y="1974247"/>
-            <a:ext cx="4180910" cy="2351131"/>
+        <p:spPr>
+          <a:xfrm rot="0">
+            <a:off x="2248535" y="1010920"/>
+            <a:ext cx="6833235" cy="4093845"/>
           </a:xfrm>
-          <a:prstGeom prst="rect">
-            <a:avLst/>
-          </a:prstGeom>
-          <a:solidFill>
-            <a:srgbClr val="FFFFFF"/>
-          </a:solidFill>
-          <a:extLst>
-            <a:ext uri="{909E8E84-426E-40DD-AFC4-6F175D3DCCD1}">
-              <a14:hiddenFill xmlns:a14="http://schemas.microsoft.com/office/drawing/2010/main">
-                <a:solidFill>
-                  <a:srgbClr val="FFFFFF"/>
-                </a:solidFill>
-              </a14:hiddenFill>
-            </a:ext>
-          </a:extLst>
+          <a:prstGeom prst="rect"/>
+          <a:noFill/>
+          <a:ln w="0">
+            <a:noFill/>
+            <a:prstDash/>
+          </a:ln>
         </p:spPr>
       </p:pic>
-      <p:sp>
-        <p:nvSpPr>
-          <p:cNvPr id="3" name="Titel 2">
-            <a:extLst>
-              <a:ext uri="{FF2B5EF4-FFF2-40B4-BE49-F238E27FC236}">
-                <a16:creationId xmlns:a16="http://schemas.microsoft.com/office/drawing/2014/main" id="{FA96049C-151E-F683-0968-68D263C23695}"/>
-              </a:ext>
-            </a:extLst>
-          </p:cNvPr>
-          <p:cNvSpPr>
-            <a:spLocks noGrp="1"/>
-          </p:cNvSpPr>
-          <p:nvPr>
-            <p:ph type="title"/>
-          </p:nvPr>
-        </p:nvSpPr>
-        <p:spPr>
-          <a:xfrm>
-            <a:off x="319090" y="972000"/>
-            <a:ext cx="8508999" cy="410369"/>
-          </a:xfrm>
-        </p:spPr>
-        <p:txBody>
-          <a:bodyPr wrap="square" anchor="t">
-            <a:normAutofit/>
-          </a:bodyPr>
-          <a:lstStyle/>
-          <a:p>
-            <a:r>
-              <a:rPr lang="en-GB" dirty="0"/>
-              <a:t>Prompt Design </a:t>
-            </a:r>
-            <a:endParaRPr lang="de-DE" dirty="0"/>
-          </a:p>
-        </p:txBody>
-      </p:sp>
     </p:spTree>
-    <p:extLst>
-      <p:ext uri="{BB962C8B-B14F-4D97-AF65-F5344CB8AC3E}">
-        <p14:creationId xmlns:p14="http://schemas.microsoft.com/office/powerpoint/2010/main" val="495375697"/>
-      </p:ext>
-    </p:extLst>
   </p:cSld>
   <p:clrMapOvr>
     <a:masterClrMapping/>
   </p:clrMapOvr>
-</p:sld>
-</file>
-
-<file path=ppt/slides/slide8.xml><?xml version="1.0" encoding="utf-8"?>
-<p:sld xmlns:a="http://schemas.openxmlformats.org/drawingml/2006/main" xmlns:r="http://schemas.openxmlformats.org/officeDocument/2006/relationships" xmlns:p="http://schemas.openxmlformats.org/presentationml/2006/main">
-  <p:cSld>
-    <p:spTree>
-      <p:nvGrpSpPr>
-        <p:cNvPr id="1" name=""/>
-        <p:cNvGrpSpPr/>
-        <p:nvPr/>
-      </p:nvGrpSpPr>
-      <p:grpSpPr>
-        <a:xfrm>
-          <a:off x="0" y="0"/>
-          <a:ext cx="0" cy="0"/>
-          <a:chOff x="0" y="0"/>
-          <a:chExt cx="0" cy="0"/>
-        </a:xfrm>
-      </p:grpSpPr>
-      <p:sp>
-        <p:nvSpPr>
-          <p:cNvPr id="1033" name="Content Placeholder 1">
-            <a:extLst>
-              <a:ext uri="{FF2B5EF4-FFF2-40B4-BE49-F238E27FC236}">
-                <a16:creationId xmlns:a16="http://schemas.microsoft.com/office/drawing/2014/main" id="{6DF65597-6AE1-51A0-D1CC-494840410F0E}"/>
-              </a:ext>
-            </a:extLst>
-          </p:cNvPr>
-          <p:cNvSpPr>
-            <a:spLocks noGrp="1"/>
-          </p:cNvSpPr>
-          <p:nvPr>
-            <p:ph idx="14"/>
-          </p:nvPr>
-        </p:nvSpPr>
-        <p:spPr>
-          <a:xfrm>
-            <a:off x="319091" y="1602000"/>
-            <a:ext cx="4180910" cy="3095626"/>
-          </a:xfrm>
-        </p:spPr>
-        <p:txBody>
-          <a:bodyPr/>
-          <a:lstStyle/>
-          <a:p>
-            <a:endParaRPr lang="en-US" dirty="0"/>
-          </a:p>
-          <a:p>
-            <a:endParaRPr lang="en-US" dirty="0"/>
-          </a:p>
-          <a:p>
-            <a:endParaRPr lang="en-US" dirty="0"/>
-          </a:p>
-          <a:p>
-            <a:endParaRPr lang="en-US" dirty="0"/>
-          </a:p>
-          <a:p>
-            <a:r>
-              <a:rPr lang="en-US" dirty="0"/>
-              <a:t>What are knowledge graphs and how can u represent them?</a:t>
-            </a:r>
-          </a:p>
-        </p:txBody>
-      </p:sp>
-      <p:pic>
-        <p:nvPicPr>
-          <p:cNvPr id="1026" name="Picture 2" descr="cover">
-            <a:extLst>
-              <a:ext uri="{FF2B5EF4-FFF2-40B4-BE49-F238E27FC236}">
-                <a16:creationId xmlns:a16="http://schemas.microsoft.com/office/drawing/2014/main" id="{F0FCEF8E-7406-ABAF-0314-6810FFF874E0}"/>
-              </a:ext>
-            </a:extLst>
-          </p:cNvPr>
-          <p:cNvPicPr>
-            <a:picLocks noGrp="1" noChangeAspect="1" noChangeArrowheads="1"/>
-          </p:cNvPicPr>
-          <p:nvPr>
-            <p:ph idx="15"/>
-          </p:nvPr>
-        </p:nvPicPr>
-        <p:blipFill>
-          <a:blip r:embed="rId2">
-            <a:extLst>
-              <a:ext uri="{28A0092B-C50C-407E-A947-70E740481C1C}">
-                <a14:useLocalDpi xmlns:a14="http://schemas.microsoft.com/office/drawing/2010/main" val="0"/>
-              </a:ext>
-            </a:extLst>
-          </a:blip>
-          <a:srcRect l="14005" r="10023" b="-2"/>
-          <a:stretch/>
-        </p:blipFill>
-        <p:spPr bwMode="auto">
-          <a:xfrm>
-            <a:off x="4037579" y="1484770"/>
-            <a:ext cx="4180910" cy="3095626"/>
-          </a:xfrm>
-          <a:prstGeom prst="rect">
-            <a:avLst/>
-          </a:prstGeom>
-          <a:solidFill>
-            <a:srgbClr val="FFFFFF"/>
-          </a:solidFill>
-          <a:extLst>
-            <a:ext uri="{909E8E84-426E-40DD-AFC4-6F175D3DCCD1}">
-              <a14:hiddenFill xmlns:a14="http://schemas.microsoft.com/office/drawing/2010/main">
-                <a:solidFill>
-                  <a:srgbClr val="FFFFFF"/>
-                </a:solidFill>
-              </a14:hiddenFill>
-            </a:ext>
-          </a:extLst>
-        </p:spPr>
-      </p:pic>
-      <p:sp>
-        <p:nvSpPr>
-          <p:cNvPr id="3" name="Titel 2">
-            <a:extLst>
-              <a:ext uri="{FF2B5EF4-FFF2-40B4-BE49-F238E27FC236}">
-                <a16:creationId xmlns:a16="http://schemas.microsoft.com/office/drawing/2014/main" id="{6FBA075F-5A25-18D8-5EF6-2E02CA2BE6CA}"/>
-              </a:ext>
-            </a:extLst>
-          </p:cNvPr>
-          <p:cNvSpPr>
-            <a:spLocks noGrp="1"/>
-          </p:cNvSpPr>
-          <p:nvPr>
-            <p:ph type="title"/>
-          </p:nvPr>
-        </p:nvSpPr>
-        <p:spPr>
-          <a:xfrm>
-            <a:off x="319090" y="972000"/>
-            <a:ext cx="8508999" cy="410369"/>
-          </a:xfrm>
-        </p:spPr>
-        <p:txBody>
-          <a:bodyPr wrap="square" anchor="t">
-            <a:normAutofit/>
-          </a:bodyPr>
-          <a:lstStyle/>
-          <a:p>
-            <a:r>
-              <a:rPr lang="en-GB" dirty="0"/>
-              <a:t>Knowledge Graphs </a:t>
-            </a:r>
-            <a:endParaRPr lang="de-DE" dirty="0"/>
-          </a:p>
-        </p:txBody>
-      </p:sp>
-    </p:spTree>
-    <p:extLst>
-      <p:ext uri="{BB962C8B-B14F-4D97-AF65-F5344CB8AC3E}">
-        <p14:creationId xmlns:p14="http://schemas.microsoft.com/office/powerpoint/2010/main" val="1189137732"/>
-      </p:ext>
-    </p:extLst>
-  </p:cSld>
-  <p:clrMapOvr>
-    <a:masterClrMapping/>
-  </p:clrMapOvr>
-</p:sld>
-</file>
-
-<file path=ppt/slides/slide9.xml><?xml version="1.0" encoding="utf-8"?>
-<p:sld xmlns:a="http://schemas.openxmlformats.org/drawingml/2006/main" xmlns:r="http://schemas.openxmlformats.org/officeDocument/2006/relationships" xmlns:p="http://schemas.openxmlformats.org/presentationml/2006/main">
-  <p:cSld>
-    <p:spTree>
-      <p:nvGrpSpPr>
-        <p:cNvPr id="1" name="">
-          <a:extLst>
-            <a:ext uri="{FF2B5EF4-FFF2-40B4-BE49-F238E27FC236}">
-              <a16:creationId xmlns:a16="http://schemas.microsoft.com/office/drawing/2014/main" id="{92790EAD-8733-CE2C-33F6-9183001DEAFA}"/>
-            </a:ext>
-          </a:extLst>
-        </p:cNvPr>
-        <p:cNvGrpSpPr/>
-        <p:nvPr/>
-      </p:nvGrpSpPr>
-      <p:grpSpPr>
-        <a:xfrm>
-          <a:off x="0" y="0"/>
-          <a:ext cx="0" cy="0"/>
-          <a:chOff x="0" y="0"/>
-          <a:chExt cx="0" cy="0"/>
-        </a:xfrm>
-      </p:grpSpPr>
-      <p:sp>
-        <p:nvSpPr>
-          <p:cNvPr id="1033" name="Content Placeholder 1">
-            <a:extLst>
-              <a:ext uri="{FF2B5EF4-FFF2-40B4-BE49-F238E27FC236}">
-                <a16:creationId xmlns:a16="http://schemas.microsoft.com/office/drawing/2014/main" id="{29FCF305-5E9F-E9F6-1CE1-7CBD7AEF81CD}"/>
-              </a:ext>
-            </a:extLst>
-          </p:cNvPr>
-          <p:cNvSpPr>
-            <a:spLocks noGrp="1"/>
-          </p:cNvSpPr>
-          <p:nvPr>
-            <p:ph idx="14"/>
-          </p:nvPr>
-        </p:nvSpPr>
-        <p:spPr>
-          <a:xfrm>
-            <a:off x="319091" y="1602000"/>
-            <a:ext cx="4180910" cy="3095626"/>
-          </a:xfrm>
-        </p:spPr>
-        <p:txBody>
-          <a:bodyPr wrap="square" anchor="t">
-            <a:normAutofit/>
-          </a:bodyPr>
-          <a:lstStyle/>
-          <a:p>
-            <a:pPr>
-              <a:spcAft>
-                <a:spcPts val="600"/>
-              </a:spcAft>
-            </a:pPr>
-            <a:endParaRPr lang="en-US"/>
-          </a:p>
-          <a:p>
-            <a:pPr>
-              <a:spcAft>
-                <a:spcPts val="600"/>
-              </a:spcAft>
-            </a:pPr>
-            <a:endParaRPr lang="en-US"/>
-          </a:p>
-          <a:p>
-            <a:pPr>
-              <a:spcAft>
-                <a:spcPts val="600"/>
-              </a:spcAft>
-            </a:pPr>
-            <a:endParaRPr lang="en-US"/>
-          </a:p>
-          <a:p>
-            <a:pPr>
-              <a:spcAft>
-                <a:spcPts val="600"/>
-              </a:spcAft>
-            </a:pPr>
-            <a:endParaRPr lang="en-US"/>
-          </a:p>
-          <a:p>
-            <a:pPr>
-              <a:spcAft>
-                <a:spcPts val="600"/>
-              </a:spcAft>
-            </a:pPr>
-            <a:r>
-              <a:rPr lang="en-US" dirty="0"/>
-              <a:t>What are knowledge graphs and how can u represent them?</a:t>
-            </a:r>
-            <a:endParaRPr lang="en-US"/>
-          </a:p>
-        </p:txBody>
-      </p:sp>
-      <p:pic>
-        <p:nvPicPr>
-          <p:cNvPr id="3076" name="Picture 4" descr="Link Structured and Unstructured Data with a Knowledge Graph">
-            <a:extLst>
-              <a:ext uri="{FF2B5EF4-FFF2-40B4-BE49-F238E27FC236}">
-                <a16:creationId xmlns:a16="http://schemas.microsoft.com/office/drawing/2014/main" id="{96734A3F-7ACF-75DC-27E5-BC4953279AFE}"/>
-              </a:ext>
-            </a:extLst>
-          </p:cNvPr>
-          <p:cNvPicPr>
-            <a:picLocks noChangeAspect="1" noChangeArrowheads="1"/>
-          </p:cNvPicPr>
-          <p:nvPr/>
-        </p:nvPicPr>
-        <p:blipFill>
-          <a:blip r:embed="rId2">
-            <a:extLst>
-              <a:ext uri="{28A0092B-C50C-407E-A947-70E740481C1C}">
-                <a14:useLocalDpi xmlns:a14="http://schemas.microsoft.com/office/drawing/2010/main" val="0"/>
-              </a:ext>
-            </a:extLst>
-          </a:blip>
-          <a:stretch>
-            <a:fillRect/>
-          </a:stretch>
-        </p:blipFill>
-        <p:spPr bwMode="auto">
-          <a:xfrm>
-            <a:off x="5189821" y="1602000"/>
-            <a:ext cx="3095626" cy="3095626"/>
-          </a:xfrm>
-          <a:prstGeom prst="rect">
-            <a:avLst/>
-          </a:prstGeom>
-          <a:solidFill>
-            <a:srgbClr val="FFFFFF"/>
-          </a:solidFill>
-          <a:ln w="9525">
-            <a:noFill/>
-            <a:miter lim="800000"/>
-            <a:headEnd/>
-            <a:tailEnd/>
-          </a:ln>
-          <a:extLst>
-            <a:ext uri="{909E8E84-426E-40DD-AFC4-6F175D3DCCD1}">
-              <a14:hiddenFill xmlns:a14="http://schemas.microsoft.com/office/drawing/2010/main">
-                <a:solidFill>
-                  <a:srgbClr val="FFFFFF"/>
-                </a:solidFill>
-              </a14:hiddenFill>
-            </a:ext>
-          </a:extLst>
-        </p:spPr>
-      </p:pic>
-      <p:sp>
-        <p:nvSpPr>
-          <p:cNvPr id="3" name="Titel 2">
-            <a:extLst>
-              <a:ext uri="{FF2B5EF4-FFF2-40B4-BE49-F238E27FC236}">
-                <a16:creationId xmlns:a16="http://schemas.microsoft.com/office/drawing/2014/main" id="{AB46B764-3D0F-2D75-73EF-48FBABACFF8C}"/>
-              </a:ext>
-            </a:extLst>
-          </p:cNvPr>
-          <p:cNvSpPr>
-            <a:spLocks noGrp="1"/>
-          </p:cNvSpPr>
-          <p:nvPr>
-            <p:ph type="title"/>
-          </p:nvPr>
-        </p:nvSpPr>
-        <p:spPr>
-          <a:xfrm>
-            <a:off x="319090" y="972000"/>
-            <a:ext cx="8508999" cy="410369"/>
-          </a:xfrm>
-        </p:spPr>
-        <p:txBody>
-          <a:bodyPr wrap="square" anchor="t">
-            <a:normAutofit/>
-          </a:bodyPr>
-          <a:lstStyle/>
-          <a:p>
-            <a:r>
-              <a:rPr lang="en-GB" dirty="0"/>
-              <a:t>Knowledge Graphs </a:t>
-            </a:r>
-            <a:endParaRPr lang="de-DE" dirty="0"/>
-          </a:p>
-        </p:txBody>
-      </p:sp>
-    </p:spTree>
-    <p:extLst>
-      <p:ext uri="{BB962C8B-B14F-4D97-AF65-F5344CB8AC3E}">
-        <p14:creationId xmlns:p14="http://schemas.microsoft.com/office/powerpoint/2010/main" val="1316809644"/>
-      </p:ext>
-    </p:extLst>
-  </p:cSld>
-  <p:clrMapOvr>
-    <a:masterClrMapping/>
-  </p:clrMapOvr>
+  <mc:AlternateContent xmlns:mc="http://schemas.openxmlformats.org/markup-compatibility/2006">
+    <mc:Choice xmlns:p14="http://schemas.microsoft.com/office/powerpoint/2010/main" Requires="p14">
+      <p:transition spd="slow" p14:dur="2000"/>
+    </mc:Choice>
+    <mc:Fallback>
+      <p:transition spd="slow"/>
+    </mc:Fallback>
+  </mc:AlternateContent>
 </p:sld>
 </file>
 
